--- a/Sprint-7/Artefatos_Sprint7.pptx
+++ b/Sprint-7/Artefatos_Sprint7.pptx
@@ -1,25 +1,122 @@
 
 <file path=ppt/presentation.xml><?xml version="1.0" encoding="utf-8"?>
-<p:presentation xmlns:a="http://schemas.openxmlformats.org/drawingml/2006/main" xmlns:p="http://schemas.openxmlformats.org/presentationml/2006/main" xmlns:r="http://schemas.openxmlformats.org/officeDocument/2006/relationships" xmlns:p14="http://schemas.microsoft.com/office/powerpoint/2010/main" xmlns:p15="http://schemas.microsoft.com/office/powerpoint/2012/main" xmlns:mc="http://schemas.openxmlformats.org/markup-compatibility/2006">
+<p:presentation xmlns:a="http://schemas.openxmlformats.org/drawingml/2006/main" xmlns:r="http://schemas.openxmlformats.org/officeDocument/2006/relationships" xmlns:p="http://schemas.openxmlformats.org/presentationml/2006/main">
   <p:sldMasterIdLst>
-    <p:sldMasterId id="2147483648" r:id="rId2"/>
-    <p:sldMasterId id="2147483661" r:id="rId3"/>
+    <p:sldMasterId id="2147483648" r:id="rId1"/>
+    <p:sldMasterId id="2147483661" r:id="rId2"/>
   </p:sldMasterIdLst>
   <p:sldIdLst>
-    <p:sldId id="256" r:id="rId4"/>
-    <p:sldId id="257" r:id="rId5"/>
-    <p:sldId id="258" r:id="rId6"/>
-    <p:sldId id="259" r:id="rId7"/>
-    <p:sldId id="260" r:id="rId8"/>
-    <p:sldId id="261" r:id="rId9"/>
+    <p:sldId id="256" r:id="rId3"/>
+    <p:sldId id="262" r:id="rId4"/>
+    <p:sldId id="263" r:id="rId5"/>
+    <p:sldId id="264" r:id="rId6"/>
+    <p:sldId id="265" r:id="rId7"/>
+    <p:sldId id="258" r:id="rId8"/>
+    <p:sldId id="259" r:id="rId9"/>
+    <p:sldId id="261" r:id="rId10"/>
   </p:sldIdLst>
-  <p:sldSz cx="9144000" cy="5143500"/>
+  <p:sldSz cx="9144000" cy="5143500" type="screen16x9"/>
   <p:notesSz cx="6858000" cy="9144000"/>
+  <p:defaultTextStyle>
+    <a:defPPr>
+      <a:defRPr lang="pt-BR"/>
+    </a:defPPr>
+    <a:lvl1pPr marL="0" algn="l" defTabSz="914400" rtl="0" eaLnBrk="1" latinLnBrk="0" hangingPunct="1">
+      <a:defRPr sz="1800" kern="1200">
+        <a:solidFill>
+          <a:schemeClr val="tx1"/>
+        </a:solidFill>
+        <a:latin typeface="+mn-lt"/>
+        <a:ea typeface="+mn-ea"/>
+        <a:cs typeface="+mn-cs"/>
+      </a:defRPr>
+    </a:lvl1pPr>
+    <a:lvl2pPr marL="457200" algn="l" defTabSz="914400" rtl="0" eaLnBrk="1" latinLnBrk="0" hangingPunct="1">
+      <a:defRPr sz="1800" kern="1200">
+        <a:solidFill>
+          <a:schemeClr val="tx1"/>
+        </a:solidFill>
+        <a:latin typeface="+mn-lt"/>
+        <a:ea typeface="+mn-ea"/>
+        <a:cs typeface="+mn-cs"/>
+      </a:defRPr>
+    </a:lvl2pPr>
+    <a:lvl3pPr marL="914400" algn="l" defTabSz="914400" rtl="0" eaLnBrk="1" latinLnBrk="0" hangingPunct="1">
+      <a:defRPr sz="1800" kern="1200">
+        <a:solidFill>
+          <a:schemeClr val="tx1"/>
+        </a:solidFill>
+        <a:latin typeface="+mn-lt"/>
+        <a:ea typeface="+mn-ea"/>
+        <a:cs typeface="+mn-cs"/>
+      </a:defRPr>
+    </a:lvl3pPr>
+    <a:lvl4pPr marL="1371600" algn="l" defTabSz="914400" rtl="0" eaLnBrk="1" latinLnBrk="0" hangingPunct="1">
+      <a:defRPr sz="1800" kern="1200">
+        <a:solidFill>
+          <a:schemeClr val="tx1"/>
+        </a:solidFill>
+        <a:latin typeface="+mn-lt"/>
+        <a:ea typeface="+mn-ea"/>
+        <a:cs typeface="+mn-cs"/>
+      </a:defRPr>
+    </a:lvl4pPr>
+    <a:lvl5pPr marL="1828800" algn="l" defTabSz="914400" rtl="0" eaLnBrk="1" latinLnBrk="0" hangingPunct="1">
+      <a:defRPr sz="1800" kern="1200">
+        <a:solidFill>
+          <a:schemeClr val="tx1"/>
+        </a:solidFill>
+        <a:latin typeface="+mn-lt"/>
+        <a:ea typeface="+mn-ea"/>
+        <a:cs typeface="+mn-cs"/>
+      </a:defRPr>
+    </a:lvl5pPr>
+    <a:lvl6pPr marL="2286000" algn="l" defTabSz="914400" rtl="0" eaLnBrk="1" latinLnBrk="0" hangingPunct="1">
+      <a:defRPr sz="1800" kern="1200">
+        <a:solidFill>
+          <a:schemeClr val="tx1"/>
+        </a:solidFill>
+        <a:latin typeface="+mn-lt"/>
+        <a:ea typeface="+mn-ea"/>
+        <a:cs typeface="+mn-cs"/>
+      </a:defRPr>
+    </a:lvl6pPr>
+    <a:lvl7pPr marL="2743200" algn="l" defTabSz="914400" rtl="0" eaLnBrk="1" latinLnBrk="0" hangingPunct="1">
+      <a:defRPr sz="1800" kern="1200">
+        <a:solidFill>
+          <a:schemeClr val="tx1"/>
+        </a:solidFill>
+        <a:latin typeface="+mn-lt"/>
+        <a:ea typeface="+mn-ea"/>
+        <a:cs typeface="+mn-cs"/>
+      </a:defRPr>
+    </a:lvl7pPr>
+    <a:lvl8pPr marL="3200400" algn="l" defTabSz="914400" rtl="0" eaLnBrk="1" latinLnBrk="0" hangingPunct="1">
+      <a:defRPr sz="1800" kern="1200">
+        <a:solidFill>
+          <a:schemeClr val="tx1"/>
+        </a:solidFill>
+        <a:latin typeface="+mn-lt"/>
+        <a:ea typeface="+mn-ea"/>
+        <a:cs typeface="+mn-cs"/>
+      </a:defRPr>
+    </a:lvl8pPr>
+    <a:lvl9pPr marL="3657600" algn="l" defTabSz="914400" rtl="0" eaLnBrk="1" latinLnBrk="0" hangingPunct="1">
+      <a:defRPr sz="1800" kern="1200">
+        <a:solidFill>
+          <a:schemeClr val="tx1"/>
+        </a:solidFill>
+        <a:latin typeface="+mn-lt"/>
+        <a:ea typeface="+mn-ea"/>
+        <a:cs typeface="+mn-cs"/>
+      </a:defRPr>
+    </a:lvl9pPr>
+  </p:defaultTextStyle>
 </p:presentation>
 </file>
 
 <file path=ppt/slideLayouts/slideLayout1.xml><?xml version="1.0" encoding="utf-8"?>
-<p:sldLayout xmlns:a="http://schemas.openxmlformats.org/drawingml/2006/main" xmlns:p="http://schemas.openxmlformats.org/presentationml/2006/main" xmlns:r="http://schemas.openxmlformats.org/officeDocument/2006/relationships" xmlns:p14="http://schemas.microsoft.com/office/powerpoint/2010/main" xmlns:p15="http://schemas.microsoft.com/office/powerpoint/2012/main" xmlns:mc="http://schemas.openxmlformats.org/markup-compatibility/2006" type="blank" preserve="1">
+<p:sldLayout xmlns:a="http://schemas.openxmlformats.org/drawingml/2006/main" xmlns:r="http://schemas.openxmlformats.org/officeDocument/2006/relationships" xmlns:p="http://schemas.openxmlformats.org/presentationml/2006/main" type="blank" preserve="1">
   <p:cSld name="Blank Slide">
     <p:spTree>
       <p:nvGrpSpPr>
@@ -37,11 +134,14 @@
       </p:grpSpPr>
     </p:spTree>
   </p:cSld>
+  <p:clrMapOvr>
+    <a:masterClrMapping/>
+  </p:clrMapOvr>
 </p:sldLayout>
 </file>
 
 <file path=ppt/slideLayouts/slideLayout10.xml><?xml version="1.0" encoding="utf-8"?>
-<p:sldLayout xmlns:a="http://schemas.openxmlformats.org/drawingml/2006/main" xmlns:p="http://schemas.openxmlformats.org/presentationml/2006/main" xmlns:r="http://schemas.openxmlformats.org/officeDocument/2006/relationships" xmlns:p14="http://schemas.microsoft.com/office/powerpoint/2010/main" xmlns:p15="http://schemas.microsoft.com/office/powerpoint/2012/main" xmlns:mc="http://schemas.openxmlformats.org/markup-compatibility/2006" type="objOverTx" preserve="1">
+<p:sldLayout xmlns:a="http://schemas.openxmlformats.org/drawingml/2006/main" xmlns:r="http://schemas.openxmlformats.org/officeDocument/2006/relationships" xmlns:p="http://schemas.openxmlformats.org/presentationml/2006/main" type="objOverTx" preserve="1">
   <p:cSld name="Title, Content over Content">
     <p:spTree>
       <p:nvGrpSpPr>
@@ -77,15 +177,16 @@
           </a:prstGeom>
         </p:spPr>
         <p:txBody>
-          <a:bodyPr lIns="0" rIns="0" tIns="0" bIns="0" anchor="ctr"/>
-          <a:p>
-            <a:endParaRPr b="0" lang="pt-BR" sz="1400" spc="-1" strike="noStrike">
-              <a:solidFill>
-                <a:srgbClr val="000000"/>
-              </a:solidFill>
-              <a:uFill>
-                <a:solidFill>
-                  <a:srgbClr val="ffffff"/>
+          <a:bodyPr lIns="0" tIns="0" rIns="0" bIns="0" anchor="ctr"/>
+          <a:lstStyle/>
+          <a:p>
+            <a:endParaRPr lang="pt-BR" sz="1400" b="0" strike="noStrike" spc="-1">
+              <a:solidFill>
+                <a:srgbClr val="000000"/>
+              </a:solidFill>
+              <a:uFill>
+                <a:solidFill>
+                  <a:srgbClr val="FFFFFF"/>
                 </a:solidFill>
               </a:uFill>
               <a:latin typeface="Arial"/>
@@ -113,15 +214,16 @@
           </a:prstGeom>
         </p:spPr>
         <p:txBody>
-          <a:bodyPr lIns="0" rIns="0" tIns="0" bIns="0"/>
-          <a:p>
-            <a:endParaRPr b="0" lang="pt-BR" sz="1400" spc="-1" strike="noStrike">
-              <a:solidFill>
-                <a:srgbClr val="000000"/>
-              </a:solidFill>
-              <a:uFill>
-                <a:solidFill>
-                  <a:srgbClr val="ffffff"/>
+          <a:bodyPr lIns="0" tIns="0" rIns="0" bIns="0"/>
+          <a:lstStyle/>
+          <a:p>
+            <a:endParaRPr lang="pt-BR" sz="1400" b="0" strike="noStrike" spc="-1">
+              <a:solidFill>
+                <a:srgbClr val="000000"/>
+              </a:solidFill>
+              <a:uFill>
+                <a:solidFill>
+                  <a:srgbClr val="FFFFFF"/>
                 </a:solidFill>
               </a:uFill>
               <a:latin typeface="Arial"/>
@@ -149,15 +251,16 @@
           </a:prstGeom>
         </p:spPr>
         <p:txBody>
-          <a:bodyPr lIns="0" rIns="0" tIns="0" bIns="0"/>
-          <a:p>
-            <a:endParaRPr b="0" lang="pt-BR" sz="1400" spc="-1" strike="noStrike">
-              <a:solidFill>
-                <a:srgbClr val="000000"/>
-              </a:solidFill>
-              <a:uFill>
-                <a:solidFill>
-                  <a:srgbClr val="ffffff"/>
+          <a:bodyPr lIns="0" tIns="0" rIns="0" bIns="0"/>
+          <a:lstStyle/>
+          <a:p>
+            <a:endParaRPr lang="pt-BR" sz="1400" b="0" strike="noStrike" spc="-1">
+              <a:solidFill>
+                <a:srgbClr val="000000"/>
+              </a:solidFill>
+              <a:uFill>
+                <a:solidFill>
+                  <a:srgbClr val="FFFFFF"/>
                 </a:solidFill>
               </a:uFill>
               <a:latin typeface="Arial"/>
@@ -167,11 +270,14 @@
       </p:sp>
     </p:spTree>
   </p:cSld>
+  <p:clrMapOvr>
+    <a:masterClrMapping/>
+  </p:clrMapOvr>
 </p:sldLayout>
 </file>
 
 <file path=ppt/slideLayouts/slideLayout11.xml><?xml version="1.0" encoding="utf-8"?>
-<p:sldLayout xmlns:a="http://schemas.openxmlformats.org/drawingml/2006/main" xmlns:p="http://schemas.openxmlformats.org/presentationml/2006/main" xmlns:r="http://schemas.openxmlformats.org/officeDocument/2006/relationships" xmlns:p14="http://schemas.microsoft.com/office/powerpoint/2010/main" xmlns:p15="http://schemas.microsoft.com/office/powerpoint/2012/main" xmlns:mc="http://schemas.openxmlformats.org/markup-compatibility/2006" type="fourObj" preserve="1">
+<p:sldLayout xmlns:a="http://schemas.openxmlformats.org/drawingml/2006/main" xmlns:r="http://schemas.openxmlformats.org/officeDocument/2006/relationships" xmlns:p="http://schemas.openxmlformats.org/presentationml/2006/main" type="fourObj" preserve="1">
   <p:cSld name="Title, 4 Content">
     <p:spTree>
       <p:nvGrpSpPr>
@@ -207,15 +313,16 @@
           </a:prstGeom>
         </p:spPr>
         <p:txBody>
-          <a:bodyPr lIns="0" rIns="0" tIns="0" bIns="0" anchor="ctr"/>
-          <a:p>
-            <a:endParaRPr b="0" lang="pt-BR" sz="1400" spc="-1" strike="noStrike">
-              <a:solidFill>
-                <a:srgbClr val="000000"/>
-              </a:solidFill>
-              <a:uFill>
-                <a:solidFill>
-                  <a:srgbClr val="ffffff"/>
+          <a:bodyPr lIns="0" tIns="0" rIns="0" bIns="0" anchor="ctr"/>
+          <a:lstStyle/>
+          <a:p>
+            <a:endParaRPr lang="pt-BR" sz="1400" b="0" strike="noStrike" spc="-1">
+              <a:solidFill>
+                <a:srgbClr val="000000"/>
+              </a:solidFill>
+              <a:uFill>
+                <a:solidFill>
+                  <a:srgbClr val="FFFFFF"/>
                 </a:solidFill>
               </a:uFill>
               <a:latin typeface="Arial"/>
@@ -243,15 +350,16 @@
           </a:prstGeom>
         </p:spPr>
         <p:txBody>
-          <a:bodyPr lIns="0" rIns="0" tIns="0" bIns="0"/>
-          <a:p>
-            <a:endParaRPr b="0" lang="pt-BR" sz="1400" spc="-1" strike="noStrike">
-              <a:solidFill>
-                <a:srgbClr val="000000"/>
-              </a:solidFill>
-              <a:uFill>
-                <a:solidFill>
-                  <a:srgbClr val="ffffff"/>
+          <a:bodyPr lIns="0" tIns="0" rIns="0" bIns="0"/>
+          <a:lstStyle/>
+          <a:p>
+            <a:endParaRPr lang="pt-BR" sz="1400" b="0" strike="noStrike" spc="-1">
+              <a:solidFill>
+                <a:srgbClr val="000000"/>
+              </a:solidFill>
+              <a:uFill>
+                <a:solidFill>
+                  <a:srgbClr val="FFFFFF"/>
                 </a:solidFill>
               </a:uFill>
               <a:latin typeface="Arial"/>
@@ -279,15 +387,16 @@
           </a:prstGeom>
         </p:spPr>
         <p:txBody>
-          <a:bodyPr lIns="0" rIns="0" tIns="0" bIns="0"/>
-          <a:p>
-            <a:endParaRPr b="0" lang="pt-BR" sz="1400" spc="-1" strike="noStrike">
-              <a:solidFill>
-                <a:srgbClr val="000000"/>
-              </a:solidFill>
-              <a:uFill>
-                <a:solidFill>
-                  <a:srgbClr val="ffffff"/>
+          <a:bodyPr lIns="0" tIns="0" rIns="0" bIns="0"/>
+          <a:lstStyle/>
+          <a:p>
+            <a:endParaRPr lang="pt-BR" sz="1400" b="0" strike="noStrike" spc="-1">
+              <a:solidFill>
+                <a:srgbClr val="000000"/>
+              </a:solidFill>
+              <a:uFill>
+                <a:solidFill>
+                  <a:srgbClr val="FFFFFF"/>
                 </a:solidFill>
               </a:uFill>
               <a:latin typeface="Arial"/>
@@ -315,15 +424,16 @@
           </a:prstGeom>
         </p:spPr>
         <p:txBody>
-          <a:bodyPr lIns="0" rIns="0" tIns="0" bIns="0"/>
-          <a:p>
-            <a:endParaRPr b="0" lang="pt-BR" sz="1400" spc="-1" strike="noStrike">
-              <a:solidFill>
-                <a:srgbClr val="000000"/>
-              </a:solidFill>
-              <a:uFill>
-                <a:solidFill>
-                  <a:srgbClr val="ffffff"/>
+          <a:bodyPr lIns="0" tIns="0" rIns="0" bIns="0"/>
+          <a:lstStyle/>
+          <a:p>
+            <a:endParaRPr lang="pt-BR" sz="1400" b="0" strike="noStrike" spc="-1">
+              <a:solidFill>
+                <a:srgbClr val="000000"/>
+              </a:solidFill>
+              <a:uFill>
+                <a:solidFill>
+                  <a:srgbClr val="FFFFFF"/>
                 </a:solidFill>
               </a:uFill>
               <a:latin typeface="Arial"/>
@@ -351,15 +461,16 @@
           </a:prstGeom>
         </p:spPr>
         <p:txBody>
-          <a:bodyPr lIns="0" rIns="0" tIns="0" bIns="0"/>
-          <a:p>
-            <a:endParaRPr b="0" lang="pt-BR" sz="1400" spc="-1" strike="noStrike">
-              <a:solidFill>
-                <a:srgbClr val="000000"/>
-              </a:solidFill>
-              <a:uFill>
-                <a:solidFill>
-                  <a:srgbClr val="ffffff"/>
+          <a:bodyPr lIns="0" tIns="0" rIns="0" bIns="0"/>
+          <a:lstStyle/>
+          <a:p>
+            <a:endParaRPr lang="pt-BR" sz="1400" b="0" strike="noStrike" spc="-1">
+              <a:solidFill>
+                <a:srgbClr val="000000"/>
+              </a:solidFill>
+              <a:uFill>
+                <a:solidFill>
+                  <a:srgbClr val="FFFFFF"/>
                 </a:solidFill>
               </a:uFill>
               <a:latin typeface="Arial"/>
@@ -369,11 +480,14 @@
       </p:sp>
     </p:spTree>
   </p:cSld>
+  <p:clrMapOvr>
+    <a:masterClrMapping/>
+  </p:clrMapOvr>
 </p:sldLayout>
 </file>
 
 <file path=ppt/slideLayouts/slideLayout12.xml><?xml version="1.0" encoding="utf-8"?>
-<p:sldLayout xmlns:a="http://schemas.openxmlformats.org/drawingml/2006/main" xmlns:p="http://schemas.openxmlformats.org/presentationml/2006/main" xmlns:r="http://schemas.openxmlformats.org/officeDocument/2006/relationships" xmlns:p14="http://schemas.microsoft.com/office/powerpoint/2010/main" xmlns:p15="http://schemas.microsoft.com/office/powerpoint/2012/main" xmlns:mc="http://schemas.openxmlformats.org/markup-compatibility/2006" type="blank" preserve="1">
+<p:sldLayout xmlns:a="http://schemas.openxmlformats.org/drawingml/2006/main" xmlns:r="http://schemas.openxmlformats.org/officeDocument/2006/relationships" xmlns:p="http://schemas.openxmlformats.org/presentationml/2006/main" type="blank" preserve="1">
   <p:cSld name="Title, 6 Content">
     <p:spTree>
       <p:nvGrpSpPr>
@@ -409,15 +523,16 @@
           </a:prstGeom>
         </p:spPr>
         <p:txBody>
-          <a:bodyPr lIns="0" rIns="0" tIns="0" bIns="0" anchor="ctr"/>
-          <a:p>
-            <a:endParaRPr b="0" lang="pt-BR" sz="1400" spc="-1" strike="noStrike">
-              <a:solidFill>
-                <a:srgbClr val="000000"/>
-              </a:solidFill>
-              <a:uFill>
-                <a:solidFill>
-                  <a:srgbClr val="ffffff"/>
+          <a:bodyPr lIns="0" tIns="0" rIns="0" bIns="0" anchor="ctr"/>
+          <a:lstStyle/>
+          <a:p>
+            <a:endParaRPr lang="pt-BR" sz="1400" b="0" strike="noStrike" spc="-1">
+              <a:solidFill>
+                <a:srgbClr val="000000"/>
+              </a:solidFill>
+              <a:uFill>
+                <a:solidFill>
+                  <a:srgbClr val="FFFFFF"/>
                 </a:solidFill>
               </a:uFill>
               <a:latin typeface="Arial"/>
@@ -445,15 +560,16 @@
           </a:prstGeom>
         </p:spPr>
         <p:txBody>
-          <a:bodyPr lIns="0" rIns="0" tIns="0" bIns="0"/>
-          <a:p>
-            <a:endParaRPr b="0" lang="pt-BR" sz="1400" spc="-1" strike="noStrike">
-              <a:solidFill>
-                <a:srgbClr val="000000"/>
-              </a:solidFill>
-              <a:uFill>
-                <a:solidFill>
-                  <a:srgbClr val="ffffff"/>
+          <a:bodyPr lIns="0" tIns="0" rIns="0" bIns="0"/>
+          <a:lstStyle/>
+          <a:p>
+            <a:endParaRPr lang="pt-BR" sz="1400" b="0" strike="noStrike" spc="-1">
+              <a:solidFill>
+                <a:srgbClr val="000000"/>
+              </a:solidFill>
+              <a:uFill>
+                <a:solidFill>
+                  <a:srgbClr val="FFFFFF"/>
                 </a:solidFill>
               </a:uFill>
               <a:latin typeface="Arial"/>
@@ -481,15 +597,16 @@
           </a:prstGeom>
         </p:spPr>
         <p:txBody>
-          <a:bodyPr lIns="0" rIns="0" tIns="0" bIns="0"/>
-          <a:p>
-            <a:endParaRPr b="0" lang="pt-BR" sz="1400" spc="-1" strike="noStrike">
-              <a:solidFill>
-                <a:srgbClr val="000000"/>
-              </a:solidFill>
-              <a:uFill>
-                <a:solidFill>
-                  <a:srgbClr val="ffffff"/>
+          <a:bodyPr lIns="0" tIns="0" rIns="0" bIns="0"/>
+          <a:lstStyle/>
+          <a:p>
+            <a:endParaRPr lang="pt-BR" sz="1400" b="0" strike="noStrike" spc="-1">
+              <a:solidFill>
+                <a:srgbClr val="000000"/>
+              </a:solidFill>
+              <a:uFill>
+                <a:solidFill>
+                  <a:srgbClr val="FFFFFF"/>
                 </a:solidFill>
               </a:uFill>
               <a:latin typeface="Arial"/>
@@ -499,7 +616,7 @@
       </p:sp>
       <p:pic>
         <p:nvPicPr>
-          <p:cNvPr id="36" name="" descr=""/>
+          <p:cNvPr id="36" name="Imagem 35"/>
           <p:cNvPicPr/>
           <p:nvPr/>
         </p:nvPicPr>
@@ -522,12 +639,12 @@
       </p:pic>
       <p:pic>
         <p:nvPicPr>
-          <p:cNvPr id="37" name="" descr=""/>
+          <p:cNvPr id="37" name="Imagem 36"/>
           <p:cNvPicPr/>
           <p:nvPr/>
         </p:nvPicPr>
         <p:blipFill>
-          <a:blip r:embed="rId3"/>
+          <a:blip r:embed="rId2"/>
           <a:stretch/>
         </p:blipFill>
         <p:spPr>
@@ -545,11 +662,14 @@
       </p:pic>
     </p:spTree>
   </p:cSld>
+  <p:clrMapOvr>
+    <a:masterClrMapping/>
+  </p:clrMapOvr>
 </p:sldLayout>
 </file>
 
 <file path=ppt/slideLayouts/slideLayout13.xml><?xml version="1.0" encoding="utf-8"?>
-<p:sldLayout xmlns:a="http://schemas.openxmlformats.org/drawingml/2006/main" xmlns:p="http://schemas.openxmlformats.org/presentationml/2006/main" xmlns:r="http://schemas.openxmlformats.org/officeDocument/2006/relationships" xmlns:p14="http://schemas.microsoft.com/office/powerpoint/2010/main" xmlns:p15="http://schemas.microsoft.com/office/powerpoint/2012/main" xmlns:mc="http://schemas.openxmlformats.org/markup-compatibility/2006" type="blank" preserve="1">
+<p:sldLayout xmlns:a="http://schemas.openxmlformats.org/drawingml/2006/main" xmlns:r="http://schemas.openxmlformats.org/officeDocument/2006/relationships" xmlns:p="http://schemas.openxmlformats.org/presentationml/2006/main" type="blank" preserve="1">
   <p:cSld name="Blank Slide">
     <p:spTree>
       <p:nvGrpSpPr>
@@ -567,11 +687,14 @@
       </p:grpSpPr>
     </p:spTree>
   </p:cSld>
+  <p:clrMapOvr>
+    <a:masterClrMapping/>
+  </p:clrMapOvr>
 </p:sldLayout>
 </file>
 
 <file path=ppt/slideLayouts/slideLayout14.xml><?xml version="1.0" encoding="utf-8"?>
-<p:sldLayout xmlns:a="http://schemas.openxmlformats.org/drawingml/2006/main" xmlns:p="http://schemas.openxmlformats.org/presentationml/2006/main" xmlns:r="http://schemas.openxmlformats.org/officeDocument/2006/relationships" xmlns:p14="http://schemas.microsoft.com/office/powerpoint/2010/main" xmlns:p15="http://schemas.microsoft.com/office/powerpoint/2012/main" xmlns:mc="http://schemas.openxmlformats.org/markup-compatibility/2006" type="tx" preserve="1">
+<p:sldLayout xmlns:a="http://schemas.openxmlformats.org/drawingml/2006/main" xmlns:r="http://schemas.openxmlformats.org/officeDocument/2006/relationships" xmlns:p="http://schemas.openxmlformats.org/presentationml/2006/main" type="tx" preserve="1">
   <p:cSld name="Title Slide">
     <p:spTree>
       <p:nvGrpSpPr>
@@ -607,15 +730,16 @@
           </a:prstGeom>
         </p:spPr>
         <p:txBody>
-          <a:bodyPr lIns="0" rIns="0" tIns="0" bIns="0" anchor="ctr"/>
-          <a:p>
-            <a:endParaRPr b="0" lang="pt-BR" sz="1400" spc="-1" strike="noStrike">
-              <a:solidFill>
-                <a:srgbClr val="000000"/>
-              </a:solidFill>
-              <a:uFill>
-                <a:solidFill>
-                  <a:srgbClr val="ffffff"/>
+          <a:bodyPr lIns="0" tIns="0" rIns="0" bIns="0" anchor="ctr"/>
+          <a:lstStyle/>
+          <a:p>
+            <a:endParaRPr lang="pt-BR" sz="1400" b="0" strike="noStrike" spc="-1">
+              <a:solidFill>
+                <a:srgbClr val="000000"/>
+              </a:solidFill>
+              <a:uFill>
+                <a:solidFill>
+                  <a:srgbClr val="FFFFFF"/>
                 </a:solidFill>
               </a:uFill>
               <a:latin typeface="Arial"/>
@@ -643,16 +767,17 @@
           </a:prstGeom>
         </p:spPr>
         <p:txBody>
-          <a:bodyPr lIns="0" rIns="0" tIns="0" bIns="0" anchor="ctr"/>
+          <a:bodyPr lIns="0" tIns="0" rIns="0" bIns="0" anchor="ctr"/>
+          <a:lstStyle/>
           <a:p>
             <a:pPr algn="ctr"/>
-            <a:endParaRPr b="0" lang="pt-BR" sz="3200" spc="-1" strike="noStrike">
-              <a:solidFill>
-                <a:srgbClr val="000000"/>
-              </a:solidFill>
-              <a:uFill>
-                <a:solidFill>
-                  <a:srgbClr val="ffffff"/>
+            <a:endParaRPr lang="pt-BR" sz="3200" b="0" strike="noStrike" spc="-1">
+              <a:solidFill>
+                <a:srgbClr val="000000"/>
+              </a:solidFill>
+              <a:uFill>
+                <a:solidFill>
+                  <a:srgbClr val="FFFFFF"/>
                 </a:solidFill>
               </a:uFill>
               <a:latin typeface="Arial"/>
@@ -662,11 +787,14 @@
       </p:sp>
     </p:spTree>
   </p:cSld>
+  <p:clrMapOvr>
+    <a:masterClrMapping/>
+  </p:clrMapOvr>
 </p:sldLayout>
 </file>
 
 <file path=ppt/slideLayouts/slideLayout15.xml><?xml version="1.0" encoding="utf-8"?>
-<p:sldLayout xmlns:a="http://schemas.openxmlformats.org/drawingml/2006/main" xmlns:p="http://schemas.openxmlformats.org/presentationml/2006/main" xmlns:r="http://schemas.openxmlformats.org/officeDocument/2006/relationships" xmlns:p14="http://schemas.microsoft.com/office/powerpoint/2010/main" xmlns:p15="http://schemas.microsoft.com/office/powerpoint/2012/main" xmlns:mc="http://schemas.openxmlformats.org/markup-compatibility/2006" type="obj" preserve="1">
+<p:sldLayout xmlns:a="http://schemas.openxmlformats.org/drawingml/2006/main" xmlns:r="http://schemas.openxmlformats.org/officeDocument/2006/relationships" xmlns:p="http://schemas.openxmlformats.org/presentationml/2006/main" type="obj" preserve="1">
   <p:cSld name="Title, Content">
     <p:spTree>
       <p:nvGrpSpPr>
@@ -702,15 +830,16 @@
           </a:prstGeom>
         </p:spPr>
         <p:txBody>
-          <a:bodyPr lIns="0" rIns="0" tIns="0" bIns="0" anchor="ctr"/>
-          <a:p>
-            <a:endParaRPr b="0" lang="pt-BR" sz="1400" spc="-1" strike="noStrike">
-              <a:solidFill>
-                <a:srgbClr val="000000"/>
-              </a:solidFill>
-              <a:uFill>
-                <a:solidFill>
-                  <a:srgbClr val="ffffff"/>
+          <a:bodyPr lIns="0" tIns="0" rIns="0" bIns="0" anchor="ctr"/>
+          <a:lstStyle/>
+          <a:p>
+            <a:endParaRPr lang="pt-BR" sz="1400" b="0" strike="noStrike" spc="-1">
+              <a:solidFill>
+                <a:srgbClr val="000000"/>
+              </a:solidFill>
+              <a:uFill>
+                <a:solidFill>
+                  <a:srgbClr val="FFFFFF"/>
                 </a:solidFill>
               </a:uFill>
               <a:latin typeface="Arial"/>
@@ -738,15 +867,16 @@
           </a:prstGeom>
         </p:spPr>
         <p:txBody>
-          <a:bodyPr lIns="0" rIns="0" tIns="0" bIns="0"/>
-          <a:p>
-            <a:endParaRPr b="0" lang="pt-BR" sz="1400" spc="-1" strike="noStrike">
-              <a:solidFill>
-                <a:srgbClr val="000000"/>
-              </a:solidFill>
-              <a:uFill>
-                <a:solidFill>
-                  <a:srgbClr val="ffffff"/>
+          <a:bodyPr lIns="0" tIns="0" rIns="0" bIns="0"/>
+          <a:lstStyle/>
+          <a:p>
+            <a:endParaRPr lang="pt-BR" sz="1400" b="0" strike="noStrike" spc="-1">
+              <a:solidFill>
+                <a:srgbClr val="000000"/>
+              </a:solidFill>
+              <a:uFill>
+                <a:solidFill>
+                  <a:srgbClr val="FFFFFF"/>
                 </a:solidFill>
               </a:uFill>
               <a:latin typeface="Arial"/>
@@ -756,11 +886,14 @@
       </p:sp>
     </p:spTree>
   </p:cSld>
+  <p:clrMapOvr>
+    <a:masterClrMapping/>
+  </p:clrMapOvr>
 </p:sldLayout>
 </file>
 
 <file path=ppt/slideLayouts/slideLayout16.xml><?xml version="1.0" encoding="utf-8"?>
-<p:sldLayout xmlns:a="http://schemas.openxmlformats.org/drawingml/2006/main" xmlns:p="http://schemas.openxmlformats.org/presentationml/2006/main" xmlns:r="http://schemas.openxmlformats.org/officeDocument/2006/relationships" xmlns:p14="http://schemas.microsoft.com/office/powerpoint/2010/main" xmlns:p15="http://schemas.microsoft.com/office/powerpoint/2012/main" xmlns:mc="http://schemas.openxmlformats.org/markup-compatibility/2006" type="twoObj" preserve="1">
+<p:sldLayout xmlns:a="http://schemas.openxmlformats.org/drawingml/2006/main" xmlns:r="http://schemas.openxmlformats.org/officeDocument/2006/relationships" xmlns:p="http://schemas.openxmlformats.org/presentationml/2006/main" type="twoObj" preserve="1">
   <p:cSld name="Title, 2 Content">
     <p:spTree>
       <p:nvGrpSpPr>
@@ -796,15 +929,16 @@
           </a:prstGeom>
         </p:spPr>
         <p:txBody>
-          <a:bodyPr lIns="0" rIns="0" tIns="0" bIns="0" anchor="ctr"/>
-          <a:p>
-            <a:endParaRPr b="0" lang="pt-BR" sz="1400" spc="-1" strike="noStrike">
-              <a:solidFill>
-                <a:srgbClr val="000000"/>
-              </a:solidFill>
-              <a:uFill>
-                <a:solidFill>
-                  <a:srgbClr val="ffffff"/>
+          <a:bodyPr lIns="0" tIns="0" rIns="0" bIns="0" anchor="ctr"/>
+          <a:lstStyle/>
+          <a:p>
+            <a:endParaRPr lang="pt-BR" sz="1400" b="0" strike="noStrike" spc="-1">
+              <a:solidFill>
+                <a:srgbClr val="000000"/>
+              </a:solidFill>
+              <a:uFill>
+                <a:solidFill>
+                  <a:srgbClr val="FFFFFF"/>
                 </a:solidFill>
               </a:uFill>
               <a:latin typeface="Arial"/>
@@ -832,15 +966,16 @@
           </a:prstGeom>
         </p:spPr>
         <p:txBody>
-          <a:bodyPr lIns="0" rIns="0" tIns="0" bIns="0"/>
-          <a:p>
-            <a:endParaRPr b="0" lang="pt-BR" sz="1400" spc="-1" strike="noStrike">
-              <a:solidFill>
-                <a:srgbClr val="000000"/>
-              </a:solidFill>
-              <a:uFill>
-                <a:solidFill>
-                  <a:srgbClr val="ffffff"/>
+          <a:bodyPr lIns="0" tIns="0" rIns="0" bIns="0"/>
+          <a:lstStyle/>
+          <a:p>
+            <a:endParaRPr lang="pt-BR" sz="1400" b="0" strike="noStrike" spc="-1">
+              <a:solidFill>
+                <a:srgbClr val="000000"/>
+              </a:solidFill>
+              <a:uFill>
+                <a:solidFill>
+                  <a:srgbClr val="FFFFFF"/>
                 </a:solidFill>
               </a:uFill>
               <a:latin typeface="Arial"/>
@@ -868,15 +1003,16 @@
           </a:prstGeom>
         </p:spPr>
         <p:txBody>
-          <a:bodyPr lIns="0" rIns="0" tIns="0" bIns="0"/>
-          <a:p>
-            <a:endParaRPr b="0" lang="pt-BR" sz="1400" spc="-1" strike="noStrike">
-              <a:solidFill>
-                <a:srgbClr val="000000"/>
-              </a:solidFill>
-              <a:uFill>
-                <a:solidFill>
-                  <a:srgbClr val="ffffff"/>
+          <a:bodyPr lIns="0" tIns="0" rIns="0" bIns="0"/>
+          <a:lstStyle/>
+          <a:p>
+            <a:endParaRPr lang="pt-BR" sz="1400" b="0" strike="noStrike" spc="-1">
+              <a:solidFill>
+                <a:srgbClr val="000000"/>
+              </a:solidFill>
+              <a:uFill>
+                <a:solidFill>
+                  <a:srgbClr val="FFFFFF"/>
                 </a:solidFill>
               </a:uFill>
               <a:latin typeface="Arial"/>
@@ -886,11 +1022,14 @@
       </p:sp>
     </p:spTree>
   </p:cSld>
+  <p:clrMapOvr>
+    <a:masterClrMapping/>
+  </p:clrMapOvr>
 </p:sldLayout>
 </file>
 
 <file path=ppt/slideLayouts/slideLayout17.xml><?xml version="1.0" encoding="utf-8"?>
-<p:sldLayout xmlns:a="http://schemas.openxmlformats.org/drawingml/2006/main" xmlns:p="http://schemas.openxmlformats.org/presentationml/2006/main" xmlns:r="http://schemas.openxmlformats.org/officeDocument/2006/relationships" xmlns:p14="http://schemas.microsoft.com/office/powerpoint/2010/main" xmlns:p15="http://schemas.microsoft.com/office/powerpoint/2012/main" xmlns:mc="http://schemas.openxmlformats.org/markup-compatibility/2006" type="titleOnly" preserve="1">
+<p:sldLayout xmlns:a="http://schemas.openxmlformats.org/drawingml/2006/main" xmlns:r="http://schemas.openxmlformats.org/officeDocument/2006/relationships" xmlns:p="http://schemas.openxmlformats.org/presentationml/2006/main" type="titleOnly" preserve="1">
   <p:cSld name="Title Only">
     <p:spTree>
       <p:nvGrpSpPr>
@@ -926,15 +1065,16 @@
           </a:prstGeom>
         </p:spPr>
         <p:txBody>
-          <a:bodyPr lIns="0" rIns="0" tIns="0" bIns="0" anchor="ctr"/>
-          <a:p>
-            <a:endParaRPr b="0" lang="pt-BR" sz="1400" spc="-1" strike="noStrike">
-              <a:solidFill>
-                <a:srgbClr val="000000"/>
-              </a:solidFill>
-              <a:uFill>
-                <a:solidFill>
-                  <a:srgbClr val="ffffff"/>
+          <a:bodyPr lIns="0" tIns="0" rIns="0" bIns="0" anchor="ctr"/>
+          <a:lstStyle/>
+          <a:p>
+            <a:endParaRPr lang="pt-BR" sz="1400" b="0" strike="noStrike" spc="-1">
+              <a:solidFill>
+                <a:srgbClr val="000000"/>
+              </a:solidFill>
+              <a:uFill>
+                <a:solidFill>
+                  <a:srgbClr val="FFFFFF"/>
                 </a:solidFill>
               </a:uFill>
               <a:latin typeface="Arial"/>
@@ -944,11 +1084,14 @@
       </p:sp>
     </p:spTree>
   </p:cSld>
+  <p:clrMapOvr>
+    <a:masterClrMapping/>
+  </p:clrMapOvr>
 </p:sldLayout>
 </file>
 
 <file path=ppt/slideLayouts/slideLayout18.xml><?xml version="1.0" encoding="utf-8"?>
-<p:sldLayout xmlns:a="http://schemas.openxmlformats.org/drawingml/2006/main" xmlns:p="http://schemas.openxmlformats.org/presentationml/2006/main" xmlns:r="http://schemas.openxmlformats.org/officeDocument/2006/relationships" xmlns:p14="http://schemas.microsoft.com/office/powerpoint/2010/main" xmlns:p15="http://schemas.microsoft.com/office/powerpoint/2012/main" xmlns:mc="http://schemas.openxmlformats.org/markup-compatibility/2006" type="objOnly" preserve="1">
+<p:sldLayout xmlns:a="http://schemas.openxmlformats.org/drawingml/2006/main" xmlns:r="http://schemas.openxmlformats.org/officeDocument/2006/relationships" xmlns:p="http://schemas.openxmlformats.org/presentationml/2006/main" type="objOnly" preserve="1">
   <p:cSld name="Centered Text">
     <p:spTree>
       <p:nvGrpSpPr>
@@ -984,16 +1127,17 @@
           </a:prstGeom>
         </p:spPr>
         <p:txBody>
-          <a:bodyPr lIns="0" rIns="0" tIns="0" bIns="0" anchor="ctr"/>
+          <a:bodyPr lIns="0" tIns="0" rIns="0" bIns="0" anchor="ctr"/>
+          <a:lstStyle/>
           <a:p>
             <a:pPr algn="ctr"/>
-            <a:endParaRPr b="0" lang="pt-BR" sz="3200" spc="-1" strike="noStrike">
-              <a:solidFill>
-                <a:srgbClr val="000000"/>
-              </a:solidFill>
-              <a:uFill>
-                <a:solidFill>
-                  <a:srgbClr val="ffffff"/>
+            <a:endParaRPr lang="pt-BR" sz="3200" b="0" strike="noStrike" spc="-1">
+              <a:solidFill>
+                <a:srgbClr val="000000"/>
+              </a:solidFill>
+              <a:uFill>
+                <a:solidFill>
+                  <a:srgbClr val="FFFFFF"/>
                 </a:solidFill>
               </a:uFill>
               <a:latin typeface="Arial"/>
@@ -1003,11 +1147,14 @@
       </p:sp>
     </p:spTree>
   </p:cSld>
+  <p:clrMapOvr>
+    <a:masterClrMapping/>
+  </p:clrMapOvr>
 </p:sldLayout>
 </file>
 
 <file path=ppt/slideLayouts/slideLayout19.xml><?xml version="1.0" encoding="utf-8"?>
-<p:sldLayout xmlns:a="http://schemas.openxmlformats.org/drawingml/2006/main" xmlns:p="http://schemas.openxmlformats.org/presentationml/2006/main" xmlns:r="http://schemas.openxmlformats.org/officeDocument/2006/relationships" xmlns:p14="http://schemas.microsoft.com/office/powerpoint/2010/main" xmlns:p15="http://schemas.microsoft.com/office/powerpoint/2012/main" xmlns:mc="http://schemas.openxmlformats.org/markup-compatibility/2006" type="twoObjAndObj" preserve="1">
+<p:sldLayout xmlns:a="http://schemas.openxmlformats.org/drawingml/2006/main" xmlns:r="http://schemas.openxmlformats.org/officeDocument/2006/relationships" xmlns:p="http://schemas.openxmlformats.org/presentationml/2006/main" type="twoObjAndObj" preserve="1">
   <p:cSld name="Title, 2 Content and Content">
     <p:spTree>
       <p:nvGrpSpPr>
@@ -1043,15 +1190,16 @@
           </a:prstGeom>
         </p:spPr>
         <p:txBody>
-          <a:bodyPr lIns="0" rIns="0" tIns="0" bIns="0" anchor="ctr"/>
-          <a:p>
-            <a:endParaRPr b="0" lang="pt-BR" sz="1400" spc="-1" strike="noStrike">
-              <a:solidFill>
-                <a:srgbClr val="000000"/>
-              </a:solidFill>
-              <a:uFill>
-                <a:solidFill>
-                  <a:srgbClr val="ffffff"/>
+          <a:bodyPr lIns="0" tIns="0" rIns="0" bIns="0" anchor="ctr"/>
+          <a:lstStyle/>
+          <a:p>
+            <a:endParaRPr lang="pt-BR" sz="1400" b="0" strike="noStrike" spc="-1">
+              <a:solidFill>
+                <a:srgbClr val="000000"/>
+              </a:solidFill>
+              <a:uFill>
+                <a:solidFill>
+                  <a:srgbClr val="FFFFFF"/>
                 </a:solidFill>
               </a:uFill>
               <a:latin typeface="Arial"/>
@@ -1079,15 +1227,16 @@
           </a:prstGeom>
         </p:spPr>
         <p:txBody>
-          <a:bodyPr lIns="0" rIns="0" tIns="0" bIns="0"/>
-          <a:p>
-            <a:endParaRPr b="0" lang="pt-BR" sz="1400" spc="-1" strike="noStrike">
-              <a:solidFill>
-                <a:srgbClr val="000000"/>
-              </a:solidFill>
-              <a:uFill>
-                <a:solidFill>
-                  <a:srgbClr val="ffffff"/>
+          <a:bodyPr lIns="0" tIns="0" rIns="0" bIns="0"/>
+          <a:lstStyle/>
+          <a:p>
+            <a:endParaRPr lang="pt-BR" sz="1400" b="0" strike="noStrike" spc="-1">
+              <a:solidFill>
+                <a:srgbClr val="000000"/>
+              </a:solidFill>
+              <a:uFill>
+                <a:solidFill>
+                  <a:srgbClr val="FFFFFF"/>
                 </a:solidFill>
               </a:uFill>
               <a:latin typeface="Arial"/>
@@ -1115,15 +1264,16 @@
           </a:prstGeom>
         </p:spPr>
         <p:txBody>
-          <a:bodyPr lIns="0" rIns="0" tIns="0" bIns="0"/>
-          <a:p>
-            <a:endParaRPr b="0" lang="pt-BR" sz="1400" spc="-1" strike="noStrike">
-              <a:solidFill>
-                <a:srgbClr val="000000"/>
-              </a:solidFill>
-              <a:uFill>
-                <a:solidFill>
-                  <a:srgbClr val="ffffff"/>
+          <a:bodyPr lIns="0" tIns="0" rIns="0" bIns="0"/>
+          <a:lstStyle/>
+          <a:p>
+            <a:endParaRPr lang="pt-BR" sz="1400" b="0" strike="noStrike" spc="-1">
+              <a:solidFill>
+                <a:srgbClr val="000000"/>
+              </a:solidFill>
+              <a:uFill>
+                <a:solidFill>
+                  <a:srgbClr val="FFFFFF"/>
                 </a:solidFill>
               </a:uFill>
               <a:latin typeface="Arial"/>
@@ -1151,15 +1301,16 @@
           </a:prstGeom>
         </p:spPr>
         <p:txBody>
-          <a:bodyPr lIns="0" rIns="0" tIns="0" bIns="0"/>
-          <a:p>
-            <a:endParaRPr b="0" lang="pt-BR" sz="1400" spc="-1" strike="noStrike">
-              <a:solidFill>
-                <a:srgbClr val="000000"/>
-              </a:solidFill>
-              <a:uFill>
-                <a:solidFill>
-                  <a:srgbClr val="ffffff"/>
+          <a:bodyPr lIns="0" tIns="0" rIns="0" bIns="0"/>
+          <a:lstStyle/>
+          <a:p>
+            <a:endParaRPr lang="pt-BR" sz="1400" b="0" strike="noStrike" spc="-1">
+              <a:solidFill>
+                <a:srgbClr val="000000"/>
+              </a:solidFill>
+              <a:uFill>
+                <a:solidFill>
+                  <a:srgbClr val="FFFFFF"/>
                 </a:solidFill>
               </a:uFill>
               <a:latin typeface="Arial"/>
@@ -1169,11 +1320,14 @@
       </p:sp>
     </p:spTree>
   </p:cSld>
+  <p:clrMapOvr>
+    <a:masterClrMapping/>
+  </p:clrMapOvr>
 </p:sldLayout>
 </file>
 
 <file path=ppt/slideLayouts/slideLayout2.xml><?xml version="1.0" encoding="utf-8"?>
-<p:sldLayout xmlns:a="http://schemas.openxmlformats.org/drawingml/2006/main" xmlns:p="http://schemas.openxmlformats.org/presentationml/2006/main" xmlns:r="http://schemas.openxmlformats.org/officeDocument/2006/relationships" xmlns:p14="http://schemas.microsoft.com/office/powerpoint/2010/main" xmlns:p15="http://schemas.microsoft.com/office/powerpoint/2012/main" xmlns:mc="http://schemas.openxmlformats.org/markup-compatibility/2006" type="tx" preserve="1">
+<p:sldLayout xmlns:a="http://schemas.openxmlformats.org/drawingml/2006/main" xmlns:r="http://schemas.openxmlformats.org/officeDocument/2006/relationships" xmlns:p="http://schemas.openxmlformats.org/presentationml/2006/main" type="tx" preserve="1">
   <p:cSld name="Title Slide">
     <p:spTree>
       <p:nvGrpSpPr>
@@ -1209,15 +1363,16 @@
           </a:prstGeom>
         </p:spPr>
         <p:txBody>
-          <a:bodyPr lIns="0" rIns="0" tIns="0" bIns="0" anchor="ctr"/>
-          <a:p>
-            <a:endParaRPr b="0" lang="pt-BR" sz="1400" spc="-1" strike="noStrike">
-              <a:solidFill>
-                <a:srgbClr val="000000"/>
-              </a:solidFill>
-              <a:uFill>
-                <a:solidFill>
-                  <a:srgbClr val="ffffff"/>
+          <a:bodyPr lIns="0" tIns="0" rIns="0" bIns="0" anchor="ctr"/>
+          <a:lstStyle/>
+          <a:p>
+            <a:endParaRPr lang="pt-BR" sz="1400" b="0" strike="noStrike" spc="-1">
+              <a:solidFill>
+                <a:srgbClr val="000000"/>
+              </a:solidFill>
+              <a:uFill>
+                <a:solidFill>
+                  <a:srgbClr val="FFFFFF"/>
                 </a:solidFill>
               </a:uFill>
               <a:latin typeface="Arial"/>
@@ -1245,16 +1400,17 @@
           </a:prstGeom>
         </p:spPr>
         <p:txBody>
-          <a:bodyPr lIns="0" rIns="0" tIns="0" bIns="0" anchor="ctr"/>
+          <a:bodyPr lIns="0" tIns="0" rIns="0" bIns="0" anchor="ctr"/>
+          <a:lstStyle/>
           <a:p>
             <a:pPr algn="ctr"/>
-            <a:endParaRPr b="0" lang="pt-BR" sz="3200" spc="-1" strike="noStrike">
-              <a:solidFill>
-                <a:srgbClr val="000000"/>
-              </a:solidFill>
-              <a:uFill>
-                <a:solidFill>
-                  <a:srgbClr val="ffffff"/>
+            <a:endParaRPr lang="pt-BR" sz="3200" b="0" strike="noStrike" spc="-1">
+              <a:solidFill>
+                <a:srgbClr val="000000"/>
+              </a:solidFill>
+              <a:uFill>
+                <a:solidFill>
+                  <a:srgbClr val="FFFFFF"/>
                 </a:solidFill>
               </a:uFill>
               <a:latin typeface="Arial"/>
@@ -1264,11 +1420,14 @@
       </p:sp>
     </p:spTree>
   </p:cSld>
+  <p:clrMapOvr>
+    <a:masterClrMapping/>
+  </p:clrMapOvr>
 </p:sldLayout>
 </file>
 
 <file path=ppt/slideLayouts/slideLayout20.xml><?xml version="1.0" encoding="utf-8"?>
-<p:sldLayout xmlns:a="http://schemas.openxmlformats.org/drawingml/2006/main" xmlns:p="http://schemas.openxmlformats.org/presentationml/2006/main" xmlns:r="http://schemas.openxmlformats.org/officeDocument/2006/relationships" xmlns:p14="http://schemas.microsoft.com/office/powerpoint/2010/main" xmlns:p15="http://schemas.microsoft.com/office/powerpoint/2012/main" xmlns:mc="http://schemas.openxmlformats.org/markup-compatibility/2006" type="objAndTwoObj" preserve="1">
+<p:sldLayout xmlns:a="http://schemas.openxmlformats.org/drawingml/2006/main" xmlns:r="http://schemas.openxmlformats.org/officeDocument/2006/relationships" xmlns:p="http://schemas.openxmlformats.org/presentationml/2006/main" type="objAndTwoObj" preserve="1">
   <p:cSld name="Title Content and 2 Content">
     <p:spTree>
       <p:nvGrpSpPr>
@@ -1304,15 +1463,16 @@
           </a:prstGeom>
         </p:spPr>
         <p:txBody>
-          <a:bodyPr lIns="0" rIns="0" tIns="0" bIns="0" anchor="ctr"/>
-          <a:p>
-            <a:endParaRPr b="0" lang="pt-BR" sz="1400" spc="-1" strike="noStrike">
-              <a:solidFill>
-                <a:srgbClr val="000000"/>
-              </a:solidFill>
-              <a:uFill>
-                <a:solidFill>
-                  <a:srgbClr val="ffffff"/>
+          <a:bodyPr lIns="0" tIns="0" rIns="0" bIns="0" anchor="ctr"/>
+          <a:lstStyle/>
+          <a:p>
+            <a:endParaRPr lang="pt-BR" sz="1400" b="0" strike="noStrike" spc="-1">
+              <a:solidFill>
+                <a:srgbClr val="000000"/>
+              </a:solidFill>
+              <a:uFill>
+                <a:solidFill>
+                  <a:srgbClr val="FFFFFF"/>
                 </a:solidFill>
               </a:uFill>
               <a:latin typeface="Arial"/>
@@ -1340,15 +1500,16 @@
           </a:prstGeom>
         </p:spPr>
         <p:txBody>
-          <a:bodyPr lIns="0" rIns="0" tIns="0" bIns="0"/>
-          <a:p>
-            <a:endParaRPr b="0" lang="pt-BR" sz="1400" spc="-1" strike="noStrike">
-              <a:solidFill>
-                <a:srgbClr val="000000"/>
-              </a:solidFill>
-              <a:uFill>
-                <a:solidFill>
-                  <a:srgbClr val="ffffff"/>
+          <a:bodyPr lIns="0" tIns="0" rIns="0" bIns="0"/>
+          <a:lstStyle/>
+          <a:p>
+            <a:endParaRPr lang="pt-BR" sz="1400" b="0" strike="noStrike" spc="-1">
+              <a:solidFill>
+                <a:srgbClr val="000000"/>
+              </a:solidFill>
+              <a:uFill>
+                <a:solidFill>
+                  <a:srgbClr val="FFFFFF"/>
                 </a:solidFill>
               </a:uFill>
               <a:latin typeface="Arial"/>
@@ -1376,15 +1537,16 @@
           </a:prstGeom>
         </p:spPr>
         <p:txBody>
-          <a:bodyPr lIns="0" rIns="0" tIns="0" bIns="0"/>
-          <a:p>
-            <a:endParaRPr b="0" lang="pt-BR" sz="1400" spc="-1" strike="noStrike">
-              <a:solidFill>
-                <a:srgbClr val="000000"/>
-              </a:solidFill>
-              <a:uFill>
-                <a:solidFill>
-                  <a:srgbClr val="ffffff"/>
+          <a:bodyPr lIns="0" tIns="0" rIns="0" bIns="0"/>
+          <a:lstStyle/>
+          <a:p>
+            <a:endParaRPr lang="pt-BR" sz="1400" b="0" strike="noStrike" spc="-1">
+              <a:solidFill>
+                <a:srgbClr val="000000"/>
+              </a:solidFill>
+              <a:uFill>
+                <a:solidFill>
+                  <a:srgbClr val="FFFFFF"/>
                 </a:solidFill>
               </a:uFill>
               <a:latin typeface="Arial"/>
@@ -1412,15 +1574,16 @@
           </a:prstGeom>
         </p:spPr>
         <p:txBody>
-          <a:bodyPr lIns="0" rIns="0" tIns="0" bIns="0"/>
-          <a:p>
-            <a:endParaRPr b="0" lang="pt-BR" sz="1400" spc="-1" strike="noStrike">
-              <a:solidFill>
-                <a:srgbClr val="000000"/>
-              </a:solidFill>
-              <a:uFill>
-                <a:solidFill>
-                  <a:srgbClr val="ffffff"/>
+          <a:bodyPr lIns="0" tIns="0" rIns="0" bIns="0"/>
+          <a:lstStyle/>
+          <a:p>
+            <a:endParaRPr lang="pt-BR" sz="1400" b="0" strike="noStrike" spc="-1">
+              <a:solidFill>
+                <a:srgbClr val="000000"/>
+              </a:solidFill>
+              <a:uFill>
+                <a:solidFill>
+                  <a:srgbClr val="FFFFFF"/>
                 </a:solidFill>
               </a:uFill>
               <a:latin typeface="Arial"/>
@@ -1430,11 +1593,14 @@
       </p:sp>
     </p:spTree>
   </p:cSld>
+  <p:clrMapOvr>
+    <a:masterClrMapping/>
+  </p:clrMapOvr>
 </p:sldLayout>
 </file>
 
 <file path=ppt/slideLayouts/slideLayout21.xml><?xml version="1.0" encoding="utf-8"?>
-<p:sldLayout xmlns:a="http://schemas.openxmlformats.org/drawingml/2006/main" xmlns:p="http://schemas.openxmlformats.org/presentationml/2006/main" xmlns:r="http://schemas.openxmlformats.org/officeDocument/2006/relationships" xmlns:p14="http://schemas.microsoft.com/office/powerpoint/2010/main" xmlns:p15="http://schemas.microsoft.com/office/powerpoint/2012/main" xmlns:mc="http://schemas.openxmlformats.org/markup-compatibility/2006" type="twoObjOverTx" preserve="1">
+<p:sldLayout xmlns:a="http://schemas.openxmlformats.org/drawingml/2006/main" xmlns:r="http://schemas.openxmlformats.org/officeDocument/2006/relationships" xmlns:p="http://schemas.openxmlformats.org/presentationml/2006/main" type="twoObjOverTx" preserve="1">
   <p:cSld name="Title, 2 Content over Content">
     <p:spTree>
       <p:nvGrpSpPr>
@@ -1470,15 +1636,16 @@
           </a:prstGeom>
         </p:spPr>
         <p:txBody>
-          <a:bodyPr lIns="0" rIns="0" tIns="0" bIns="0" anchor="ctr"/>
-          <a:p>
-            <a:endParaRPr b="0" lang="pt-BR" sz="1400" spc="-1" strike="noStrike">
-              <a:solidFill>
-                <a:srgbClr val="000000"/>
-              </a:solidFill>
-              <a:uFill>
-                <a:solidFill>
-                  <a:srgbClr val="ffffff"/>
+          <a:bodyPr lIns="0" tIns="0" rIns="0" bIns="0" anchor="ctr"/>
+          <a:lstStyle/>
+          <a:p>
+            <a:endParaRPr lang="pt-BR" sz="1400" b="0" strike="noStrike" spc="-1">
+              <a:solidFill>
+                <a:srgbClr val="000000"/>
+              </a:solidFill>
+              <a:uFill>
+                <a:solidFill>
+                  <a:srgbClr val="FFFFFF"/>
                 </a:solidFill>
               </a:uFill>
               <a:latin typeface="Arial"/>
@@ -1506,15 +1673,16 @@
           </a:prstGeom>
         </p:spPr>
         <p:txBody>
-          <a:bodyPr lIns="0" rIns="0" tIns="0" bIns="0"/>
-          <a:p>
-            <a:endParaRPr b="0" lang="pt-BR" sz="1400" spc="-1" strike="noStrike">
-              <a:solidFill>
-                <a:srgbClr val="000000"/>
-              </a:solidFill>
-              <a:uFill>
-                <a:solidFill>
-                  <a:srgbClr val="ffffff"/>
+          <a:bodyPr lIns="0" tIns="0" rIns="0" bIns="0"/>
+          <a:lstStyle/>
+          <a:p>
+            <a:endParaRPr lang="pt-BR" sz="1400" b="0" strike="noStrike" spc="-1">
+              <a:solidFill>
+                <a:srgbClr val="000000"/>
+              </a:solidFill>
+              <a:uFill>
+                <a:solidFill>
+                  <a:srgbClr val="FFFFFF"/>
                 </a:solidFill>
               </a:uFill>
               <a:latin typeface="Arial"/>
@@ -1542,15 +1710,16 @@
           </a:prstGeom>
         </p:spPr>
         <p:txBody>
-          <a:bodyPr lIns="0" rIns="0" tIns="0" bIns="0"/>
-          <a:p>
-            <a:endParaRPr b="0" lang="pt-BR" sz="1400" spc="-1" strike="noStrike">
-              <a:solidFill>
-                <a:srgbClr val="000000"/>
-              </a:solidFill>
-              <a:uFill>
-                <a:solidFill>
-                  <a:srgbClr val="ffffff"/>
+          <a:bodyPr lIns="0" tIns="0" rIns="0" bIns="0"/>
+          <a:lstStyle/>
+          <a:p>
+            <a:endParaRPr lang="pt-BR" sz="1400" b="0" strike="noStrike" spc="-1">
+              <a:solidFill>
+                <a:srgbClr val="000000"/>
+              </a:solidFill>
+              <a:uFill>
+                <a:solidFill>
+                  <a:srgbClr val="FFFFFF"/>
                 </a:solidFill>
               </a:uFill>
               <a:latin typeface="Arial"/>
@@ -1578,15 +1747,16 @@
           </a:prstGeom>
         </p:spPr>
         <p:txBody>
-          <a:bodyPr lIns="0" rIns="0" tIns="0" bIns="0"/>
-          <a:p>
-            <a:endParaRPr b="0" lang="pt-BR" sz="1400" spc="-1" strike="noStrike">
-              <a:solidFill>
-                <a:srgbClr val="000000"/>
-              </a:solidFill>
-              <a:uFill>
-                <a:solidFill>
-                  <a:srgbClr val="ffffff"/>
+          <a:bodyPr lIns="0" tIns="0" rIns="0" bIns="0"/>
+          <a:lstStyle/>
+          <a:p>
+            <a:endParaRPr lang="pt-BR" sz="1400" b="0" strike="noStrike" spc="-1">
+              <a:solidFill>
+                <a:srgbClr val="000000"/>
+              </a:solidFill>
+              <a:uFill>
+                <a:solidFill>
+                  <a:srgbClr val="FFFFFF"/>
                 </a:solidFill>
               </a:uFill>
               <a:latin typeface="Arial"/>
@@ -1596,11 +1766,14 @@
       </p:sp>
     </p:spTree>
   </p:cSld>
+  <p:clrMapOvr>
+    <a:masterClrMapping/>
+  </p:clrMapOvr>
 </p:sldLayout>
 </file>
 
 <file path=ppt/slideLayouts/slideLayout22.xml><?xml version="1.0" encoding="utf-8"?>
-<p:sldLayout xmlns:a="http://schemas.openxmlformats.org/drawingml/2006/main" xmlns:p="http://schemas.openxmlformats.org/presentationml/2006/main" xmlns:r="http://schemas.openxmlformats.org/officeDocument/2006/relationships" xmlns:p14="http://schemas.microsoft.com/office/powerpoint/2010/main" xmlns:p15="http://schemas.microsoft.com/office/powerpoint/2012/main" xmlns:mc="http://schemas.openxmlformats.org/markup-compatibility/2006" type="objOverTx" preserve="1">
+<p:sldLayout xmlns:a="http://schemas.openxmlformats.org/drawingml/2006/main" xmlns:r="http://schemas.openxmlformats.org/officeDocument/2006/relationships" xmlns:p="http://schemas.openxmlformats.org/presentationml/2006/main" type="objOverTx" preserve="1">
   <p:cSld name="Title, Content over Content">
     <p:spTree>
       <p:nvGrpSpPr>
@@ -1636,15 +1809,16 @@
           </a:prstGeom>
         </p:spPr>
         <p:txBody>
-          <a:bodyPr lIns="0" rIns="0" tIns="0" bIns="0" anchor="ctr"/>
-          <a:p>
-            <a:endParaRPr b="0" lang="pt-BR" sz="1400" spc="-1" strike="noStrike">
-              <a:solidFill>
-                <a:srgbClr val="000000"/>
-              </a:solidFill>
-              <a:uFill>
-                <a:solidFill>
-                  <a:srgbClr val="ffffff"/>
+          <a:bodyPr lIns="0" tIns="0" rIns="0" bIns="0" anchor="ctr"/>
+          <a:lstStyle/>
+          <a:p>
+            <a:endParaRPr lang="pt-BR" sz="1400" b="0" strike="noStrike" spc="-1">
+              <a:solidFill>
+                <a:srgbClr val="000000"/>
+              </a:solidFill>
+              <a:uFill>
+                <a:solidFill>
+                  <a:srgbClr val="FFFFFF"/>
                 </a:solidFill>
               </a:uFill>
               <a:latin typeface="Arial"/>
@@ -1672,15 +1846,16 @@
           </a:prstGeom>
         </p:spPr>
         <p:txBody>
-          <a:bodyPr lIns="0" rIns="0" tIns="0" bIns="0"/>
-          <a:p>
-            <a:endParaRPr b="0" lang="pt-BR" sz="1400" spc="-1" strike="noStrike">
-              <a:solidFill>
-                <a:srgbClr val="000000"/>
-              </a:solidFill>
-              <a:uFill>
-                <a:solidFill>
-                  <a:srgbClr val="ffffff"/>
+          <a:bodyPr lIns="0" tIns="0" rIns="0" bIns="0"/>
+          <a:lstStyle/>
+          <a:p>
+            <a:endParaRPr lang="pt-BR" sz="1400" b="0" strike="noStrike" spc="-1">
+              <a:solidFill>
+                <a:srgbClr val="000000"/>
+              </a:solidFill>
+              <a:uFill>
+                <a:solidFill>
+                  <a:srgbClr val="FFFFFF"/>
                 </a:solidFill>
               </a:uFill>
               <a:latin typeface="Arial"/>
@@ -1708,15 +1883,16 @@
           </a:prstGeom>
         </p:spPr>
         <p:txBody>
-          <a:bodyPr lIns="0" rIns="0" tIns="0" bIns="0"/>
-          <a:p>
-            <a:endParaRPr b="0" lang="pt-BR" sz="1400" spc="-1" strike="noStrike">
-              <a:solidFill>
-                <a:srgbClr val="000000"/>
-              </a:solidFill>
-              <a:uFill>
-                <a:solidFill>
-                  <a:srgbClr val="ffffff"/>
+          <a:bodyPr lIns="0" tIns="0" rIns="0" bIns="0"/>
+          <a:lstStyle/>
+          <a:p>
+            <a:endParaRPr lang="pt-BR" sz="1400" b="0" strike="noStrike" spc="-1">
+              <a:solidFill>
+                <a:srgbClr val="000000"/>
+              </a:solidFill>
+              <a:uFill>
+                <a:solidFill>
+                  <a:srgbClr val="FFFFFF"/>
                 </a:solidFill>
               </a:uFill>
               <a:latin typeface="Arial"/>
@@ -1726,11 +1902,14 @@
       </p:sp>
     </p:spTree>
   </p:cSld>
+  <p:clrMapOvr>
+    <a:masterClrMapping/>
+  </p:clrMapOvr>
 </p:sldLayout>
 </file>
 
 <file path=ppt/slideLayouts/slideLayout23.xml><?xml version="1.0" encoding="utf-8"?>
-<p:sldLayout xmlns:a="http://schemas.openxmlformats.org/drawingml/2006/main" xmlns:p="http://schemas.openxmlformats.org/presentationml/2006/main" xmlns:r="http://schemas.openxmlformats.org/officeDocument/2006/relationships" xmlns:p14="http://schemas.microsoft.com/office/powerpoint/2010/main" xmlns:p15="http://schemas.microsoft.com/office/powerpoint/2012/main" xmlns:mc="http://schemas.openxmlformats.org/markup-compatibility/2006" type="fourObj" preserve="1">
+<p:sldLayout xmlns:a="http://schemas.openxmlformats.org/drawingml/2006/main" xmlns:r="http://schemas.openxmlformats.org/officeDocument/2006/relationships" xmlns:p="http://schemas.openxmlformats.org/presentationml/2006/main" type="fourObj" preserve="1">
   <p:cSld name="Title, 4 Content">
     <p:spTree>
       <p:nvGrpSpPr>
@@ -1766,15 +1945,16 @@
           </a:prstGeom>
         </p:spPr>
         <p:txBody>
-          <a:bodyPr lIns="0" rIns="0" tIns="0" bIns="0" anchor="ctr"/>
-          <a:p>
-            <a:endParaRPr b="0" lang="pt-BR" sz="1400" spc="-1" strike="noStrike">
-              <a:solidFill>
-                <a:srgbClr val="000000"/>
-              </a:solidFill>
-              <a:uFill>
-                <a:solidFill>
-                  <a:srgbClr val="ffffff"/>
+          <a:bodyPr lIns="0" tIns="0" rIns="0" bIns="0" anchor="ctr"/>
+          <a:lstStyle/>
+          <a:p>
+            <a:endParaRPr lang="pt-BR" sz="1400" b="0" strike="noStrike" spc="-1">
+              <a:solidFill>
+                <a:srgbClr val="000000"/>
+              </a:solidFill>
+              <a:uFill>
+                <a:solidFill>
+                  <a:srgbClr val="FFFFFF"/>
                 </a:solidFill>
               </a:uFill>
               <a:latin typeface="Arial"/>
@@ -1802,15 +1982,16 @@
           </a:prstGeom>
         </p:spPr>
         <p:txBody>
-          <a:bodyPr lIns="0" rIns="0" tIns="0" bIns="0"/>
-          <a:p>
-            <a:endParaRPr b="0" lang="pt-BR" sz="1400" spc="-1" strike="noStrike">
-              <a:solidFill>
-                <a:srgbClr val="000000"/>
-              </a:solidFill>
-              <a:uFill>
-                <a:solidFill>
-                  <a:srgbClr val="ffffff"/>
+          <a:bodyPr lIns="0" tIns="0" rIns="0" bIns="0"/>
+          <a:lstStyle/>
+          <a:p>
+            <a:endParaRPr lang="pt-BR" sz="1400" b="0" strike="noStrike" spc="-1">
+              <a:solidFill>
+                <a:srgbClr val="000000"/>
+              </a:solidFill>
+              <a:uFill>
+                <a:solidFill>
+                  <a:srgbClr val="FFFFFF"/>
                 </a:solidFill>
               </a:uFill>
               <a:latin typeface="Arial"/>
@@ -1838,15 +2019,16 @@
           </a:prstGeom>
         </p:spPr>
         <p:txBody>
-          <a:bodyPr lIns="0" rIns="0" tIns="0" bIns="0"/>
-          <a:p>
-            <a:endParaRPr b="0" lang="pt-BR" sz="1400" spc="-1" strike="noStrike">
-              <a:solidFill>
-                <a:srgbClr val="000000"/>
-              </a:solidFill>
-              <a:uFill>
-                <a:solidFill>
-                  <a:srgbClr val="ffffff"/>
+          <a:bodyPr lIns="0" tIns="0" rIns="0" bIns="0"/>
+          <a:lstStyle/>
+          <a:p>
+            <a:endParaRPr lang="pt-BR" sz="1400" b="0" strike="noStrike" spc="-1">
+              <a:solidFill>
+                <a:srgbClr val="000000"/>
+              </a:solidFill>
+              <a:uFill>
+                <a:solidFill>
+                  <a:srgbClr val="FFFFFF"/>
                 </a:solidFill>
               </a:uFill>
               <a:latin typeface="Arial"/>
@@ -1874,15 +2056,16 @@
           </a:prstGeom>
         </p:spPr>
         <p:txBody>
-          <a:bodyPr lIns="0" rIns="0" tIns="0" bIns="0"/>
-          <a:p>
-            <a:endParaRPr b="0" lang="pt-BR" sz="1400" spc="-1" strike="noStrike">
-              <a:solidFill>
-                <a:srgbClr val="000000"/>
-              </a:solidFill>
-              <a:uFill>
-                <a:solidFill>
-                  <a:srgbClr val="ffffff"/>
+          <a:bodyPr lIns="0" tIns="0" rIns="0" bIns="0"/>
+          <a:lstStyle/>
+          <a:p>
+            <a:endParaRPr lang="pt-BR" sz="1400" b="0" strike="noStrike" spc="-1">
+              <a:solidFill>
+                <a:srgbClr val="000000"/>
+              </a:solidFill>
+              <a:uFill>
+                <a:solidFill>
+                  <a:srgbClr val="FFFFFF"/>
                 </a:solidFill>
               </a:uFill>
               <a:latin typeface="Arial"/>
@@ -1910,15 +2093,16 @@
           </a:prstGeom>
         </p:spPr>
         <p:txBody>
-          <a:bodyPr lIns="0" rIns="0" tIns="0" bIns="0"/>
-          <a:p>
-            <a:endParaRPr b="0" lang="pt-BR" sz="1400" spc="-1" strike="noStrike">
-              <a:solidFill>
-                <a:srgbClr val="000000"/>
-              </a:solidFill>
-              <a:uFill>
-                <a:solidFill>
-                  <a:srgbClr val="ffffff"/>
+          <a:bodyPr lIns="0" tIns="0" rIns="0" bIns="0"/>
+          <a:lstStyle/>
+          <a:p>
+            <a:endParaRPr lang="pt-BR" sz="1400" b="0" strike="noStrike" spc="-1">
+              <a:solidFill>
+                <a:srgbClr val="000000"/>
+              </a:solidFill>
+              <a:uFill>
+                <a:solidFill>
+                  <a:srgbClr val="FFFFFF"/>
                 </a:solidFill>
               </a:uFill>
               <a:latin typeface="Arial"/>
@@ -1928,11 +2112,14 @@
       </p:sp>
     </p:spTree>
   </p:cSld>
+  <p:clrMapOvr>
+    <a:masterClrMapping/>
+  </p:clrMapOvr>
 </p:sldLayout>
 </file>
 
 <file path=ppt/slideLayouts/slideLayout24.xml><?xml version="1.0" encoding="utf-8"?>
-<p:sldLayout xmlns:a="http://schemas.openxmlformats.org/drawingml/2006/main" xmlns:p="http://schemas.openxmlformats.org/presentationml/2006/main" xmlns:r="http://schemas.openxmlformats.org/officeDocument/2006/relationships" xmlns:p14="http://schemas.microsoft.com/office/powerpoint/2010/main" xmlns:p15="http://schemas.microsoft.com/office/powerpoint/2012/main" xmlns:mc="http://schemas.openxmlformats.org/markup-compatibility/2006" type="blank" preserve="1">
+<p:sldLayout xmlns:a="http://schemas.openxmlformats.org/drawingml/2006/main" xmlns:r="http://schemas.openxmlformats.org/officeDocument/2006/relationships" xmlns:p="http://schemas.openxmlformats.org/presentationml/2006/main" type="blank" preserve="1">
   <p:cSld name="Title, 6 Content">
     <p:spTree>
       <p:nvGrpSpPr>
@@ -1968,15 +2155,16 @@
           </a:prstGeom>
         </p:spPr>
         <p:txBody>
-          <a:bodyPr lIns="0" rIns="0" tIns="0" bIns="0" anchor="ctr"/>
-          <a:p>
-            <a:endParaRPr b="0" lang="pt-BR" sz="1400" spc="-1" strike="noStrike">
-              <a:solidFill>
-                <a:srgbClr val="000000"/>
-              </a:solidFill>
-              <a:uFill>
-                <a:solidFill>
-                  <a:srgbClr val="ffffff"/>
+          <a:bodyPr lIns="0" tIns="0" rIns="0" bIns="0" anchor="ctr"/>
+          <a:lstStyle/>
+          <a:p>
+            <a:endParaRPr lang="pt-BR" sz="1400" b="0" strike="noStrike" spc="-1">
+              <a:solidFill>
+                <a:srgbClr val="000000"/>
+              </a:solidFill>
+              <a:uFill>
+                <a:solidFill>
+                  <a:srgbClr val="FFFFFF"/>
                 </a:solidFill>
               </a:uFill>
               <a:latin typeface="Arial"/>
@@ -2004,15 +2192,16 @@
           </a:prstGeom>
         </p:spPr>
         <p:txBody>
-          <a:bodyPr lIns="0" rIns="0" tIns="0" bIns="0"/>
-          <a:p>
-            <a:endParaRPr b="0" lang="pt-BR" sz="1400" spc="-1" strike="noStrike">
-              <a:solidFill>
-                <a:srgbClr val="000000"/>
-              </a:solidFill>
-              <a:uFill>
-                <a:solidFill>
-                  <a:srgbClr val="ffffff"/>
+          <a:bodyPr lIns="0" tIns="0" rIns="0" bIns="0"/>
+          <a:lstStyle/>
+          <a:p>
+            <a:endParaRPr lang="pt-BR" sz="1400" b="0" strike="noStrike" spc="-1">
+              <a:solidFill>
+                <a:srgbClr val="000000"/>
+              </a:solidFill>
+              <a:uFill>
+                <a:solidFill>
+                  <a:srgbClr val="FFFFFF"/>
                 </a:solidFill>
               </a:uFill>
               <a:latin typeface="Arial"/>
@@ -2040,15 +2229,16 @@
           </a:prstGeom>
         </p:spPr>
         <p:txBody>
-          <a:bodyPr lIns="0" rIns="0" tIns="0" bIns="0"/>
-          <a:p>
-            <a:endParaRPr b="0" lang="pt-BR" sz="1400" spc="-1" strike="noStrike">
-              <a:solidFill>
-                <a:srgbClr val="000000"/>
-              </a:solidFill>
-              <a:uFill>
-                <a:solidFill>
-                  <a:srgbClr val="ffffff"/>
+          <a:bodyPr lIns="0" tIns="0" rIns="0" bIns="0"/>
+          <a:lstStyle/>
+          <a:p>
+            <a:endParaRPr lang="pt-BR" sz="1400" b="0" strike="noStrike" spc="-1">
+              <a:solidFill>
+                <a:srgbClr val="000000"/>
+              </a:solidFill>
+              <a:uFill>
+                <a:solidFill>
+                  <a:srgbClr val="FFFFFF"/>
                 </a:solidFill>
               </a:uFill>
               <a:latin typeface="Arial"/>
@@ -2058,7 +2248,7 @@
       </p:sp>
       <p:pic>
         <p:nvPicPr>
-          <p:cNvPr id="74" name="" descr=""/>
+          <p:cNvPr id="74" name="Imagem 73"/>
           <p:cNvPicPr/>
           <p:nvPr/>
         </p:nvPicPr>
@@ -2081,12 +2271,12 @@
       </p:pic>
       <p:pic>
         <p:nvPicPr>
-          <p:cNvPr id="75" name="" descr=""/>
+          <p:cNvPr id="75" name="Imagem 74"/>
           <p:cNvPicPr/>
           <p:nvPr/>
         </p:nvPicPr>
         <p:blipFill>
-          <a:blip r:embed="rId3"/>
+          <a:blip r:embed="rId2"/>
           <a:stretch/>
         </p:blipFill>
         <p:spPr>
@@ -2104,11 +2294,14 @@
       </p:pic>
     </p:spTree>
   </p:cSld>
+  <p:clrMapOvr>
+    <a:masterClrMapping/>
+  </p:clrMapOvr>
 </p:sldLayout>
 </file>
 
 <file path=ppt/slideLayouts/slideLayout3.xml><?xml version="1.0" encoding="utf-8"?>
-<p:sldLayout xmlns:a="http://schemas.openxmlformats.org/drawingml/2006/main" xmlns:p="http://schemas.openxmlformats.org/presentationml/2006/main" xmlns:r="http://schemas.openxmlformats.org/officeDocument/2006/relationships" xmlns:p14="http://schemas.microsoft.com/office/powerpoint/2010/main" xmlns:p15="http://schemas.microsoft.com/office/powerpoint/2012/main" xmlns:mc="http://schemas.openxmlformats.org/markup-compatibility/2006" type="obj" preserve="1">
+<p:sldLayout xmlns:a="http://schemas.openxmlformats.org/drawingml/2006/main" xmlns:r="http://schemas.openxmlformats.org/officeDocument/2006/relationships" xmlns:p="http://schemas.openxmlformats.org/presentationml/2006/main" type="obj" preserve="1">
   <p:cSld name="Title, Content">
     <p:spTree>
       <p:nvGrpSpPr>
@@ -2144,15 +2337,16 @@
           </a:prstGeom>
         </p:spPr>
         <p:txBody>
-          <a:bodyPr lIns="0" rIns="0" tIns="0" bIns="0" anchor="ctr"/>
-          <a:p>
-            <a:endParaRPr b="0" lang="pt-BR" sz="1400" spc="-1" strike="noStrike">
-              <a:solidFill>
-                <a:srgbClr val="000000"/>
-              </a:solidFill>
-              <a:uFill>
-                <a:solidFill>
-                  <a:srgbClr val="ffffff"/>
+          <a:bodyPr lIns="0" tIns="0" rIns="0" bIns="0" anchor="ctr"/>
+          <a:lstStyle/>
+          <a:p>
+            <a:endParaRPr lang="pt-BR" sz="1400" b="0" strike="noStrike" spc="-1">
+              <a:solidFill>
+                <a:srgbClr val="000000"/>
+              </a:solidFill>
+              <a:uFill>
+                <a:solidFill>
+                  <a:srgbClr val="FFFFFF"/>
                 </a:solidFill>
               </a:uFill>
               <a:latin typeface="Arial"/>
@@ -2180,15 +2374,16 @@
           </a:prstGeom>
         </p:spPr>
         <p:txBody>
-          <a:bodyPr lIns="0" rIns="0" tIns="0" bIns="0"/>
-          <a:p>
-            <a:endParaRPr b="0" lang="pt-BR" sz="1400" spc="-1" strike="noStrike">
-              <a:solidFill>
-                <a:srgbClr val="000000"/>
-              </a:solidFill>
-              <a:uFill>
-                <a:solidFill>
-                  <a:srgbClr val="ffffff"/>
+          <a:bodyPr lIns="0" tIns="0" rIns="0" bIns="0"/>
+          <a:lstStyle/>
+          <a:p>
+            <a:endParaRPr lang="pt-BR" sz="1400" b="0" strike="noStrike" spc="-1">
+              <a:solidFill>
+                <a:srgbClr val="000000"/>
+              </a:solidFill>
+              <a:uFill>
+                <a:solidFill>
+                  <a:srgbClr val="FFFFFF"/>
                 </a:solidFill>
               </a:uFill>
               <a:latin typeface="Arial"/>
@@ -2198,11 +2393,14 @@
       </p:sp>
     </p:spTree>
   </p:cSld>
+  <p:clrMapOvr>
+    <a:masterClrMapping/>
+  </p:clrMapOvr>
 </p:sldLayout>
 </file>
 
 <file path=ppt/slideLayouts/slideLayout4.xml><?xml version="1.0" encoding="utf-8"?>
-<p:sldLayout xmlns:a="http://schemas.openxmlformats.org/drawingml/2006/main" xmlns:p="http://schemas.openxmlformats.org/presentationml/2006/main" xmlns:r="http://schemas.openxmlformats.org/officeDocument/2006/relationships" xmlns:p14="http://schemas.microsoft.com/office/powerpoint/2010/main" xmlns:p15="http://schemas.microsoft.com/office/powerpoint/2012/main" xmlns:mc="http://schemas.openxmlformats.org/markup-compatibility/2006" type="twoObj" preserve="1">
+<p:sldLayout xmlns:a="http://schemas.openxmlformats.org/drawingml/2006/main" xmlns:r="http://schemas.openxmlformats.org/officeDocument/2006/relationships" xmlns:p="http://schemas.openxmlformats.org/presentationml/2006/main" type="twoObj" preserve="1">
   <p:cSld name="Title, 2 Content">
     <p:spTree>
       <p:nvGrpSpPr>
@@ -2238,15 +2436,16 @@
           </a:prstGeom>
         </p:spPr>
         <p:txBody>
-          <a:bodyPr lIns="0" rIns="0" tIns="0" bIns="0" anchor="ctr"/>
-          <a:p>
-            <a:endParaRPr b="0" lang="pt-BR" sz="1400" spc="-1" strike="noStrike">
-              <a:solidFill>
-                <a:srgbClr val="000000"/>
-              </a:solidFill>
-              <a:uFill>
-                <a:solidFill>
-                  <a:srgbClr val="ffffff"/>
+          <a:bodyPr lIns="0" tIns="0" rIns="0" bIns="0" anchor="ctr"/>
+          <a:lstStyle/>
+          <a:p>
+            <a:endParaRPr lang="pt-BR" sz="1400" b="0" strike="noStrike" spc="-1">
+              <a:solidFill>
+                <a:srgbClr val="000000"/>
+              </a:solidFill>
+              <a:uFill>
+                <a:solidFill>
+                  <a:srgbClr val="FFFFFF"/>
                 </a:solidFill>
               </a:uFill>
               <a:latin typeface="Arial"/>
@@ -2274,15 +2473,16 @@
           </a:prstGeom>
         </p:spPr>
         <p:txBody>
-          <a:bodyPr lIns="0" rIns="0" tIns="0" bIns="0"/>
-          <a:p>
-            <a:endParaRPr b="0" lang="pt-BR" sz="1400" spc="-1" strike="noStrike">
-              <a:solidFill>
-                <a:srgbClr val="000000"/>
-              </a:solidFill>
-              <a:uFill>
-                <a:solidFill>
-                  <a:srgbClr val="ffffff"/>
+          <a:bodyPr lIns="0" tIns="0" rIns="0" bIns="0"/>
+          <a:lstStyle/>
+          <a:p>
+            <a:endParaRPr lang="pt-BR" sz="1400" b="0" strike="noStrike" spc="-1">
+              <a:solidFill>
+                <a:srgbClr val="000000"/>
+              </a:solidFill>
+              <a:uFill>
+                <a:solidFill>
+                  <a:srgbClr val="FFFFFF"/>
                 </a:solidFill>
               </a:uFill>
               <a:latin typeface="Arial"/>
@@ -2310,15 +2510,16 @@
           </a:prstGeom>
         </p:spPr>
         <p:txBody>
-          <a:bodyPr lIns="0" rIns="0" tIns="0" bIns="0"/>
-          <a:p>
-            <a:endParaRPr b="0" lang="pt-BR" sz="1400" spc="-1" strike="noStrike">
-              <a:solidFill>
-                <a:srgbClr val="000000"/>
-              </a:solidFill>
-              <a:uFill>
-                <a:solidFill>
-                  <a:srgbClr val="ffffff"/>
+          <a:bodyPr lIns="0" tIns="0" rIns="0" bIns="0"/>
+          <a:lstStyle/>
+          <a:p>
+            <a:endParaRPr lang="pt-BR" sz="1400" b="0" strike="noStrike" spc="-1">
+              <a:solidFill>
+                <a:srgbClr val="000000"/>
+              </a:solidFill>
+              <a:uFill>
+                <a:solidFill>
+                  <a:srgbClr val="FFFFFF"/>
                 </a:solidFill>
               </a:uFill>
               <a:latin typeface="Arial"/>
@@ -2328,11 +2529,14 @@
       </p:sp>
     </p:spTree>
   </p:cSld>
+  <p:clrMapOvr>
+    <a:masterClrMapping/>
+  </p:clrMapOvr>
 </p:sldLayout>
 </file>
 
 <file path=ppt/slideLayouts/slideLayout5.xml><?xml version="1.0" encoding="utf-8"?>
-<p:sldLayout xmlns:a="http://schemas.openxmlformats.org/drawingml/2006/main" xmlns:p="http://schemas.openxmlformats.org/presentationml/2006/main" xmlns:r="http://schemas.openxmlformats.org/officeDocument/2006/relationships" xmlns:p14="http://schemas.microsoft.com/office/powerpoint/2010/main" xmlns:p15="http://schemas.microsoft.com/office/powerpoint/2012/main" xmlns:mc="http://schemas.openxmlformats.org/markup-compatibility/2006" type="titleOnly" preserve="1">
+<p:sldLayout xmlns:a="http://schemas.openxmlformats.org/drawingml/2006/main" xmlns:r="http://schemas.openxmlformats.org/officeDocument/2006/relationships" xmlns:p="http://schemas.openxmlformats.org/presentationml/2006/main" type="titleOnly" preserve="1">
   <p:cSld name="Title Only">
     <p:spTree>
       <p:nvGrpSpPr>
@@ -2368,15 +2572,16 @@
           </a:prstGeom>
         </p:spPr>
         <p:txBody>
-          <a:bodyPr lIns="0" rIns="0" tIns="0" bIns="0" anchor="ctr"/>
-          <a:p>
-            <a:endParaRPr b="0" lang="pt-BR" sz="1400" spc="-1" strike="noStrike">
-              <a:solidFill>
-                <a:srgbClr val="000000"/>
-              </a:solidFill>
-              <a:uFill>
-                <a:solidFill>
-                  <a:srgbClr val="ffffff"/>
+          <a:bodyPr lIns="0" tIns="0" rIns="0" bIns="0" anchor="ctr"/>
+          <a:lstStyle/>
+          <a:p>
+            <a:endParaRPr lang="pt-BR" sz="1400" b="0" strike="noStrike" spc="-1">
+              <a:solidFill>
+                <a:srgbClr val="000000"/>
+              </a:solidFill>
+              <a:uFill>
+                <a:solidFill>
+                  <a:srgbClr val="FFFFFF"/>
                 </a:solidFill>
               </a:uFill>
               <a:latin typeface="Arial"/>
@@ -2386,11 +2591,14 @@
       </p:sp>
     </p:spTree>
   </p:cSld>
+  <p:clrMapOvr>
+    <a:masterClrMapping/>
+  </p:clrMapOvr>
 </p:sldLayout>
 </file>
 
 <file path=ppt/slideLayouts/slideLayout6.xml><?xml version="1.0" encoding="utf-8"?>
-<p:sldLayout xmlns:a="http://schemas.openxmlformats.org/drawingml/2006/main" xmlns:p="http://schemas.openxmlformats.org/presentationml/2006/main" xmlns:r="http://schemas.openxmlformats.org/officeDocument/2006/relationships" xmlns:p14="http://schemas.microsoft.com/office/powerpoint/2010/main" xmlns:p15="http://schemas.microsoft.com/office/powerpoint/2012/main" xmlns:mc="http://schemas.openxmlformats.org/markup-compatibility/2006" type="objOnly" preserve="1">
+<p:sldLayout xmlns:a="http://schemas.openxmlformats.org/drawingml/2006/main" xmlns:r="http://schemas.openxmlformats.org/officeDocument/2006/relationships" xmlns:p="http://schemas.openxmlformats.org/presentationml/2006/main" type="objOnly" preserve="1">
   <p:cSld name="Centered Text">
     <p:spTree>
       <p:nvGrpSpPr>
@@ -2426,16 +2634,17 @@
           </a:prstGeom>
         </p:spPr>
         <p:txBody>
-          <a:bodyPr lIns="0" rIns="0" tIns="0" bIns="0" anchor="ctr"/>
+          <a:bodyPr lIns="0" tIns="0" rIns="0" bIns="0" anchor="ctr"/>
+          <a:lstStyle/>
           <a:p>
             <a:pPr algn="ctr"/>
-            <a:endParaRPr b="0" lang="pt-BR" sz="3200" spc="-1" strike="noStrike">
-              <a:solidFill>
-                <a:srgbClr val="000000"/>
-              </a:solidFill>
-              <a:uFill>
-                <a:solidFill>
-                  <a:srgbClr val="ffffff"/>
+            <a:endParaRPr lang="pt-BR" sz="3200" b="0" strike="noStrike" spc="-1">
+              <a:solidFill>
+                <a:srgbClr val="000000"/>
+              </a:solidFill>
+              <a:uFill>
+                <a:solidFill>
+                  <a:srgbClr val="FFFFFF"/>
                 </a:solidFill>
               </a:uFill>
               <a:latin typeface="Arial"/>
@@ -2445,11 +2654,14 @@
       </p:sp>
     </p:spTree>
   </p:cSld>
+  <p:clrMapOvr>
+    <a:masterClrMapping/>
+  </p:clrMapOvr>
 </p:sldLayout>
 </file>
 
 <file path=ppt/slideLayouts/slideLayout7.xml><?xml version="1.0" encoding="utf-8"?>
-<p:sldLayout xmlns:a="http://schemas.openxmlformats.org/drawingml/2006/main" xmlns:p="http://schemas.openxmlformats.org/presentationml/2006/main" xmlns:r="http://schemas.openxmlformats.org/officeDocument/2006/relationships" xmlns:p14="http://schemas.microsoft.com/office/powerpoint/2010/main" xmlns:p15="http://schemas.microsoft.com/office/powerpoint/2012/main" xmlns:mc="http://schemas.openxmlformats.org/markup-compatibility/2006" type="twoObjAndObj" preserve="1">
+<p:sldLayout xmlns:a="http://schemas.openxmlformats.org/drawingml/2006/main" xmlns:r="http://schemas.openxmlformats.org/officeDocument/2006/relationships" xmlns:p="http://schemas.openxmlformats.org/presentationml/2006/main" type="twoObjAndObj" preserve="1">
   <p:cSld name="Title, 2 Content and Content">
     <p:spTree>
       <p:nvGrpSpPr>
@@ -2485,15 +2697,16 @@
           </a:prstGeom>
         </p:spPr>
         <p:txBody>
-          <a:bodyPr lIns="0" rIns="0" tIns="0" bIns="0" anchor="ctr"/>
-          <a:p>
-            <a:endParaRPr b="0" lang="pt-BR" sz="1400" spc="-1" strike="noStrike">
-              <a:solidFill>
-                <a:srgbClr val="000000"/>
-              </a:solidFill>
-              <a:uFill>
-                <a:solidFill>
-                  <a:srgbClr val="ffffff"/>
+          <a:bodyPr lIns="0" tIns="0" rIns="0" bIns="0" anchor="ctr"/>
+          <a:lstStyle/>
+          <a:p>
+            <a:endParaRPr lang="pt-BR" sz="1400" b="0" strike="noStrike" spc="-1">
+              <a:solidFill>
+                <a:srgbClr val="000000"/>
+              </a:solidFill>
+              <a:uFill>
+                <a:solidFill>
+                  <a:srgbClr val="FFFFFF"/>
                 </a:solidFill>
               </a:uFill>
               <a:latin typeface="Arial"/>
@@ -2521,15 +2734,16 @@
           </a:prstGeom>
         </p:spPr>
         <p:txBody>
-          <a:bodyPr lIns="0" rIns="0" tIns="0" bIns="0"/>
-          <a:p>
-            <a:endParaRPr b="0" lang="pt-BR" sz="1400" spc="-1" strike="noStrike">
-              <a:solidFill>
-                <a:srgbClr val="000000"/>
-              </a:solidFill>
-              <a:uFill>
-                <a:solidFill>
-                  <a:srgbClr val="ffffff"/>
+          <a:bodyPr lIns="0" tIns="0" rIns="0" bIns="0"/>
+          <a:lstStyle/>
+          <a:p>
+            <a:endParaRPr lang="pt-BR" sz="1400" b="0" strike="noStrike" spc="-1">
+              <a:solidFill>
+                <a:srgbClr val="000000"/>
+              </a:solidFill>
+              <a:uFill>
+                <a:solidFill>
+                  <a:srgbClr val="FFFFFF"/>
                 </a:solidFill>
               </a:uFill>
               <a:latin typeface="Arial"/>
@@ -2557,15 +2771,16 @@
           </a:prstGeom>
         </p:spPr>
         <p:txBody>
-          <a:bodyPr lIns="0" rIns="0" tIns="0" bIns="0"/>
-          <a:p>
-            <a:endParaRPr b="0" lang="pt-BR" sz="1400" spc="-1" strike="noStrike">
-              <a:solidFill>
-                <a:srgbClr val="000000"/>
-              </a:solidFill>
-              <a:uFill>
-                <a:solidFill>
-                  <a:srgbClr val="ffffff"/>
+          <a:bodyPr lIns="0" tIns="0" rIns="0" bIns="0"/>
+          <a:lstStyle/>
+          <a:p>
+            <a:endParaRPr lang="pt-BR" sz="1400" b="0" strike="noStrike" spc="-1">
+              <a:solidFill>
+                <a:srgbClr val="000000"/>
+              </a:solidFill>
+              <a:uFill>
+                <a:solidFill>
+                  <a:srgbClr val="FFFFFF"/>
                 </a:solidFill>
               </a:uFill>
               <a:latin typeface="Arial"/>
@@ -2593,15 +2808,16 @@
           </a:prstGeom>
         </p:spPr>
         <p:txBody>
-          <a:bodyPr lIns="0" rIns="0" tIns="0" bIns="0"/>
-          <a:p>
-            <a:endParaRPr b="0" lang="pt-BR" sz="1400" spc="-1" strike="noStrike">
-              <a:solidFill>
-                <a:srgbClr val="000000"/>
-              </a:solidFill>
-              <a:uFill>
-                <a:solidFill>
-                  <a:srgbClr val="ffffff"/>
+          <a:bodyPr lIns="0" tIns="0" rIns="0" bIns="0"/>
+          <a:lstStyle/>
+          <a:p>
+            <a:endParaRPr lang="pt-BR" sz="1400" b="0" strike="noStrike" spc="-1">
+              <a:solidFill>
+                <a:srgbClr val="000000"/>
+              </a:solidFill>
+              <a:uFill>
+                <a:solidFill>
+                  <a:srgbClr val="FFFFFF"/>
                 </a:solidFill>
               </a:uFill>
               <a:latin typeface="Arial"/>
@@ -2611,11 +2827,14 @@
       </p:sp>
     </p:spTree>
   </p:cSld>
+  <p:clrMapOvr>
+    <a:masterClrMapping/>
+  </p:clrMapOvr>
 </p:sldLayout>
 </file>
 
 <file path=ppt/slideLayouts/slideLayout8.xml><?xml version="1.0" encoding="utf-8"?>
-<p:sldLayout xmlns:a="http://schemas.openxmlformats.org/drawingml/2006/main" xmlns:p="http://schemas.openxmlformats.org/presentationml/2006/main" xmlns:r="http://schemas.openxmlformats.org/officeDocument/2006/relationships" xmlns:p14="http://schemas.microsoft.com/office/powerpoint/2010/main" xmlns:p15="http://schemas.microsoft.com/office/powerpoint/2012/main" xmlns:mc="http://schemas.openxmlformats.org/markup-compatibility/2006" type="objAndTwoObj" preserve="1">
+<p:sldLayout xmlns:a="http://schemas.openxmlformats.org/drawingml/2006/main" xmlns:r="http://schemas.openxmlformats.org/officeDocument/2006/relationships" xmlns:p="http://schemas.openxmlformats.org/presentationml/2006/main" type="objAndTwoObj" preserve="1">
   <p:cSld name="Title Content and 2 Content">
     <p:spTree>
       <p:nvGrpSpPr>
@@ -2651,15 +2870,16 @@
           </a:prstGeom>
         </p:spPr>
         <p:txBody>
-          <a:bodyPr lIns="0" rIns="0" tIns="0" bIns="0" anchor="ctr"/>
-          <a:p>
-            <a:endParaRPr b="0" lang="pt-BR" sz="1400" spc="-1" strike="noStrike">
-              <a:solidFill>
-                <a:srgbClr val="000000"/>
-              </a:solidFill>
-              <a:uFill>
-                <a:solidFill>
-                  <a:srgbClr val="ffffff"/>
+          <a:bodyPr lIns="0" tIns="0" rIns="0" bIns="0" anchor="ctr"/>
+          <a:lstStyle/>
+          <a:p>
+            <a:endParaRPr lang="pt-BR" sz="1400" b="0" strike="noStrike" spc="-1">
+              <a:solidFill>
+                <a:srgbClr val="000000"/>
+              </a:solidFill>
+              <a:uFill>
+                <a:solidFill>
+                  <a:srgbClr val="FFFFFF"/>
                 </a:solidFill>
               </a:uFill>
               <a:latin typeface="Arial"/>
@@ -2687,15 +2907,16 @@
           </a:prstGeom>
         </p:spPr>
         <p:txBody>
-          <a:bodyPr lIns="0" rIns="0" tIns="0" bIns="0"/>
-          <a:p>
-            <a:endParaRPr b="0" lang="pt-BR" sz="1400" spc="-1" strike="noStrike">
-              <a:solidFill>
-                <a:srgbClr val="000000"/>
-              </a:solidFill>
-              <a:uFill>
-                <a:solidFill>
-                  <a:srgbClr val="ffffff"/>
+          <a:bodyPr lIns="0" tIns="0" rIns="0" bIns="0"/>
+          <a:lstStyle/>
+          <a:p>
+            <a:endParaRPr lang="pt-BR" sz="1400" b="0" strike="noStrike" spc="-1">
+              <a:solidFill>
+                <a:srgbClr val="000000"/>
+              </a:solidFill>
+              <a:uFill>
+                <a:solidFill>
+                  <a:srgbClr val="FFFFFF"/>
                 </a:solidFill>
               </a:uFill>
               <a:latin typeface="Arial"/>
@@ -2723,15 +2944,16 @@
           </a:prstGeom>
         </p:spPr>
         <p:txBody>
-          <a:bodyPr lIns="0" rIns="0" tIns="0" bIns="0"/>
-          <a:p>
-            <a:endParaRPr b="0" lang="pt-BR" sz="1400" spc="-1" strike="noStrike">
-              <a:solidFill>
-                <a:srgbClr val="000000"/>
-              </a:solidFill>
-              <a:uFill>
-                <a:solidFill>
-                  <a:srgbClr val="ffffff"/>
+          <a:bodyPr lIns="0" tIns="0" rIns="0" bIns="0"/>
+          <a:lstStyle/>
+          <a:p>
+            <a:endParaRPr lang="pt-BR" sz="1400" b="0" strike="noStrike" spc="-1">
+              <a:solidFill>
+                <a:srgbClr val="000000"/>
+              </a:solidFill>
+              <a:uFill>
+                <a:solidFill>
+                  <a:srgbClr val="FFFFFF"/>
                 </a:solidFill>
               </a:uFill>
               <a:latin typeface="Arial"/>
@@ -2759,15 +2981,16 @@
           </a:prstGeom>
         </p:spPr>
         <p:txBody>
-          <a:bodyPr lIns="0" rIns="0" tIns="0" bIns="0"/>
-          <a:p>
-            <a:endParaRPr b="0" lang="pt-BR" sz="1400" spc="-1" strike="noStrike">
-              <a:solidFill>
-                <a:srgbClr val="000000"/>
-              </a:solidFill>
-              <a:uFill>
-                <a:solidFill>
-                  <a:srgbClr val="ffffff"/>
+          <a:bodyPr lIns="0" tIns="0" rIns="0" bIns="0"/>
+          <a:lstStyle/>
+          <a:p>
+            <a:endParaRPr lang="pt-BR" sz="1400" b="0" strike="noStrike" spc="-1">
+              <a:solidFill>
+                <a:srgbClr val="000000"/>
+              </a:solidFill>
+              <a:uFill>
+                <a:solidFill>
+                  <a:srgbClr val="FFFFFF"/>
                 </a:solidFill>
               </a:uFill>
               <a:latin typeface="Arial"/>
@@ -2777,11 +3000,14 @@
       </p:sp>
     </p:spTree>
   </p:cSld>
+  <p:clrMapOvr>
+    <a:masterClrMapping/>
+  </p:clrMapOvr>
 </p:sldLayout>
 </file>
 
 <file path=ppt/slideLayouts/slideLayout9.xml><?xml version="1.0" encoding="utf-8"?>
-<p:sldLayout xmlns:a="http://schemas.openxmlformats.org/drawingml/2006/main" xmlns:p="http://schemas.openxmlformats.org/presentationml/2006/main" xmlns:r="http://schemas.openxmlformats.org/officeDocument/2006/relationships" xmlns:p14="http://schemas.microsoft.com/office/powerpoint/2010/main" xmlns:p15="http://schemas.microsoft.com/office/powerpoint/2012/main" xmlns:mc="http://schemas.openxmlformats.org/markup-compatibility/2006" type="twoObjOverTx" preserve="1">
+<p:sldLayout xmlns:a="http://schemas.openxmlformats.org/drawingml/2006/main" xmlns:r="http://schemas.openxmlformats.org/officeDocument/2006/relationships" xmlns:p="http://schemas.openxmlformats.org/presentationml/2006/main" type="twoObjOverTx" preserve="1">
   <p:cSld name="Title, 2 Content over Content">
     <p:spTree>
       <p:nvGrpSpPr>
@@ -2817,15 +3043,16 @@
           </a:prstGeom>
         </p:spPr>
         <p:txBody>
-          <a:bodyPr lIns="0" rIns="0" tIns="0" bIns="0" anchor="ctr"/>
-          <a:p>
-            <a:endParaRPr b="0" lang="pt-BR" sz="1400" spc="-1" strike="noStrike">
-              <a:solidFill>
-                <a:srgbClr val="000000"/>
-              </a:solidFill>
-              <a:uFill>
-                <a:solidFill>
-                  <a:srgbClr val="ffffff"/>
+          <a:bodyPr lIns="0" tIns="0" rIns="0" bIns="0" anchor="ctr"/>
+          <a:lstStyle/>
+          <a:p>
+            <a:endParaRPr lang="pt-BR" sz="1400" b="0" strike="noStrike" spc="-1">
+              <a:solidFill>
+                <a:srgbClr val="000000"/>
+              </a:solidFill>
+              <a:uFill>
+                <a:solidFill>
+                  <a:srgbClr val="FFFFFF"/>
                 </a:solidFill>
               </a:uFill>
               <a:latin typeface="Arial"/>
@@ -2853,15 +3080,16 @@
           </a:prstGeom>
         </p:spPr>
         <p:txBody>
-          <a:bodyPr lIns="0" rIns="0" tIns="0" bIns="0"/>
-          <a:p>
-            <a:endParaRPr b="0" lang="pt-BR" sz="1400" spc="-1" strike="noStrike">
-              <a:solidFill>
-                <a:srgbClr val="000000"/>
-              </a:solidFill>
-              <a:uFill>
-                <a:solidFill>
-                  <a:srgbClr val="ffffff"/>
+          <a:bodyPr lIns="0" tIns="0" rIns="0" bIns="0"/>
+          <a:lstStyle/>
+          <a:p>
+            <a:endParaRPr lang="pt-BR" sz="1400" b="0" strike="noStrike" spc="-1">
+              <a:solidFill>
+                <a:srgbClr val="000000"/>
+              </a:solidFill>
+              <a:uFill>
+                <a:solidFill>
+                  <a:srgbClr val="FFFFFF"/>
                 </a:solidFill>
               </a:uFill>
               <a:latin typeface="Arial"/>
@@ -2889,15 +3117,16 @@
           </a:prstGeom>
         </p:spPr>
         <p:txBody>
-          <a:bodyPr lIns="0" rIns="0" tIns="0" bIns="0"/>
-          <a:p>
-            <a:endParaRPr b="0" lang="pt-BR" sz="1400" spc="-1" strike="noStrike">
-              <a:solidFill>
-                <a:srgbClr val="000000"/>
-              </a:solidFill>
-              <a:uFill>
-                <a:solidFill>
-                  <a:srgbClr val="ffffff"/>
+          <a:bodyPr lIns="0" tIns="0" rIns="0" bIns="0"/>
+          <a:lstStyle/>
+          <a:p>
+            <a:endParaRPr lang="pt-BR" sz="1400" b="0" strike="noStrike" spc="-1">
+              <a:solidFill>
+                <a:srgbClr val="000000"/>
+              </a:solidFill>
+              <a:uFill>
+                <a:solidFill>
+                  <a:srgbClr val="FFFFFF"/>
                 </a:solidFill>
               </a:uFill>
               <a:latin typeface="Arial"/>
@@ -2925,15 +3154,16 @@
           </a:prstGeom>
         </p:spPr>
         <p:txBody>
-          <a:bodyPr lIns="0" rIns="0" tIns="0" bIns="0"/>
-          <a:p>
-            <a:endParaRPr b="0" lang="pt-BR" sz="1400" spc="-1" strike="noStrike">
-              <a:solidFill>
-                <a:srgbClr val="000000"/>
-              </a:solidFill>
-              <a:uFill>
-                <a:solidFill>
-                  <a:srgbClr val="ffffff"/>
+          <a:bodyPr lIns="0" tIns="0" rIns="0" bIns="0"/>
+          <a:lstStyle/>
+          <a:p>
+            <a:endParaRPr lang="pt-BR" sz="1400" b="0" strike="noStrike" spc="-1">
+              <a:solidFill>
+                <a:srgbClr val="000000"/>
+              </a:solidFill>
+              <a:uFill>
+                <a:solidFill>
+                  <a:srgbClr val="FFFFFF"/>
                 </a:solidFill>
               </a:uFill>
               <a:latin typeface="Arial"/>
@@ -2943,17 +3173,21 @@
       </p:sp>
     </p:spTree>
   </p:cSld>
+  <p:clrMapOvr>
+    <a:masterClrMapping/>
+  </p:clrMapOvr>
 </p:sldLayout>
 </file>
 
 <file path=ppt/slideMasters/slideMaster1.xml><?xml version="1.0" encoding="utf-8"?>
-<p:sldMaster xmlns:a="http://schemas.openxmlformats.org/drawingml/2006/main" xmlns:p="http://schemas.openxmlformats.org/presentationml/2006/main" xmlns:r="http://schemas.openxmlformats.org/officeDocument/2006/relationships" xmlns:p14="http://schemas.microsoft.com/office/powerpoint/2010/main" xmlns:p15="http://schemas.microsoft.com/office/powerpoint/2012/main" xmlns:mc="http://schemas.openxmlformats.org/markup-compatibility/2006">
+<p:sldMaster xmlns:a="http://schemas.openxmlformats.org/drawingml/2006/main" xmlns:r="http://schemas.openxmlformats.org/officeDocument/2006/relationships" xmlns:p="http://schemas.openxmlformats.org/presentationml/2006/main">
   <p:cSld>
     <p:bg>
       <p:bgPr>
         <a:solidFill>
-          <a:srgbClr val="ffffff"/>
+          <a:srgbClr val="FFFFFF"/>
         </a:solidFill>
+        <a:effectLst/>
       </p:bgPr>
     </p:bg>
     <p:spTree>
@@ -2972,7 +3206,7 @@
       </p:grpSpPr>
       <p:sp>
         <p:nvSpPr>
-          <p:cNvPr id="0" name="CustomShape 1"/>
+          <p:cNvPr id="4" name="CustomShape 1"/>
           <p:cNvSpPr/>
           <p:nvPr/>
         </p:nvSpPr>
@@ -2992,15 +3226,21 @@
           </a:ln>
         </p:spPr>
         <p:style>
-          <a:lnRef idx="0"/>
-          <a:fillRef idx="0"/>
-          <a:effectRef idx="0"/>
+          <a:lnRef idx="0">
+            <a:scrgbClr r="0" g="0" b="0"/>
+          </a:lnRef>
+          <a:fillRef idx="0">
+            <a:scrgbClr r="0" g="0" b="0"/>
+          </a:fillRef>
+          <a:effectRef idx="0">
+            <a:scrgbClr r="0" g="0" b="0"/>
+          </a:effectRef>
           <a:fontRef idx="minor"/>
         </p:style>
       </p:sp>
       <p:sp>
         <p:nvSpPr>
-          <p:cNvPr id="1" name="CustomShape 2"/>
+          <p:cNvPr id="5" name="CustomShape 2"/>
           <p:cNvSpPr/>
           <p:nvPr/>
         </p:nvSpPr>
@@ -3013,6 +3253,7 @@
             <a:avLst/>
             <a:gdLst/>
             <a:ahLst/>
+            <a:cxnLst/>
             <a:rect l="l" t="t" r="r" b="b"/>
             <a:pathLst>
               <a:path w="21600" h="21600">
@@ -3034,9 +3275,15 @@
           </a:ln>
         </p:spPr>
         <p:style>
-          <a:lnRef idx="0"/>
-          <a:fillRef idx="0"/>
-          <a:effectRef idx="0"/>
+          <a:lnRef idx="0">
+            <a:scrgbClr r="0" g="0" b="0"/>
+          </a:lnRef>
+          <a:fillRef idx="0">
+            <a:scrgbClr r="0" g="0" b="0"/>
+          </a:fillRef>
+          <a:effectRef idx="0">
+            <a:scrgbClr r="0" g="0" b="0"/>
+          </a:effectRef>
           <a:fontRef idx="minor"/>
         </p:style>
       </p:sp>
@@ -3061,14 +3308,15 @@
         </p:spPr>
         <p:txBody>
           <a:bodyPr tIns="91440" bIns="91440" anchor="b"/>
-          <a:p>
-            <a:endParaRPr b="0" lang="pt-BR" sz="1400" spc="-1" strike="noStrike">
-              <a:solidFill>
-                <a:srgbClr val="000000"/>
-              </a:solidFill>
-              <a:uFill>
-                <a:solidFill>
-                  <a:srgbClr val="ffffff"/>
+          <a:lstStyle/>
+          <a:p>
+            <a:endParaRPr lang="pt-BR" sz="1400" b="0" strike="noStrike" spc="-1">
+              <a:solidFill>
+                <a:srgbClr val="000000"/>
+              </a:solidFill>
+              <a:uFill>
+                <a:solidFill>
+                  <a:srgbClr val="FFFFFF"/>
                 </a:solidFill>
               </a:uFill>
               <a:latin typeface="Arial"/>
@@ -3096,7 +3344,8 @@
           </a:prstGeom>
         </p:spPr>
         <p:txBody>
-          <a:bodyPr lIns="0" rIns="0" tIns="0" bIns="0"/>
+          <a:bodyPr lIns="0" tIns="0" rIns="0" bIns="0"/>
+          <a:lstStyle/>
           <a:p>
             <a:pPr marL="432000" indent="-324000">
               <a:buClr>
@@ -3107,33 +3356,22 @@
               <a:buChar char=""/>
             </a:pPr>
             <a:r>
-              <a:rPr b="0" lang="pt-BR" sz="1400" spc="-1" strike="noStrike">
+              <a:rPr lang="pt-BR" sz="1400" b="0" strike="noStrike" spc="-1">
                 <a:solidFill>
                   <a:srgbClr val="000000"/>
                 </a:solidFill>
                 <a:uFill>
                   <a:solidFill>
-                    <a:srgbClr val="ffffff"/>
+                    <a:srgbClr val="FFFFFF"/>
                   </a:solidFill>
                 </a:uFill>
                 <a:latin typeface="Arial"/>
               </a:rPr>
               <a:t>Clique para editar o formato do texto da estrutura de tópicos</a:t>
             </a:r>
-            <a:endParaRPr b="0" lang="pt-BR" sz="1400" spc="-1" strike="noStrike">
-              <a:solidFill>
-                <a:srgbClr val="000000"/>
-              </a:solidFill>
-              <a:uFill>
-                <a:solidFill>
-                  <a:srgbClr val="ffffff"/>
-                </a:solidFill>
-              </a:uFill>
-              <a:latin typeface="Arial"/>
-            </a:endParaRPr>
-          </a:p>
-          <a:p>
-            <a:pPr lvl="1" marL="864000" indent="-324000">
+          </a:p>
+          <a:p>
+            <a:pPr marL="864000" lvl="1" indent="-324000">
               <a:buClr>
                 <a:srgbClr val="000000"/>
               </a:buClr>
@@ -3142,33 +3380,22 @@
               <a:buChar char=""/>
             </a:pPr>
             <a:r>
-              <a:rPr b="0" lang="pt-BR" sz="1400" spc="-1" strike="noStrike">
+              <a:rPr lang="pt-BR" sz="1400" b="0" strike="noStrike" spc="-1">
                 <a:solidFill>
                   <a:srgbClr val="000000"/>
                 </a:solidFill>
                 <a:uFill>
                   <a:solidFill>
-                    <a:srgbClr val="ffffff"/>
+                    <a:srgbClr val="FFFFFF"/>
                   </a:solidFill>
                 </a:uFill>
                 <a:latin typeface="Arial"/>
               </a:rPr>
               <a:t>2.º nível da estrutura de tópicos</a:t>
             </a:r>
-            <a:endParaRPr b="0" lang="pt-BR" sz="1400" spc="-1" strike="noStrike">
-              <a:solidFill>
-                <a:srgbClr val="000000"/>
-              </a:solidFill>
-              <a:uFill>
-                <a:solidFill>
-                  <a:srgbClr val="ffffff"/>
-                </a:solidFill>
-              </a:uFill>
-              <a:latin typeface="Arial"/>
-            </a:endParaRPr>
-          </a:p>
-          <a:p>
-            <a:pPr lvl="2" marL="1296000" indent="-288000">
+          </a:p>
+          <a:p>
+            <a:pPr marL="1296000" lvl="2" indent="-288000">
               <a:buClr>
                 <a:srgbClr val="000000"/>
               </a:buClr>
@@ -3177,33 +3404,22 @@
               <a:buChar char=""/>
             </a:pPr>
             <a:r>
-              <a:rPr b="0" lang="pt-BR" sz="1400" spc="-1" strike="noStrike">
+              <a:rPr lang="pt-BR" sz="1400" b="0" strike="noStrike" spc="-1">
                 <a:solidFill>
                   <a:srgbClr val="000000"/>
                 </a:solidFill>
                 <a:uFill>
                   <a:solidFill>
-                    <a:srgbClr val="ffffff"/>
+                    <a:srgbClr val="FFFFFF"/>
                   </a:solidFill>
                 </a:uFill>
                 <a:latin typeface="Arial"/>
               </a:rPr>
               <a:t>3.º nível da estrutura de tópicos</a:t>
             </a:r>
-            <a:endParaRPr b="0" lang="pt-BR" sz="1400" spc="-1" strike="noStrike">
-              <a:solidFill>
-                <a:srgbClr val="000000"/>
-              </a:solidFill>
-              <a:uFill>
-                <a:solidFill>
-                  <a:srgbClr val="ffffff"/>
-                </a:solidFill>
-              </a:uFill>
-              <a:latin typeface="Arial"/>
-            </a:endParaRPr>
-          </a:p>
-          <a:p>
-            <a:pPr lvl="3" marL="1728000" indent="-216000">
+          </a:p>
+          <a:p>
+            <a:pPr marL="1728000" lvl="3" indent="-216000">
               <a:buClr>
                 <a:srgbClr val="000000"/>
               </a:buClr>
@@ -3212,33 +3428,22 @@
               <a:buChar char=""/>
             </a:pPr>
             <a:r>
-              <a:rPr b="0" lang="pt-BR" sz="1400" spc="-1" strike="noStrike">
+              <a:rPr lang="pt-BR" sz="1400" b="0" strike="noStrike" spc="-1">
                 <a:solidFill>
                   <a:srgbClr val="000000"/>
                 </a:solidFill>
                 <a:uFill>
                   <a:solidFill>
-                    <a:srgbClr val="ffffff"/>
+                    <a:srgbClr val="FFFFFF"/>
                   </a:solidFill>
                 </a:uFill>
                 <a:latin typeface="Arial"/>
               </a:rPr>
               <a:t>4.º nível da estrutura de tópicos</a:t>
             </a:r>
-            <a:endParaRPr b="0" lang="pt-BR" sz="1400" spc="-1" strike="noStrike">
-              <a:solidFill>
-                <a:srgbClr val="000000"/>
-              </a:solidFill>
-              <a:uFill>
-                <a:solidFill>
-                  <a:srgbClr val="ffffff"/>
-                </a:solidFill>
-              </a:uFill>
-              <a:latin typeface="Arial"/>
-            </a:endParaRPr>
-          </a:p>
-          <a:p>
-            <a:pPr lvl="4" marL="2160000" indent="-216000">
+          </a:p>
+          <a:p>
+            <a:pPr marL="2160000" lvl="4" indent="-216000">
               <a:buClr>
                 <a:srgbClr val="000000"/>
               </a:buClr>
@@ -3247,33 +3452,22 @@
               <a:buChar char=""/>
             </a:pPr>
             <a:r>
-              <a:rPr b="0" lang="pt-BR" sz="2000" spc="-1" strike="noStrike">
+              <a:rPr lang="pt-BR" sz="2000" b="0" strike="noStrike" spc="-1">
                 <a:solidFill>
                   <a:srgbClr val="000000"/>
                 </a:solidFill>
                 <a:uFill>
                   <a:solidFill>
-                    <a:srgbClr val="ffffff"/>
+                    <a:srgbClr val="FFFFFF"/>
                   </a:solidFill>
                 </a:uFill>
                 <a:latin typeface="Arial"/>
               </a:rPr>
               <a:t>5.º nível da estrutura de tópicos</a:t>
             </a:r>
-            <a:endParaRPr b="0" lang="pt-BR" sz="2000" spc="-1" strike="noStrike">
-              <a:solidFill>
-                <a:srgbClr val="000000"/>
-              </a:solidFill>
-              <a:uFill>
-                <a:solidFill>
-                  <a:srgbClr val="ffffff"/>
-                </a:solidFill>
-              </a:uFill>
-              <a:latin typeface="Arial"/>
-            </a:endParaRPr>
-          </a:p>
-          <a:p>
-            <a:pPr lvl="5" marL="2592000" indent="-216000">
+          </a:p>
+          <a:p>
+            <a:pPr marL="2592000" lvl="5" indent="-216000">
               <a:buClr>
                 <a:srgbClr val="000000"/>
               </a:buClr>
@@ -3282,33 +3476,22 @@
               <a:buChar char=""/>
             </a:pPr>
             <a:r>
-              <a:rPr b="0" lang="pt-BR" sz="2000" spc="-1" strike="noStrike">
+              <a:rPr lang="pt-BR" sz="2000" b="0" strike="noStrike" spc="-1">
                 <a:solidFill>
                   <a:srgbClr val="000000"/>
                 </a:solidFill>
                 <a:uFill>
                   <a:solidFill>
-                    <a:srgbClr val="ffffff"/>
+                    <a:srgbClr val="FFFFFF"/>
                   </a:solidFill>
                 </a:uFill>
                 <a:latin typeface="Arial"/>
               </a:rPr>
               <a:t>6.º nível da estrutura de tópicos</a:t>
             </a:r>
-            <a:endParaRPr b="0" lang="pt-BR" sz="2000" spc="-1" strike="noStrike">
-              <a:solidFill>
-                <a:srgbClr val="000000"/>
-              </a:solidFill>
-              <a:uFill>
-                <a:solidFill>
-                  <a:srgbClr val="ffffff"/>
-                </a:solidFill>
-              </a:uFill>
-              <a:latin typeface="Arial"/>
-            </a:endParaRPr>
-          </a:p>
-          <a:p>
-            <a:pPr lvl="6" marL="3024000" indent="-216000">
+          </a:p>
+          <a:p>
+            <a:pPr marL="3024000" lvl="6" indent="-216000">
               <a:buClr>
                 <a:srgbClr val="000000"/>
               </a:buClr>
@@ -3317,61 +3500,331 @@
               <a:buChar char=""/>
             </a:pPr>
             <a:r>
-              <a:rPr b="0" lang="pt-BR" sz="2000" spc="-1" strike="noStrike">
+              <a:rPr lang="pt-BR" sz="2000" b="0" strike="noStrike" spc="-1">
                 <a:solidFill>
                   <a:srgbClr val="000000"/>
                 </a:solidFill>
                 <a:uFill>
                   <a:solidFill>
-                    <a:srgbClr val="ffffff"/>
+                    <a:srgbClr val="FFFFFF"/>
                   </a:solidFill>
                 </a:uFill>
                 <a:latin typeface="Arial"/>
               </a:rPr>
               <a:t>7.º nível da estrutura de tópicos</a:t>
             </a:r>
-            <a:endParaRPr b="0" lang="pt-BR" sz="2000" spc="-1" strike="noStrike">
-              <a:solidFill>
-                <a:srgbClr val="000000"/>
-              </a:solidFill>
-              <a:uFill>
-                <a:solidFill>
-                  <a:srgbClr val="ffffff"/>
-                </a:solidFill>
-              </a:uFill>
-              <a:latin typeface="Arial"/>
-            </a:endParaRPr>
           </a:p>
         </p:txBody>
       </p:sp>
     </p:spTree>
   </p:cSld>
-  <p:clrMap bg1="lt1" bg2="lt2" tx1="dk1" tx2="dk2" accent1="accent1" accent2="accent2" accent3="accent3" accent4="accent4" accent5="accent5" accent6="accent6" hlink="hlink" folHlink="folHlink"/>
+  <p:clrMap bg1="lt1" tx1="dk1" bg2="lt2" tx2="dk2" accent1="accent1" accent2="accent2" accent3="accent3" accent4="accent4" accent5="accent5" accent6="accent6" hlink="hlink" folHlink="folHlink"/>
   <p:sldLayoutIdLst>
-    <p:sldLayoutId id="2147483649" r:id="rId2"/>
-    <p:sldLayoutId id="2147483650" r:id="rId3"/>
-    <p:sldLayoutId id="2147483651" r:id="rId4"/>
-    <p:sldLayoutId id="2147483652" r:id="rId5"/>
-    <p:sldLayoutId id="2147483653" r:id="rId6"/>
-    <p:sldLayoutId id="2147483654" r:id="rId7"/>
-    <p:sldLayoutId id="2147483655" r:id="rId8"/>
-    <p:sldLayoutId id="2147483656" r:id="rId9"/>
-    <p:sldLayoutId id="2147483657" r:id="rId10"/>
-    <p:sldLayoutId id="2147483658" r:id="rId11"/>
-    <p:sldLayoutId id="2147483659" r:id="rId12"/>
-    <p:sldLayoutId id="2147483660" r:id="rId13"/>
+    <p:sldLayoutId id="2147483649" r:id="rId1"/>
+    <p:sldLayoutId id="2147483650" r:id="rId2"/>
+    <p:sldLayoutId id="2147483651" r:id="rId3"/>
+    <p:sldLayoutId id="2147483652" r:id="rId4"/>
+    <p:sldLayoutId id="2147483653" r:id="rId5"/>
+    <p:sldLayoutId id="2147483654" r:id="rId6"/>
+    <p:sldLayoutId id="2147483655" r:id="rId7"/>
+    <p:sldLayoutId id="2147483656" r:id="rId8"/>
+    <p:sldLayoutId id="2147483657" r:id="rId9"/>
+    <p:sldLayoutId id="2147483658" r:id="rId10"/>
+    <p:sldLayoutId id="2147483659" r:id="rId11"/>
+    <p:sldLayoutId id="2147483660" r:id="rId12"/>
   </p:sldLayoutIdLst>
+  <p:txStyles>
+    <p:titleStyle>
+      <a:lvl1pPr algn="l" defTabSz="914400" rtl="0" eaLnBrk="1" latinLnBrk="0" hangingPunct="1">
+        <a:lnSpc>
+          <a:spcPct val="90000"/>
+        </a:lnSpc>
+        <a:spcBef>
+          <a:spcPct val="0"/>
+        </a:spcBef>
+        <a:buNone/>
+        <a:defRPr sz="4400" kern="1200">
+          <a:solidFill>
+            <a:schemeClr val="tx1"/>
+          </a:solidFill>
+          <a:latin typeface="+mj-lt"/>
+          <a:ea typeface="+mj-ea"/>
+          <a:cs typeface="+mj-cs"/>
+        </a:defRPr>
+      </a:lvl1pPr>
+    </p:titleStyle>
+    <p:bodyStyle>
+      <a:lvl1pPr marL="228600" indent="-228600" algn="l" defTabSz="914400" rtl="0" eaLnBrk="1" latinLnBrk="0" hangingPunct="1">
+        <a:lnSpc>
+          <a:spcPct val="90000"/>
+        </a:lnSpc>
+        <a:spcBef>
+          <a:spcPts val="1000"/>
+        </a:spcBef>
+        <a:buFont typeface="Arial" panose="020B0604020202020204" pitchFamily="34" charset="0"/>
+        <a:buChar char="•"/>
+        <a:defRPr sz="2800" kern="1200">
+          <a:solidFill>
+            <a:schemeClr val="tx1"/>
+          </a:solidFill>
+          <a:latin typeface="+mn-lt"/>
+          <a:ea typeface="+mn-ea"/>
+          <a:cs typeface="+mn-cs"/>
+        </a:defRPr>
+      </a:lvl1pPr>
+      <a:lvl2pPr marL="685800" indent="-228600" algn="l" defTabSz="914400" rtl="0" eaLnBrk="1" latinLnBrk="0" hangingPunct="1">
+        <a:lnSpc>
+          <a:spcPct val="90000"/>
+        </a:lnSpc>
+        <a:spcBef>
+          <a:spcPts val="500"/>
+        </a:spcBef>
+        <a:buFont typeface="Arial" panose="020B0604020202020204" pitchFamily="34" charset="0"/>
+        <a:buChar char="•"/>
+        <a:defRPr sz="2400" kern="1200">
+          <a:solidFill>
+            <a:schemeClr val="tx1"/>
+          </a:solidFill>
+          <a:latin typeface="+mn-lt"/>
+          <a:ea typeface="+mn-ea"/>
+          <a:cs typeface="+mn-cs"/>
+        </a:defRPr>
+      </a:lvl2pPr>
+      <a:lvl3pPr marL="1143000" indent="-228600" algn="l" defTabSz="914400" rtl="0" eaLnBrk="1" latinLnBrk="0" hangingPunct="1">
+        <a:lnSpc>
+          <a:spcPct val="90000"/>
+        </a:lnSpc>
+        <a:spcBef>
+          <a:spcPts val="500"/>
+        </a:spcBef>
+        <a:buFont typeface="Arial" panose="020B0604020202020204" pitchFamily="34" charset="0"/>
+        <a:buChar char="•"/>
+        <a:defRPr sz="2000" kern="1200">
+          <a:solidFill>
+            <a:schemeClr val="tx1"/>
+          </a:solidFill>
+          <a:latin typeface="+mn-lt"/>
+          <a:ea typeface="+mn-ea"/>
+          <a:cs typeface="+mn-cs"/>
+        </a:defRPr>
+      </a:lvl3pPr>
+      <a:lvl4pPr marL="1600200" indent="-228600" algn="l" defTabSz="914400" rtl="0" eaLnBrk="1" latinLnBrk="0" hangingPunct="1">
+        <a:lnSpc>
+          <a:spcPct val="90000"/>
+        </a:lnSpc>
+        <a:spcBef>
+          <a:spcPts val="500"/>
+        </a:spcBef>
+        <a:buFont typeface="Arial" panose="020B0604020202020204" pitchFamily="34" charset="0"/>
+        <a:buChar char="•"/>
+        <a:defRPr sz="1800" kern="1200">
+          <a:solidFill>
+            <a:schemeClr val="tx1"/>
+          </a:solidFill>
+          <a:latin typeface="+mn-lt"/>
+          <a:ea typeface="+mn-ea"/>
+          <a:cs typeface="+mn-cs"/>
+        </a:defRPr>
+      </a:lvl4pPr>
+      <a:lvl5pPr marL="2057400" indent="-228600" algn="l" defTabSz="914400" rtl="0" eaLnBrk="1" latinLnBrk="0" hangingPunct="1">
+        <a:lnSpc>
+          <a:spcPct val="90000"/>
+        </a:lnSpc>
+        <a:spcBef>
+          <a:spcPts val="500"/>
+        </a:spcBef>
+        <a:buFont typeface="Arial" panose="020B0604020202020204" pitchFamily="34" charset="0"/>
+        <a:buChar char="•"/>
+        <a:defRPr sz="1800" kern="1200">
+          <a:solidFill>
+            <a:schemeClr val="tx1"/>
+          </a:solidFill>
+          <a:latin typeface="+mn-lt"/>
+          <a:ea typeface="+mn-ea"/>
+          <a:cs typeface="+mn-cs"/>
+        </a:defRPr>
+      </a:lvl5pPr>
+      <a:lvl6pPr marL="2514600" indent="-228600" algn="l" defTabSz="914400" rtl="0" eaLnBrk="1" latinLnBrk="0" hangingPunct="1">
+        <a:lnSpc>
+          <a:spcPct val="90000"/>
+        </a:lnSpc>
+        <a:spcBef>
+          <a:spcPts val="500"/>
+        </a:spcBef>
+        <a:buFont typeface="Arial" panose="020B0604020202020204" pitchFamily="34" charset="0"/>
+        <a:buChar char="•"/>
+        <a:defRPr sz="1800" kern="1200">
+          <a:solidFill>
+            <a:schemeClr val="tx1"/>
+          </a:solidFill>
+          <a:latin typeface="+mn-lt"/>
+          <a:ea typeface="+mn-ea"/>
+          <a:cs typeface="+mn-cs"/>
+        </a:defRPr>
+      </a:lvl6pPr>
+      <a:lvl7pPr marL="2971800" indent="-228600" algn="l" defTabSz="914400" rtl="0" eaLnBrk="1" latinLnBrk="0" hangingPunct="1">
+        <a:lnSpc>
+          <a:spcPct val="90000"/>
+        </a:lnSpc>
+        <a:spcBef>
+          <a:spcPts val="500"/>
+        </a:spcBef>
+        <a:buFont typeface="Arial" panose="020B0604020202020204" pitchFamily="34" charset="0"/>
+        <a:buChar char="•"/>
+        <a:defRPr sz="1800" kern="1200">
+          <a:solidFill>
+            <a:schemeClr val="tx1"/>
+          </a:solidFill>
+          <a:latin typeface="+mn-lt"/>
+          <a:ea typeface="+mn-ea"/>
+          <a:cs typeface="+mn-cs"/>
+        </a:defRPr>
+      </a:lvl7pPr>
+      <a:lvl8pPr marL="3429000" indent="-228600" algn="l" defTabSz="914400" rtl="0" eaLnBrk="1" latinLnBrk="0" hangingPunct="1">
+        <a:lnSpc>
+          <a:spcPct val="90000"/>
+        </a:lnSpc>
+        <a:spcBef>
+          <a:spcPts val="500"/>
+        </a:spcBef>
+        <a:buFont typeface="Arial" panose="020B0604020202020204" pitchFamily="34" charset="0"/>
+        <a:buChar char="•"/>
+        <a:defRPr sz="1800" kern="1200">
+          <a:solidFill>
+            <a:schemeClr val="tx1"/>
+          </a:solidFill>
+          <a:latin typeface="+mn-lt"/>
+          <a:ea typeface="+mn-ea"/>
+          <a:cs typeface="+mn-cs"/>
+        </a:defRPr>
+      </a:lvl8pPr>
+      <a:lvl9pPr marL="3886200" indent="-228600" algn="l" defTabSz="914400" rtl="0" eaLnBrk="1" latinLnBrk="0" hangingPunct="1">
+        <a:lnSpc>
+          <a:spcPct val="90000"/>
+        </a:lnSpc>
+        <a:spcBef>
+          <a:spcPts val="500"/>
+        </a:spcBef>
+        <a:buFont typeface="Arial" panose="020B0604020202020204" pitchFamily="34" charset="0"/>
+        <a:buChar char="•"/>
+        <a:defRPr sz="1800" kern="1200">
+          <a:solidFill>
+            <a:schemeClr val="tx1"/>
+          </a:solidFill>
+          <a:latin typeface="+mn-lt"/>
+          <a:ea typeface="+mn-ea"/>
+          <a:cs typeface="+mn-cs"/>
+        </a:defRPr>
+      </a:lvl9pPr>
+    </p:bodyStyle>
+    <p:otherStyle>
+      <a:defPPr>
+        <a:defRPr lang="pt-BR"/>
+      </a:defPPr>
+      <a:lvl1pPr marL="0" algn="l" defTabSz="914400" rtl="0" eaLnBrk="1" latinLnBrk="0" hangingPunct="1">
+        <a:defRPr sz="1800" kern="1200">
+          <a:solidFill>
+            <a:schemeClr val="tx1"/>
+          </a:solidFill>
+          <a:latin typeface="+mn-lt"/>
+          <a:ea typeface="+mn-ea"/>
+          <a:cs typeface="+mn-cs"/>
+        </a:defRPr>
+      </a:lvl1pPr>
+      <a:lvl2pPr marL="457200" algn="l" defTabSz="914400" rtl="0" eaLnBrk="1" latinLnBrk="0" hangingPunct="1">
+        <a:defRPr sz="1800" kern="1200">
+          <a:solidFill>
+            <a:schemeClr val="tx1"/>
+          </a:solidFill>
+          <a:latin typeface="+mn-lt"/>
+          <a:ea typeface="+mn-ea"/>
+          <a:cs typeface="+mn-cs"/>
+        </a:defRPr>
+      </a:lvl2pPr>
+      <a:lvl3pPr marL="914400" algn="l" defTabSz="914400" rtl="0" eaLnBrk="1" latinLnBrk="0" hangingPunct="1">
+        <a:defRPr sz="1800" kern="1200">
+          <a:solidFill>
+            <a:schemeClr val="tx1"/>
+          </a:solidFill>
+          <a:latin typeface="+mn-lt"/>
+          <a:ea typeface="+mn-ea"/>
+          <a:cs typeface="+mn-cs"/>
+        </a:defRPr>
+      </a:lvl3pPr>
+      <a:lvl4pPr marL="1371600" algn="l" defTabSz="914400" rtl="0" eaLnBrk="1" latinLnBrk="0" hangingPunct="1">
+        <a:defRPr sz="1800" kern="1200">
+          <a:solidFill>
+            <a:schemeClr val="tx1"/>
+          </a:solidFill>
+          <a:latin typeface="+mn-lt"/>
+          <a:ea typeface="+mn-ea"/>
+          <a:cs typeface="+mn-cs"/>
+        </a:defRPr>
+      </a:lvl4pPr>
+      <a:lvl5pPr marL="1828800" algn="l" defTabSz="914400" rtl="0" eaLnBrk="1" latinLnBrk="0" hangingPunct="1">
+        <a:defRPr sz="1800" kern="1200">
+          <a:solidFill>
+            <a:schemeClr val="tx1"/>
+          </a:solidFill>
+          <a:latin typeface="+mn-lt"/>
+          <a:ea typeface="+mn-ea"/>
+          <a:cs typeface="+mn-cs"/>
+        </a:defRPr>
+      </a:lvl5pPr>
+      <a:lvl6pPr marL="2286000" algn="l" defTabSz="914400" rtl="0" eaLnBrk="1" latinLnBrk="0" hangingPunct="1">
+        <a:defRPr sz="1800" kern="1200">
+          <a:solidFill>
+            <a:schemeClr val="tx1"/>
+          </a:solidFill>
+          <a:latin typeface="+mn-lt"/>
+          <a:ea typeface="+mn-ea"/>
+          <a:cs typeface="+mn-cs"/>
+        </a:defRPr>
+      </a:lvl6pPr>
+      <a:lvl7pPr marL="2743200" algn="l" defTabSz="914400" rtl="0" eaLnBrk="1" latinLnBrk="0" hangingPunct="1">
+        <a:defRPr sz="1800" kern="1200">
+          <a:solidFill>
+            <a:schemeClr val="tx1"/>
+          </a:solidFill>
+          <a:latin typeface="+mn-lt"/>
+          <a:ea typeface="+mn-ea"/>
+          <a:cs typeface="+mn-cs"/>
+        </a:defRPr>
+      </a:lvl7pPr>
+      <a:lvl8pPr marL="3200400" algn="l" defTabSz="914400" rtl="0" eaLnBrk="1" latinLnBrk="0" hangingPunct="1">
+        <a:defRPr sz="1800" kern="1200">
+          <a:solidFill>
+            <a:schemeClr val="tx1"/>
+          </a:solidFill>
+          <a:latin typeface="+mn-lt"/>
+          <a:ea typeface="+mn-ea"/>
+          <a:cs typeface="+mn-cs"/>
+        </a:defRPr>
+      </a:lvl8pPr>
+      <a:lvl9pPr marL="3657600" algn="l" defTabSz="914400" rtl="0" eaLnBrk="1" latinLnBrk="0" hangingPunct="1">
+        <a:defRPr sz="1800" kern="1200">
+          <a:solidFill>
+            <a:schemeClr val="tx1"/>
+          </a:solidFill>
+          <a:latin typeface="+mn-lt"/>
+          <a:ea typeface="+mn-ea"/>
+          <a:cs typeface="+mn-cs"/>
+        </a:defRPr>
+      </a:lvl9pPr>
+    </p:otherStyle>
+  </p:txStyles>
 </p:sldMaster>
 </file>
 
 <file path=ppt/slideMasters/slideMaster2.xml><?xml version="1.0" encoding="utf-8"?>
-<p:sldMaster xmlns:a="http://schemas.openxmlformats.org/drawingml/2006/main" xmlns:p="http://schemas.openxmlformats.org/presentationml/2006/main" xmlns:r="http://schemas.openxmlformats.org/officeDocument/2006/relationships" xmlns:p14="http://schemas.microsoft.com/office/powerpoint/2010/main" xmlns:p15="http://schemas.microsoft.com/office/powerpoint/2012/main" xmlns:mc="http://schemas.openxmlformats.org/markup-compatibility/2006">
+<p:sldMaster xmlns:a="http://schemas.openxmlformats.org/drawingml/2006/main" xmlns:r="http://schemas.openxmlformats.org/officeDocument/2006/relationships" xmlns:p="http://schemas.openxmlformats.org/presentationml/2006/main">
   <p:cSld>
     <p:bg>
       <p:bgPr>
         <a:solidFill>
-          <a:srgbClr val="ffffff"/>
+          <a:srgbClr val="FFFFFF"/>
         </a:solidFill>
+        <a:effectLst/>
       </p:bgPr>
     </p:bg>
     <p:spTree>
@@ -3403,16 +3856,22 @@
             <a:avLst/>
           </a:prstGeom>
           <a:solidFill>
-            <a:srgbClr val="2388db"/>
+            <a:srgbClr val="2388DB"/>
           </a:solidFill>
           <a:ln>
             <a:noFill/>
           </a:ln>
         </p:spPr>
         <p:style>
-          <a:lnRef idx="0"/>
-          <a:fillRef idx="0"/>
-          <a:effectRef idx="0"/>
+          <a:lnRef idx="0">
+            <a:scrgbClr r="0" g="0" b="0"/>
+          </a:lnRef>
+          <a:fillRef idx="0">
+            <a:scrgbClr r="0" g="0" b="0"/>
+          </a:fillRef>
+          <a:effectRef idx="0">
+            <a:scrgbClr r="0" g="0" b="0"/>
+          </a:effectRef>
           <a:fontRef idx="minor"/>
         </p:style>
       </p:sp>
@@ -3431,6 +3890,7 @@
             <a:avLst/>
             <a:gdLst/>
             <a:ahLst/>
+            <a:cxnLst/>
             <a:rect l="l" t="t" r="r" b="b"/>
             <a:pathLst>
               <a:path w="21600" h="21600">
@@ -3452,9 +3912,15 @@
           </a:ln>
         </p:spPr>
         <p:style>
-          <a:lnRef idx="0"/>
-          <a:fillRef idx="0"/>
-          <a:effectRef idx="0"/>
+          <a:lnRef idx="0">
+            <a:scrgbClr r="0" g="0" b="0"/>
+          </a:lnRef>
+          <a:fillRef idx="0">
+            <a:scrgbClr r="0" g="0" b="0"/>
+          </a:fillRef>
+          <a:effectRef idx="0">
+            <a:scrgbClr r="0" g="0" b="0"/>
+          </a:effectRef>
           <a:fontRef idx="minor"/>
         </p:style>
       </p:sp>
@@ -3479,14 +3945,15 @@
         </p:spPr>
         <p:txBody>
           <a:bodyPr tIns="91440" bIns="91440" anchor="b"/>
-          <a:p>
-            <a:endParaRPr b="0" lang="pt-BR" sz="1400" spc="-1" strike="noStrike">
-              <a:solidFill>
-                <a:srgbClr val="000000"/>
-              </a:solidFill>
-              <a:uFill>
-                <a:solidFill>
-                  <a:srgbClr val="ffffff"/>
+          <a:lstStyle/>
+          <a:p>
+            <a:endParaRPr lang="pt-BR" sz="1400" b="0" strike="noStrike" spc="-1">
+              <a:solidFill>
+                <a:srgbClr val="000000"/>
+              </a:solidFill>
+              <a:uFill>
+                <a:solidFill>
+                  <a:srgbClr val="FFFFFF"/>
                 </a:solidFill>
               </a:uFill>
               <a:latin typeface="Arial"/>
@@ -3515,6 +3982,7 @@
         </p:spPr>
         <p:txBody>
           <a:bodyPr tIns="91440" bIns="91440"/>
+          <a:lstStyle/>
           <a:p>
             <a:pPr marL="432000" indent="-324000">
               <a:buClr>
@@ -3525,33 +3993,22 @@
               <a:buChar char=""/>
             </a:pPr>
             <a:r>
-              <a:rPr b="0" lang="pt-BR" sz="3000" spc="-1" strike="noStrike">
+              <a:rPr lang="pt-BR" sz="3000" b="0" strike="noStrike" spc="-1">
                 <a:solidFill>
                   <a:srgbClr val="000000"/>
                 </a:solidFill>
                 <a:uFill>
                   <a:solidFill>
-                    <a:srgbClr val="ffffff"/>
+                    <a:srgbClr val="FFFFFF"/>
                   </a:solidFill>
                 </a:uFill>
                 <a:latin typeface="Arial"/>
               </a:rPr>
               <a:t>Clique para editar o formato do texto da estrutura de tópicos</a:t>
             </a:r>
-            <a:endParaRPr b="0" lang="pt-BR" sz="3000" spc="-1" strike="noStrike">
-              <a:solidFill>
-                <a:srgbClr val="000000"/>
-              </a:solidFill>
-              <a:uFill>
-                <a:solidFill>
-                  <a:srgbClr val="ffffff"/>
-                </a:solidFill>
-              </a:uFill>
-              <a:latin typeface="Arial"/>
-            </a:endParaRPr>
-          </a:p>
-          <a:p>
-            <a:pPr lvl="1" marL="864000" indent="-324000">
+          </a:p>
+          <a:p>
+            <a:pPr marL="864000" lvl="1" indent="-324000">
               <a:buClr>
                 <a:srgbClr val="000000"/>
               </a:buClr>
@@ -3560,33 +4017,22 @@
               <a:buChar char=""/>
             </a:pPr>
             <a:r>
-              <a:rPr b="0" lang="pt-BR" sz="3000" spc="-1" strike="noStrike">
+              <a:rPr lang="pt-BR" sz="3000" b="0" strike="noStrike" spc="-1">
                 <a:solidFill>
                   <a:srgbClr val="000000"/>
                 </a:solidFill>
                 <a:uFill>
                   <a:solidFill>
-                    <a:srgbClr val="ffffff"/>
+                    <a:srgbClr val="FFFFFF"/>
                   </a:solidFill>
                 </a:uFill>
                 <a:latin typeface="Arial"/>
               </a:rPr>
               <a:t>2.º nível da estrutura de tópicos</a:t>
             </a:r>
-            <a:endParaRPr b="0" lang="pt-BR" sz="3000" spc="-1" strike="noStrike">
-              <a:solidFill>
-                <a:srgbClr val="000000"/>
-              </a:solidFill>
-              <a:uFill>
-                <a:solidFill>
-                  <a:srgbClr val="ffffff"/>
-                </a:solidFill>
-              </a:uFill>
-              <a:latin typeface="Arial"/>
-            </a:endParaRPr>
-          </a:p>
-          <a:p>
-            <a:pPr lvl="2" marL="1296000" indent="-288000">
+          </a:p>
+          <a:p>
+            <a:pPr marL="1296000" lvl="2" indent="-288000">
               <a:buClr>
                 <a:srgbClr val="000000"/>
               </a:buClr>
@@ -3595,33 +4041,22 @@
               <a:buChar char=""/>
             </a:pPr>
             <a:r>
-              <a:rPr b="0" lang="pt-BR" sz="3000" spc="-1" strike="noStrike">
+              <a:rPr lang="pt-BR" sz="3000" b="0" strike="noStrike" spc="-1">
                 <a:solidFill>
                   <a:srgbClr val="000000"/>
                 </a:solidFill>
                 <a:uFill>
                   <a:solidFill>
-                    <a:srgbClr val="ffffff"/>
+                    <a:srgbClr val="FFFFFF"/>
                   </a:solidFill>
                 </a:uFill>
                 <a:latin typeface="Arial"/>
               </a:rPr>
               <a:t>3.º nível da estrutura de tópicos</a:t>
             </a:r>
-            <a:endParaRPr b="0" lang="pt-BR" sz="3000" spc="-1" strike="noStrike">
-              <a:solidFill>
-                <a:srgbClr val="000000"/>
-              </a:solidFill>
-              <a:uFill>
-                <a:solidFill>
-                  <a:srgbClr val="ffffff"/>
-                </a:solidFill>
-              </a:uFill>
-              <a:latin typeface="Arial"/>
-            </a:endParaRPr>
-          </a:p>
-          <a:p>
-            <a:pPr lvl="3" marL="1728000" indent="-216000">
+          </a:p>
+          <a:p>
+            <a:pPr marL="1728000" lvl="3" indent="-216000">
               <a:buClr>
                 <a:srgbClr val="000000"/>
               </a:buClr>
@@ -3630,33 +4065,22 @@
               <a:buChar char=""/>
             </a:pPr>
             <a:r>
-              <a:rPr b="0" lang="pt-BR" sz="3000" spc="-1" strike="noStrike">
+              <a:rPr lang="pt-BR" sz="3000" b="0" strike="noStrike" spc="-1">
                 <a:solidFill>
                   <a:srgbClr val="000000"/>
                 </a:solidFill>
                 <a:uFill>
                   <a:solidFill>
-                    <a:srgbClr val="ffffff"/>
+                    <a:srgbClr val="FFFFFF"/>
                   </a:solidFill>
                 </a:uFill>
                 <a:latin typeface="Arial"/>
               </a:rPr>
               <a:t>4.º nível da estrutura de tópicos</a:t>
             </a:r>
-            <a:endParaRPr b="0" lang="pt-BR" sz="3000" spc="-1" strike="noStrike">
-              <a:solidFill>
-                <a:srgbClr val="000000"/>
-              </a:solidFill>
-              <a:uFill>
-                <a:solidFill>
-                  <a:srgbClr val="ffffff"/>
-                </a:solidFill>
-              </a:uFill>
-              <a:latin typeface="Arial"/>
-            </a:endParaRPr>
-          </a:p>
-          <a:p>
-            <a:pPr lvl="4" marL="2160000" indent="-216000">
+          </a:p>
+          <a:p>
+            <a:pPr marL="2160000" lvl="4" indent="-216000">
               <a:buClr>
                 <a:srgbClr val="000000"/>
               </a:buClr>
@@ -3665,33 +4089,22 @@
               <a:buChar char=""/>
             </a:pPr>
             <a:r>
-              <a:rPr b="0" lang="pt-BR" sz="3000" spc="-1" strike="noStrike">
+              <a:rPr lang="pt-BR" sz="3000" b="0" strike="noStrike" spc="-1">
                 <a:solidFill>
                   <a:srgbClr val="000000"/>
                 </a:solidFill>
                 <a:uFill>
                   <a:solidFill>
-                    <a:srgbClr val="ffffff"/>
+                    <a:srgbClr val="FFFFFF"/>
                   </a:solidFill>
                 </a:uFill>
                 <a:latin typeface="Arial"/>
               </a:rPr>
               <a:t>5.º nível da estrutura de tópicos</a:t>
             </a:r>
-            <a:endParaRPr b="0" lang="pt-BR" sz="3000" spc="-1" strike="noStrike">
-              <a:solidFill>
-                <a:srgbClr val="000000"/>
-              </a:solidFill>
-              <a:uFill>
-                <a:solidFill>
-                  <a:srgbClr val="ffffff"/>
-                </a:solidFill>
-              </a:uFill>
-              <a:latin typeface="Arial"/>
-            </a:endParaRPr>
-          </a:p>
-          <a:p>
-            <a:pPr lvl="5" marL="2592000" indent="-216000">
+          </a:p>
+          <a:p>
+            <a:pPr marL="2592000" lvl="5" indent="-216000">
               <a:buClr>
                 <a:srgbClr val="000000"/>
               </a:buClr>
@@ -3700,33 +4113,22 @@
               <a:buChar char=""/>
             </a:pPr>
             <a:r>
-              <a:rPr b="0" lang="pt-BR" sz="3000" spc="-1" strike="noStrike">
+              <a:rPr lang="pt-BR" sz="3000" b="0" strike="noStrike" spc="-1">
                 <a:solidFill>
                   <a:srgbClr val="000000"/>
                 </a:solidFill>
                 <a:uFill>
                   <a:solidFill>
-                    <a:srgbClr val="ffffff"/>
+                    <a:srgbClr val="FFFFFF"/>
                   </a:solidFill>
                 </a:uFill>
                 <a:latin typeface="Arial"/>
               </a:rPr>
               <a:t>6.º nível da estrutura de tópicos</a:t>
             </a:r>
-            <a:endParaRPr b="0" lang="pt-BR" sz="3000" spc="-1" strike="noStrike">
-              <a:solidFill>
-                <a:srgbClr val="000000"/>
-              </a:solidFill>
-              <a:uFill>
-                <a:solidFill>
-                  <a:srgbClr val="ffffff"/>
-                </a:solidFill>
-              </a:uFill>
-              <a:latin typeface="Arial"/>
-            </a:endParaRPr>
-          </a:p>
-          <a:p>
-            <a:pPr lvl="6" marL="3024000" indent="-216000">
+          </a:p>
+          <a:p>
+            <a:pPr marL="3024000" lvl="6" indent="-216000">
               <a:buClr>
                 <a:srgbClr val="000000"/>
               </a:buClr>
@@ -3735,55 +4137,324 @@
               <a:buChar char=""/>
             </a:pPr>
             <a:r>
-              <a:rPr b="0" lang="pt-BR" sz="3000" spc="-1" strike="noStrike">
+              <a:rPr lang="pt-BR" sz="3000" b="0" strike="noStrike" spc="-1">
                 <a:solidFill>
                   <a:srgbClr val="000000"/>
                 </a:solidFill>
                 <a:uFill>
                   <a:solidFill>
-                    <a:srgbClr val="ffffff"/>
+                    <a:srgbClr val="FFFFFF"/>
                   </a:solidFill>
                 </a:uFill>
                 <a:latin typeface="Arial"/>
               </a:rPr>
               <a:t>7.º nível da estrutura de tópicos</a:t>
             </a:r>
-            <a:endParaRPr b="0" lang="pt-BR" sz="3000" spc="-1" strike="noStrike">
-              <a:solidFill>
-                <a:srgbClr val="000000"/>
-              </a:solidFill>
-              <a:uFill>
-                <a:solidFill>
-                  <a:srgbClr val="ffffff"/>
-                </a:solidFill>
-              </a:uFill>
-              <a:latin typeface="Arial"/>
-            </a:endParaRPr>
           </a:p>
         </p:txBody>
       </p:sp>
     </p:spTree>
   </p:cSld>
-  <p:clrMap bg1="lt1" bg2="lt2" tx1="dk1" tx2="dk2" accent1="accent1" accent2="accent2" accent3="accent3" accent4="accent4" accent5="accent5" accent6="accent6" hlink="hlink" folHlink="folHlink"/>
+  <p:clrMap bg1="lt1" tx1="dk1" bg2="lt2" tx2="dk2" accent1="accent1" accent2="accent2" accent3="accent3" accent4="accent4" accent5="accent5" accent6="accent6" hlink="hlink" folHlink="folHlink"/>
   <p:sldLayoutIdLst>
-    <p:sldLayoutId id="2147483662" r:id="rId2"/>
-    <p:sldLayoutId id="2147483663" r:id="rId3"/>
-    <p:sldLayoutId id="2147483664" r:id="rId4"/>
-    <p:sldLayoutId id="2147483665" r:id="rId5"/>
-    <p:sldLayoutId id="2147483666" r:id="rId6"/>
-    <p:sldLayoutId id="2147483667" r:id="rId7"/>
-    <p:sldLayoutId id="2147483668" r:id="rId8"/>
-    <p:sldLayoutId id="2147483669" r:id="rId9"/>
-    <p:sldLayoutId id="2147483670" r:id="rId10"/>
-    <p:sldLayoutId id="2147483671" r:id="rId11"/>
-    <p:sldLayoutId id="2147483672" r:id="rId12"/>
-    <p:sldLayoutId id="2147483673" r:id="rId13"/>
+    <p:sldLayoutId id="2147483662" r:id="rId1"/>
+    <p:sldLayoutId id="2147483663" r:id="rId2"/>
+    <p:sldLayoutId id="2147483664" r:id="rId3"/>
+    <p:sldLayoutId id="2147483665" r:id="rId4"/>
+    <p:sldLayoutId id="2147483666" r:id="rId5"/>
+    <p:sldLayoutId id="2147483667" r:id="rId6"/>
+    <p:sldLayoutId id="2147483668" r:id="rId7"/>
+    <p:sldLayoutId id="2147483669" r:id="rId8"/>
+    <p:sldLayoutId id="2147483670" r:id="rId9"/>
+    <p:sldLayoutId id="2147483671" r:id="rId10"/>
+    <p:sldLayoutId id="2147483672" r:id="rId11"/>
+    <p:sldLayoutId id="2147483673" r:id="rId12"/>
   </p:sldLayoutIdLst>
+  <p:txStyles>
+    <p:titleStyle>
+      <a:lvl1pPr algn="l" defTabSz="914400" rtl="0" eaLnBrk="1" latinLnBrk="0" hangingPunct="1">
+        <a:lnSpc>
+          <a:spcPct val="90000"/>
+        </a:lnSpc>
+        <a:spcBef>
+          <a:spcPct val="0"/>
+        </a:spcBef>
+        <a:buNone/>
+        <a:defRPr sz="4400" kern="1200">
+          <a:solidFill>
+            <a:schemeClr val="tx1"/>
+          </a:solidFill>
+          <a:latin typeface="+mj-lt"/>
+          <a:ea typeface="+mj-ea"/>
+          <a:cs typeface="+mj-cs"/>
+        </a:defRPr>
+      </a:lvl1pPr>
+    </p:titleStyle>
+    <p:bodyStyle>
+      <a:lvl1pPr marL="228600" indent="-228600" algn="l" defTabSz="914400" rtl="0" eaLnBrk="1" latinLnBrk="0" hangingPunct="1">
+        <a:lnSpc>
+          <a:spcPct val="90000"/>
+        </a:lnSpc>
+        <a:spcBef>
+          <a:spcPts val="1000"/>
+        </a:spcBef>
+        <a:buFont typeface="Arial" panose="020B0604020202020204" pitchFamily="34" charset="0"/>
+        <a:buChar char="•"/>
+        <a:defRPr sz="2800" kern="1200">
+          <a:solidFill>
+            <a:schemeClr val="tx1"/>
+          </a:solidFill>
+          <a:latin typeface="+mn-lt"/>
+          <a:ea typeface="+mn-ea"/>
+          <a:cs typeface="+mn-cs"/>
+        </a:defRPr>
+      </a:lvl1pPr>
+      <a:lvl2pPr marL="685800" indent="-228600" algn="l" defTabSz="914400" rtl="0" eaLnBrk="1" latinLnBrk="0" hangingPunct="1">
+        <a:lnSpc>
+          <a:spcPct val="90000"/>
+        </a:lnSpc>
+        <a:spcBef>
+          <a:spcPts val="500"/>
+        </a:spcBef>
+        <a:buFont typeface="Arial" panose="020B0604020202020204" pitchFamily="34" charset="0"/>
+        <a:buChar char="•"/>
+        <a:defRPr sz="2400" kern="1200">
+          <a:solidFill>
+            <a:schemeClr val="tx1"/>
+          </a:solidFill>
+          <a:latin typeface="+mn-lt"/>
+          <a:ea typeface="+mn-ea"/>
+          <a:cs typeface="+mn-cs"/>
+        </a:defRPr>
+      </a:lvl2pPr>
+      <a:lvl3pPr marL="1143000" indent="-228600" algn="l" defTabSz="914400" rtl="0" eaLnBrk="1" latinLnBrk="0" hangingPunct="1">
+        <a:lnSpc>
+          <a:spcPct val="90000"/>
+        </a:lnSpc>
+        <a:spcBef>
+          <a:spcPts val="500"/>
+        </a:spcBef>
+        <a:buFont typeface="Arial" panose="020B0604020202020204" pitchFamily="34" charset="0"/>
+        <a:buChar char="•"/>
+        <a:defRPr sz="2000" kern="1200">
+          <a:solidFill>
+            <a:schemeClr val="tx1"/>
+          </a:solidFill>
+          <a:latin typeface="+mn-lt"/>
+          <a:ea typeface="+mn-ea"/>
+          <a:cs typeface="+mn-cs"/>
+        </a:defRPr>
+      </a:lvl3pPr>
+      <a:lvl4pPr marL="1600200" indent="-228600" algn="l" defTabSz="914400" rtl="0" eaLnBrk="1" latinLnBrk="0" hangingPunct="1">
+        <a:lnSpc>
+          <a:spcPct val="90000"/>
+        </a:lnSpc>
+        <a:spcBef>
+          <a:spcPts val="500"/>
+        </a:spcBef>
+        <a:buFont typeface="Arial" panose="020B0604020202020204" pitchFamily="34" charset="0"/>
+        <a:buChar char="•"/>
+        <a:defRPr sz="1800" kern="1200">
+          <a:solidFill>
+            <a:schemeClr val="tx1"/>
+          </a:solidFill>
+          <a:latin typeface="+mn-lt"/>
+          <a:ea typeface="+mn-ea"/>
+          <a:cs typeface="+mn-cs"/>
+        </a:defRPr>
+      </a:lvl4pPr>
+      <a:lvl5pPr marL="2057400" indent="-228600" algn="l" defTabSz="914400" rtl="0" eaLnBrk="1" latinLnBrk="0" hangingPunct="1">
+        <a:lnSpc>
+          <a:spcPct val="90000"/>
+        </a:lnSpc>
+        <a:spcBef>
+          <a:spcPts val="500"/>
+        </a:spcBef>
+        <a:buFont typeface="Arial" panose="020B0604020202020204" pitchFamily="34" charset="0"/>
+        <a:buChar char="•"/>
+        <a:defRPr sz="1800" kern="1200">
+          <a:solidFill>
+            <a:schemeClr val="tx1"/>
+          </a:solidFill>
+          <a:latin typeface="+mn-lt"/>
+          <a:ea typeface="+mn-ea"/>
+          <a:cs typeface="+mn-cs"/>
+        </a:defRPr>
+      </a:lvl5pPr>
+      <a:lvl6pPr marL="2514600" indent="-228600" algn="l" defTabSz="914400" rtl="0" eaLnBrk="1" latinLnBrk="0" hangingPunct="1">
+        <a:lnSpc>
+          <a:spcPct val="90000"/>
+        </a:lnSpc>
+        <a:spcBef>
+          <a:spcPts val="500"/>
+        </a:spcBef>
+        <a:buFont typeface="Arial" panose="020B0604020202020204" pitchFamily="34" charset="0"/>
+        <a:buChar char="•"/>
+        <a:defRPr sz="1800" kern="1200">
+          <a:solidFill>
+            <a:schemeClr val="tx1"/>
+          </a:solidFill>
+          <a:latin typeface="+mn-lt"/>
+          <a:ea typeface="+mn-ea"/>
+          <a:cs typeface="+mn-cs"/>
+        </a:defRPr>
+      </a:lvl6pPr>
+      <a:lvl7pPr marL="2971800" indent="-228600" algn="l" defTabSz="914400" rtl="0" eaLnBrk="1" latinLnBrk="0" hangingPunct="1">
+        <a:lnSpc>
+          <a:spcPct val="90000"/>
+        </a:lnSpc>
+        <a:spcBef>
+          <a:spcPts val="500"/>
+        </a:spcBef>
+        <a:buFont typeface="Arial" panose="020B0604020202020204" pitchFamily="34" charset="0"/>
+        <a:buChar char="•"/>
+        <a:defRPr sz="1800" kern="1200">
+          <a:solidFill>
+            <a:schemeClr val="tx1"/>
+          </a:solidFill>
+          <a:latin typeface="+mn-lt"/>
+          <a:ea typeface="+mn-ea"/>
+          <a:cs typeface="+mn-cs"/>
+        </a:defRPr>
+      </a:lvl7pPr>
+      <a:lvl8pPr marL="3429000" indent="-228600" algn="l" defTabSz="914400" rtl="0" eaLnBrk="1" latinLnBrk="0" hangingPunct="1">
+        <a:lnSpc>
+          <a:spcPct val="90000"/>
+        </a:lnSpc>
+        <a:spcBef>
+          <a:spcPts val="500"/>
+        </a:spcBef>
+        <a:buFont typeface="Arial" panose="020B0604020202020204" pitchFamily="34" charset="0"/>
+        <a:buChar char="•"/>
+        <a:defRPr sz="1800" kern="1200">
+          <a:solidFill>
+            <a:schemeClr val="tx1"/>
+          </a:solidFill>
+          <a:latin typeface="+mn-lt"/>
+          <a:ea typeface="+mn-ea"/>
+          <a:cs typeface="+mn-cs"/>
+        </a:defRPr>
+      </a:lvl8pPr>
+      <a:lvl9pPr marL="3886200" indent="-228600" algn="l" defTabSz="914400" rtl="0" eaLnBrk="1" latinLnBrk="0" hangingPunct="1">
+        <a:lnSpc>
+          <a:spcPct val="90000"/>
+        </a:lnSpc>
+        <a:spcBef>
+          <a:spcPts val="500"/>
+        </a:spcBef>
+        <a:buFont typeface="Arial" panose="020B0604020202020204" pitchFamily="34" charset="0"/>
+        <a:buChar char="•"/>
+        <a:defRPr sz="1800" kern="1200">
+          <a:solidFill>
+            <a:schemeClr val="tx1"/>
+          </a:solidFill>
+          <a:latin typeface="+mn-lt"/>
+          <a:ea typeface="+mn-ea"/>
+          <a:cs typeface="+mn-cs"/>
+        </a:defRPr>
+      </a:lvl9pPr>
+    </p:bodyStyle>
+    <p:otherStyle>
+      <a:defPPr>
+        <a:defRPr lang="pt-BR"/>
+      </a:defPPr>
+      <a:lvl1pPr marL="0" algn="l" defTabSz="914400" rtl="0" eaLnBrk="1" latinLnBrk="0" hangingPunct="1">
+        <a:defRPr sz="1800" kern="1200">
+          <a:solidFill>
+            <a:schemeClr val="tx1"/>
+          </a:solidFill>
+          <a:latin typeface="+mn-lt"/>
+          <a:ea typeface="+mn-ea"/>
+          <a:cs typeface="+mn-cs"/>
+        </a:defRPr>
+      </a:lvl1pPr>
+      <a:lvl2pPr marL="457200" algn="l" defTabSz="914400" rtl="0" eaLnBrk="1" latinLnBrk="0" hangingPunct="1">
+        <a:defRPr sz="1800" kern="1200">
+          <a:solidFill>
+            <a:schemeClr val="tx1"/>
+          </a:solidFill>
+          <a:latin typeface="+mn-lt"/>
+          <a:ea typeface="+mn-ea"/>
+          <a:cs typeface="+mn-cs"/>
+        </a:defRPr>
+      </a:lvl2pPr>
+      <a:lvl3pPr marL="914400" algn="l" defTabSz="914400" rtl="0" eaLnBrk="1" latinLnBrk="0" hangingPunct="1">
+        <a:defRPr sz="1800" kern="1200">
+          <a:solidFill>
+            <a:schemeClr val="tx1"/>
+          </a:solidFill>
+          <a:latin typeface="+mn-lt"/>
+          <a:ea typeface="+mn-ea"/>
+          <a:cs typeface="+mn-cs"/>
+        </a:defRPr>
+      </a:lvl3pPr>
+      <a:lvl4pPr marL="1371600" algn="l" defTabSz="914400" rtl="0" eaLnBrk="1" latinLnBrk="0" hangingPunct="1">
+        <a:defRPr sz="1800" kern="1200">
+          <a:solidFill>
+            <a:schemeClr val="tx1"/>
+          </a:solidFill>
+          <a:latin typeface="+mn-lt"/>
+          <a:ea typeface="+mn-ea"/>
+          <a:cs typeface="+mn-cs"/>
+        </a:defRPr>
+      </a:lvl4pPr>
+      <a:lvl5pPr marL="1828800" algn="l" defTabSz="914400" rtl="0" eaLnBrk="1" latinLnBrk="0" hangingPunct="1">
+        <a:defRPr sz="1800" kern="1200">
+          <a:solidFill>
+            <a:schemeClr val="tx1"/>
+          </a:solidFill>
+          <a:latin typeface="+mn-lt"/>
+          <a:ea typeface="+mn-ea"/>
+          <a:cs typeface="+mn-cs"/>
+        </a:defRPr>
+      </a:lvl5pPr>
+      <a:lvl6pPr marL="2286000" algn="l" defTabSz="914400" rtl="0" eaLnBrk="1" latinLnBrk="0" hangingPunct="1">
+        <a:defRPr sz="1800" kern="1200">
+          <a:solidFill>
+            <a:schemeClr val="tx1"/>
+          </a:solidFill>
+          <a:latin typeface="+mn-lt"/>
+          <a:ea typeface="+mn-ea"/>
+          <a:cs typeface="+mn-cs"/>
+        </a:defRPr>
+      </a:lvl6pPr>
+      <a:lvl7pPr marL="2743200" algn="l" defTabSz="914400" rtl="0" eaLnBrk="1" latinLnBrk="0" hangingPunct="1">
+        <a:defRPr sz="1800" kern="1200">
+          <a:solidFill>
+            <a:schemeClr val="tx1"/>
+          </a:solidFill>
+          <a:latin typeface="+mn-lt"/>
+          <a:ea typeface="+mn-ea"/>
+          <a:cs typeface="+mn-cs"/>
+        </a:defRPr>
+      </a:lvl7pPr>
+      <a:lvl8pPr marL="3200400" algn="l" defTabSz="914400" rtl="0" eaLnBrk="1" latinLnBrk="0" hangingPunct="1">
+        <a:defRPr sz="1800" kern="1200">
+          <a:solidFill>
+            <a:schemeClr val="tx1"/>
+          </a:solidFill>
+          <a:latin typeface="+mn-lt"/>
+          <a:ea typeface="+mn-ea"/>
+          <a:cs typeface="+mn-cs"/>
+        </a:defRPr>
+      </a:lvl8pPr>
+      <a:lvl9pPr marL="3657600" algn="l" defTabSz="914400" rtl="0" eaLnBrk="1" latinLnBrk="0" hangingPunct="1">
+        <a:defRPr sz="1800" kern="1200">
+          <a:solidFill>
+            <a:schemeClr val="tx1"/>
+          </a:solidFill>
+          <a:latin typeface="+mn-lt"/>
+          <a:ea typeface="+mn-ea"/>
+          <a:cs typeface="+mn-cs"/>
+        </a:defRPr>
+      </a:lvl9pPr>
+    </p:otherStyle>
+  </p:txStyles>
 </p:sldMaster>
 </file>
 
 <file path=ppt/slides/slide1.xml><?xml version="1.0" encoding="utf-8"?>
-<p:sld xmlns:a="http://schemas.openxmlformats.org/drawingml/2006/main" xmlns:p="http://schemas.openxmlformats.org/presentationml/2006/main" xmlns:r="http://schemas.openxmlformats.org/officeDocument/2006/relationships" xmlns:p14="http://schemas.microsoft.com/office/powerpoint/2010/main" xmlns:p15="http://schemas.microsoft.com/office/powerpoint/2012/main" xmlns:mc="http://schemas.openxmlformats.org/markup-compatibility/2006">
+<p:sld xmlns:a="http://schemas.openxmlformats.org/drawingml/2006/main" xmlns:r="http://schemas.openxmlformats.org/officeDocument/2006/relationships" xmlns:p="http://schemas.openxmlformats.org/presentationml/2006/main">
   <p:cSld>
     <p:spTree>
       <p:nvGrpSpPr>
@@ -3820,6 +4491,7 @@
         </p:spPr>
         <p:txBody>
           <a:bodyPr tIns="91440" bIns="91440" anchor="b"/>
+          <a:lstStyle/>
           <a:p>
             <a:pPr>
               <a:lnSpc>
@@ -3827,27 +4499,34 @@
               </a:lnSpc>
             </a:pPr>
             <a:r>
-              <a:rPr b="1" lang="pt-BR" sz="7200" spc="-1" strike="noStrike">
-                <a:solidFill>
-                  <a:srgbClr val="ffffff"/>
+              <a:rPr lang="pt-BR" sz="7200" b="1" strike="noStrike" spc="-1" dirty="0">
+                <a:solidFill>
+                  <a:srgbClr val="FFFFFF"/>
                 </a:solidFill>
                 <a:uFill>
                   <a:solidFill>
-                    <a:srgbClr val="ffffff"/>
+                    <a:srgbClr val="FFFFFF"/>
                   </a:solidFill>
                 </a:uFill>
                 <a:latin typeface="Arial"/>
                 <a:ea typeface="Arial"/>
               </a:rPr>
-              <a:t>Nome do Projeto</a:t>
+              <a:t>      ADOT DOG</a:t>
             </a:r>
-            <a:endParaRPr b="0" lang="pt-BR" sz="1400" spc="-1" strike="noStrike">
-              <a:solidFill>
-                <a:srgbClr val="000000"/>
-              </a:solidFill>
-              <a:uFill>
-                <a:solidFill>
-                  <a:srgbClr val="ffffff"/>
+          </a:p>
+          <a:p>
+            <a:pPr>
+              <a:lnSpc>
+                <a:spcPct val="100000"/>
+              </a:lnSpc>
+            </a:pPr>
+            <a:endParaRPr lang="pt-BR" sz="1400" b="0" strike="noStrike" spc="-1" dirty="0">
+              <a:solidFill>
+                <a:srgbClr val="000000"/>
+              </a:solidFill>
+              <a:uFill>
+                <a:solidFill>
+                  <a:srgbClr val="FFFFFF"/>
                 </a:solidFill>
               </a:uFill>
               <a:latin typeface="Arial"/>
@@ -3876,6 +4555,7 @@
         </p:spPr>
         <p:txBody>
           <a:bodyPr tIns="91440" bIns="91440"/>
+          <a:lstStyle/>
           <a:p>
             <a:pPr>
               <a:lnSpc>
@@ -3883,13 +4563,13 @@
               </a:lnSpc>
             </a:pPr>
             <a:r>
-              <a:rPr b="1" lang="pt-BR" sz="2400" spc="-1" strike="noStrike">
-                <a:solidFill>
-                  <a:srgbClr val="009fda"/>
+              <a:rPr lang="pt-BR" sz="2400" b="1" strike="noStrike" spc="-1">
+                <a:solidFill>
+                  <a:srgbClr val="009FDA"/>
                 </a:solidFill>
                 <a:uFill>
                   <a:solidFill>
-                    <a:srgbClr val="ffffff"/>
+                    <a:srgbClr val="FFFFFF"/>
                   </a:solidFill>
                 </a:uFill>
                 <a:latin typeface="Times New Roman"/>
@@ -3897,13 +4577,13 @@
               </a:rPr>
               <a:t>Artefatos e Atividades</a:t>
             </a:r>
-            <a:endParaRPr b="0" lang="pt-BR" sz="3200" spc="-1" strike="noStrike">
-              <a:solidFill>
-                <a:srgbClr val="000000"/>
-              </a:solidFill>
-              <a:uFill>
-                <a:solidFill>
-                  <a:srgbClr val="ffffff"/>
+            <a:endParaRPr lang="pt-BR" sz="3200" b="0" strike="noStrike" spc="-1">
+              <a:solidFill>
+                <a:srgbClr val="000000"/>
+              </a:solidFill>
+              <a:uFill>
+                <a:solidFill>
+                  <a:srgbClr val="FFFFFF"/>
                 </a:solidFill>
               </a:uFill>
               <a:latin typeface="Arial"/>
@@ -3915,13 +4595,13 @@
                 <a:spcPct val="100000"/>
               </a:lnSpc>
             </a:pPr>
-            <a:endParaRPr b="0" lang="pt-BR" sz="3200" spc="-1" strike="noStrike">
-              <a:solidFill>
-                <a:srgbClr val="000000"/>
-              </a:solidFill>
-              <a:uFill>
-                <a:solidFill>
-                  <a:srgbClr val="ffffff"/>
+            <a:endParaRPr lang="pt-BR" sz="3200" b="0" strike="noStrike" spc="-1">
+              <a:solidFill>
+                <a:srgbClr val="000000"/>
+              </a:solidFill>
+              <a:uFill>
+                <a:solidFill>
+                  <a:srgbClr val="FFFFFF"/>
                 </a:solidFill>
               </a:uFill>
               <a:latin typeface="Arial"/>
@@ -3950,6 +4630,7 @@
         </p:spPr>
         <p:txBody>
           <a:bodyPr tIns="91440" bIns="91440" anchor="b"/>
+          <a:lstStyle/>
           <a:p>
             <a:pPr>
               <a:lnSpc>
@@ -3957,13 +4638,13 @@
               </a:lnSpc>
             </a:pPr>
             <a:r>
-              <a:rPr b="1" lang="pt-BR" sz="1800" spc="-1" strike="noStrike">
-                <a:solidFill>
-                  <a:srgbClr val="ffffff"/>
+              <a:rPr lang="pt-BR" sz="1800" b="1" strike="noStrike" spc="-1">
+                <a:solidFill>
+                  <a:srgbClr val="FFFFFF"/>
                 </a:solidFill>
                 <a:uFill>
                   <a:solidFill>
-                    <a:srgbClr val="ffffff"/>
+                    <a:srgbClr val="FFFFFF"/>
                   </a:solidFill>
                 </a:uFill>
                 <a:latin typeface="Arial"/>
@@ -3971,13 +4652,13 @@
               </a:rPr>
               <a:t>Processo de Desenvolvimentos Software</a:t>
             </a:r>
-            <a:endParaRPr b="0" lang="pt-BR" sz="1400" spc="-1" strike="noStrike">
-              <a:solidFill>
-                <a:srgbClr val="000000"/>
-              </a:solidFill>
-              <a:uFill>
-                <a:solidFill>
-                  <a:srgbClr val="ffffff"/>
+            <a:endParaRPr lang="pt-BR" sz="1400" b="0" strike="noStrike" spc="-1">
+              <a:solidFill>
+                <a:srgbClr val="000000"/>
+              </a:solidFill>
+              <a:uFill>
+                <a:solidFill>
+                  <a:srgbClr val="FFFFFF"/>
                 </a:solidFill>
               </a:uFill>
               <a:latin typeface="Arial"/>
@@ -3987,6 +4668,9 @@
       </p:sp>
     </p:spTree>
   </p:cSld>
+  <p:clrMapOvr>
+    <a:masterClrMapping/>
+  </p:clrMapOvr>
   <p:timing>
     <p:tnLst>
       <p:par>
@@ -3995,14 +4679,14 @@
             <p:seq>
               <p:cTn id="2" nodeType="mainSeq"/>
               <p:prevCondLst>
-                <p:cond delay="0" evt="onPrev">
+                <p:cond evt="onPrev" delay="0">
                   <p:tgtEl>
                     <p:sldTgt/>
                   </p:tgtEl>
                 </p:cond>
               </p:prevCondLst>
               <p:nextCondLst>
-                <p:cond delay="0" evt="onNext">
+                <p:cond evt="onNext" delay="0">
                   <p:tgtEl>
                     <p:sldTgt/>
                   </p:tgtEl>
@@ -4018,7 +4702,7 @@
 </file>
 
 <file path=ppt/slides/slide2.xml><?xml version="1.0" encoding="utf-8"?>
-<p:sld xmlns:a="http://schemas.openxmlformats.org/drawingml/2006/main" xmlns:p="http://schemas.openxmlformats.org/presentationml/2006/main" xmlns:r="http://schemas.openxmlformats.org/officeDocument/2006/relationships" xmlns:p14="http://schemas.microsoft.com/office/powerpoint/2010/main" xmlns:p15="http://schemas.microsoft.com/office/powerpoint/2012/main" xmlns:mc="http://schemas.openxmlformats.org/markup-compatibility/2006">
+<p:sld xmlns:a="http://schemas.openxmlformats.org/drawingml/2006/main" xmlns:r="http://schemas.openxmlformats.org/officeDocument/2006/relationships" xmlns:p="http://schemas.openxmlformats.org/presentationml/2006/main">
   <p:cSld>
     <p:spTree>
       <p:nvGrpSpPr>
@@ -4055,98 +4739,118 @@
         </p:spPr>
         <p:txBody>
           <a:bodyPr tIns="91440" bIns="91440" anchor="b"/>
-          <a:p>
-            <a:pPr>
+          <a:lstStyle/>
+          <a:p>
+            <a:pPr marL="0" marR="0" lvl="0" indent="0" defTabSz="914400" eaLnBrk="1" fontAlgn="auto" latinLnBrk="0" hangingPunct="1">
               <a:lnSpc>
                 <a:spcPct val="100000"/>
               </a:lnSpc>
+              <a:spcBef>
+                <a:spcPts val="0"/>
+              </a:spcBef>
+              <a:spcAft>
+                <a:spcPts val="0"/>
+              </a:spcAft>
+              <a:buClrTx/>
+              <a:buSzTx/>
+              <a:buFontTx/>
+              <a:buNone/>
+              <a:tabLst/>
+              <a:defRPr/>
             </a:pPr>
             <a:r>
-              <a:rPr b="1" lang="pt-BR" sz="3600" spc="-1" strike="noStrike">
-                <a:solidFill>
-                  <a:srgbClr val="ffffff"/>
-                </a:solidFill>
+              <a:rPr kumimoji="0" lang="pt-BR" sz="3600" b="1" i="0" u="none" strike="noStrike" kern="0" cap="none" spc="-1" normalizeH="0" baseline="0" noProof="0" dirty="0">
+                <a:ln>
+                  <a:noFill/>
+                </a:ln>
+                <a:solidFill>
+                  <a:srgbClr val="FFFFFF"/>
+                </a:solidFill>
+                <a:effectLst/>
+                <a:uLnTx/>
                 <a:uFill>
                   <a:solidFill>
-                    <a:srgbClr val="ffffff"/>
+                    <a:srgbClr val="FFFFFF"/>
                   </a:solidFill>
                 </a:uFill>
                 <a:latin typeface="Arial"/>
                 <a:ea typeface="Arial"/>
               </a:rPr>
               <a:t>
-</a:t>
+Artefato #1: </a:t>
             </a:r>
             <a:r>
-              <a:rPr b="1" lang="pt-BR" sz="3600" spc="-1" strike="noStrike">
-                <a:solidFill>
-                  <a:srgbClr val="ffffff"/>
-                </a:solidFill>
+              <a:rPr kumimoji="0" lang="pt-BR" sz="3600" b="1" i="0" u="none" strike="noStrike" kern="0" cap="none" spc="-1" normalizeH="0" baseline="0" noProof="0" dirty="0" err="1">
+                <a:ln>
+                  <a:noFill/>
+                </a:ln>
+                <a:solidFill>
+                  <a:srgbClr val="FFFFFF"/>
+                </a:solidFill>
+                <a:effectLst/>
+                <a:uLnTx/>
                 <a:uFill>
                   <a:solidFill>
-                    <a:srgbClr val="ffffff"/>
+                    <a:srgbClr val="FFFFFF"/>
                   </a:solidFill>
                 </a:uFill>
                 <a:latin typeface="Arial"/>
                 <a:ea typeface="Arial"/>
               </a:rPr>
-              <a:t>
-</a:t>
+              <a:t>Product</a:t>
             </a:r>
             <a:r>
-              <a:rPr b="1" lang="pt-BR" sz="3600" spc="-1" strike="noStrike">
-                <a:solidFill>
-                  <a:srgbClr val="ffffff"/>
-                </a:solidFill>
+              <a:rPr kumimoji="0" lang="pt-BR" sz="3600" b="1" i="0" u="none" strike="noStrike" kern="0" cap="none" spc="-1" normalizeH="0" baseline="0" noProof="0" dirty="0">
+                <a:ln>
+                  <a:noFill/>
+                </a:ln>
+                <a:solidFill>
+                  <a:srgbClr val="FFFFFF"/>
+                </a:solidFill>
+                <a:effectLst/>
+                <a:uLnTx/>
                 <a:uFill>
                   <a:solidFill>
-                    <a:srgbClr val="ffffff"/>
+                    <a:srgbClr val="FFFFFF"/>
                   </a:solidFill>
                 </a:uFill>
                 <a:latin typeface="Arial"/>
                 <a:ea typeface="Arial"/>
               </a:rPr>
-              <a:t>
-</a:t>
+              <a:t> </a:t>
             </a:r>
             <a:r>
-              <a:rPr b="1" lang="pt-BR" sz="3600" spc="-1" strike="noStrike">
-                <a:solidFill>
-                  <a:srgbClr val="ffffff"/>
-                </a:solidFill>
+              <a:rPr kumimoji="0" lang="pt-BR" sz="3600" b="1" i="0" u="none" strike="noStrike" kern="0" cap="none" spc="-1" normalizeH="0" baseline="0" noProof="0" dirty="0" err="1">
+                <a:ln>
+                  <a:noFill/>
+                </a:ln>
+                <a:solidFill>
+                  <a:srgbClr val="FFFFFF"/>
+                </a:solidFill>
+                <a:effectLst/>
+                <a:uLnTx/>
                 <a:uFill>
                   <a:solidFill>
-                    <a:srgbClr val="ffffff"/>
+                    <a:srgbClr val="FFFFFF"/>
                   </a:solidFill>
                 </a:uFill>
                 <a:latin typeface="Arial"/>
                 <a:ea typeface="Arial"/>
               </a:rPr>
-              <a:t>
-</a:t>
+              <a:t>Backlog</a:t>
             </a:r>
-            <a:r>
-              <a:rPr b="1" lang="pt-BR" sz="3600" spc="-1" strike="noStrike">
-                <a:solidFill>
-                  <a:srgbClr val="ffffff"/>
-                </a:solidFill>
-                <a:uFill>
-                  <a:solidFill>
-                    <a:srgbClr val="ffffff"/>
-                  </a:solidFill>
-                </a:uFill>
-                <a:latin typeface="Arial"/>
-                <a:ea typeface="Arial"/>
-              </a:rPr>
-              <a:t>Artefato #1: Product Backlog</a:t>
-            </a:r>
-            <a:endParaRPr b="0" lang="pt-BR" sz="1400" spc="-1" strike="noStrike">
-              <a:solidFill>
-                <a:srgbClr val="000000"/>
-              </a:solidFill>
-              <a:uFill>
-                <a:solidFill>
-                  <a:srgbClr val="ffffff"/>
+            <a:endParaRPr kumimoji="0" lang="pt-BR" sz="1400" b="0" i="0" u="none" strike="noStrike" kern="0" cap="none" spc="-1" normalizeH="0" baseline="0" noProof="0" dirty="0">
+              <a:ln>
+                <a:noFill/>
+              </a:ln>
+              <a:solidFill>
+                <a:srgbClr val="000000"/>
+              </a:solidFill>
+              <a:effectLst/>
+              <a:uLnTx/>
+              <a:uFill>
+                <a:solidFill>
+                  <a:srgbClr val="FFFFFF"/>
                 </a:solidFill>
               </a:uFill>
               <a:latin typeface="Arial"/>
@@ -4156,18 +4860,26 @@
       </p:sp>
       <p:pic>
         <p:nvPicPr>
-          <p:cNvPr id="80" name="Shape 41" descr=""/>
+          <p:cNvPr id="80" name="Shape 41"/>
           <p:cNvPicPr/>
           <p:nvPr/>
         </p:nvPicPr>
         <p:blipFill>
-          <a:blip r:embed="rId1"/>
-          <a:stretch/>
+          <a:blip r:embed="rId2">
+            <a:extLst>
+              <a:ext uri="{28A0092B-C50C-407E-A947-70E740481C1C}">
+                <a14:useLocalDpi xmlns:a14="http://schemas.microsoft.com/office/drawing/2010/main" val="0"/>
+              </a:ext>
+            </a:extLst>
+          </a:blip>
+          <a:stretch>
+            <a:fillRect/>
+          </a:stretch>
         </p:blipFill>
         <p:spPr>
           <a:xfrm>
-            <a:off x="855720" y="1200240"/>
-            <a:ext cx="7197480" cy="3725280"/>
+            <a:off x="733769" y="1734376"/>
+            <a:ext cx="7630224" cy="2675191"/>
           </a:xfrm>
           <a:prstGeom prst="rect">
             <a:avLst/>
@@ -4178,23 +4890,31 @@
         </p:spPr>
       </p:pic>
     </p:spTree>
+    <p:extLst>
+      <p:ext uri="{BB962C8B-B14F-4D97-AF65-F5344CB8AC3E}">
+        <p14:creationId xmlns:p14="http://schemas.microsoft.com/office/powerpoint/2010/main" val="1675631807"/>
+      </p:ext>
+    </p:extLst>
   </p:cSld>
+  <p:clrMapOvr>
+    <a:masterClrMapping/>
+  </p:clrMapOvr>
   <p:timing>
     <p:tnLst>
       <p:par>
-        <p:cTn id="3" dur="indefinite" restart="never" nodeType="tmRoot">
+        <p:cTn id="1" dur="indefinite" restart="never" nodeType="tmRoot">
           <p:childTnLst>
             <p:seq>
-              <p:cTn id="4" nodeType="mainSeq"/>
+              <p:cTn id="2" nodeType="mainSeq"/>
               <p:prevCondLst>
-                <p:cond delay="0" evt="onPrev">
+                <p:cond evt="onPrev" delay="0">
                   <p:tgtEl>
                     <p:sldTgt/>
                   </p:tgtEl>
                 </p:cond>
               </p:prevCondLst>
               <p:nextCondLst>
-                <p:cond delay="0" evt="onNext">
+                <p:cond evt="onNext" delay="0">
                   <p:tgtEl>
                     <p:sldTgt/>
                   </p:tgtEl>
@@ -4210,7 +4930,7 @@
 </file>
 
 <file path=ppt/slides/slide3.xml><?xml version="1.0" encoding="utf-8"?>
-<p:sld xmlns:a="http://schemas.openxmlformats.org/drawingml/2006/main" xmlns:p="http://schemas.openxmlformats.org/presentationml/2006/main" xmlns:r="http://schemas.openxmlformats.org/officeDocument/2006/relationships" xmlns:p14="http://schemas.microsoft.com/office/powerpoint/2010/main" xmlns:p15="http://schemas.microsoft.com/office/powerpoint/2012/main" xmlns:mc="http://schemas.openxmlformats.org/markup-compatibility/2006">
+<p:sld xmlns:a="http://schemas.openxmlformats.org/drawingml/2006/main" xmlns:r="http://schemas.openxmlformats.org/officeDocument/2006/relationships" xmlns:p="http://schemas.openxmlformats.org/presentationml/2006/main">
   <p:cSld>
     <p:spTree>
       <p:nvGrpSpPr>
@@ -4228,7 +4948,7 @@
       </p:grpSpPr>
       <p:sp>
         <p:nvSpPr>
-          <p:cNvPr id="81" name="TextShape 1"/>
+          <p:cNvPr id="79" name="TextShape 1"/>
           <p:cNvSpPr txBox="1"/>
           <p:nvPr/>
         </p:nvSpPr>
@@ -4247,66 +4967,118 @@
         </p:spPr>
         <p:txBody>
           <a:bodyPr tIns="91440" bIns="91440" anchor="b"/>
-          <a:p>
-            <a:pPr>
+          <a:lstStyle/>
+          <a:p>
+            <a:pPr marL="0" marR="0" lvl="0" indent="0" defTabSz="914400" eaLnBrk="1" fontAlgn="auto" latinLnBrk="0" hangingPunct="1">
               <a:lnSpc>
                 <a:spcPct val="100000"/>
               </a:lnSpc>
+              <a:spcBef>
+                <a:spcPts val="0"/>
+              </a:spcBef>
+              <a:spcAft>
+                <a:spcPts val="0"/>
+              </a:spcAft>
+              <a:buClrTx/>
+              <a:buSzTx/>
+              <a:buFontTx/>
+              <a:buNone/>
+              <a:tabLst/>
+              <a:defRPr/>
             </a:pPr>
             <a:r>
-              <a:rPr b="1" lang="pt-BR" sz="3600" spc="-1" strike="noStrike">
-                <a:solidFill>
-                  <a:srgbClr val="ffffff"/>
-                </a:solidFill>
+              <a:rPr kumimoji="0" lang="pt-BR" sz="3600" b="1" i="0" u="none" strike="noStrike" kern="0" cap="none" spc="-1" normalizeH="0" baseline="0" noProof="0" dirty="0">
+                <a:ln>
+                  <a:noFill/>
+                </a:ln>
+                <a:solidFill>
+                  <a:srgbClr val="FFFFFF"/>
+                </a:solidFill>
+                <a:effectLst/>
+                <a:uLnTx/>
                 <a:uFill>
                   <a:solidFill>
-                    <a:srgbClr val="ffffff"/>
+                    <a:srgbClr val="FFFFFF"/>
                   </a:solidFill>
                 </a:uFill>
                 <a:latin typeface="Arial"/>
                 <a:ea typeface="Arial"/>
               </a:rPr>
               <a:t>
-</a:t>
+Artefato #1: </a:t>
             </a:r>
             <a:r>
-              <a:rPr b="1" lang="pt-BR" sz="3600" spc="-1" strike="noStrike">
-                <a:solidFill>
-                  <a:srgbClr val="ffffff"/>
-                </a:solidFill>
+              <a:rPr kumimoji="0" lang="pt-BR" sz="3600" b="1" i="0" u="none" strike="noStrike" kern="0" cap="none" spc="-1" normalizeH="0" baseline="0" noProof="0" dirty="0" err="1">
+                <a:ln>
+                  <a:noFill/>
+                </a:ln>
+                <a:solidFill>
+                  <a:srgbClr val="FFFFFF"/>
+                </a:solidFill>
+                <a:effectLst/>
+                <a:uLnTx/>
                 <a:uFill>
                   <a:solidFill>
-                    <a:srgbClr val="ffffff"/>
+                    <a:srgbClr val="FFFFFF"/>
                   </a:solidFill>
                 </a:uFill>
                 <a:latin typeface="Arial"/>
                 <a:ea typeface="Arial"/>
               </a:rPr>
-              <a:t>
-</a:t>
+              <a:t>Product</a:t>
             </a:r>
             <a:r>
-              <a:rPr b="1" lang="pt-BR" sz="3600" spc="-1" strike="noStrike">
-                <a:solidFill>
-                  <a:srgbClr val="ffffff"/>
-                </a:solidFill>
+              <a:rPr kumimoji="0" lang="pt-BR" sz="3600" b="1" i="0" u="none" strike="noStrike" kern="0" cap="none" spc="-1" normalizeH="0" baseline="0" noProof="0" dirty="0">
+                <a:ln>
+                  <a:noFill/>
+                </a:ln>
+                <a:solidFill>
+                  <a:srgbClr val="FFFFFF"/>
+                </a:solidFill>
+                <a:effectLst/>
+                <a:uLnTx/>
                 <a:uFill>
                   <a:solidFill>
-                    <a:srgbClr val="ffffff"/>
+                    <a:srgbClr val="FFFFFF"/>
                   </a:solidFill>
                 </a:uFill>
                 <a:latin typeface="Arial"/>
                 <a:ea typeface="Arial"/>
               </a:rPr>
-              <a:t>Artefato #2: Sprint Backlog</a:t>
+              <a:t> </a:t>
             </a:r>
-            <a:endParaRPr b="0" lang="pt-BR" sz="1400" spc="-1" strike="noStrike">
-              <a:solidFill>
-                <a:srgbClr val="000000"/>
-              </a:solidFill>
-              <a:uFill>
-                <a:solidFill>
-                  <a:srgbClr val="ffffff"/>
+            <a:r>
+              <a:rPr kumimoji="0" lang="pt-BR" sz="3600" b="1" i="0" u="none" strike="noStrike" kern="0" cap="none" spc="-1" normalizeH="0" baseline="0" noProof="0" dirty="0" err="1">
+                <a:ln>
+                  <a:noFill/>
+                </a:ln>
+                <a:solidFill>
+                  <a:srgbClr val="FFFFFF"/>
+                </a:solidFill>
+                <a:effectLst/>
+                <a:uLnTx/>
+                <a:uFill>
+                  <a:solidFill>
+                    <a:srgbClr val="FFFFFF"/>
+                  </a:solidFill>
+                </a:uFill>
+                <a:latin typeface="Arial"/>
+                <a:ea typeface="Arial"/>
+              </a:rPr>
+              <a:t>Backlog</a:t>
+            </a:r>
+            <a:endParaRPr kumimoji="0" lang="pt-BR" sz="1400" b="0" i="0" u="none" strike="noStrike" kern="0" cap="none" spc="-1" normalizeH="0" baseline="0" noProof="0" dirty="0">
+              <a:ln>
+                <a:noFill/>
+              </a:ln>
+              <a:solidFill>
+                <a:srgbClr val="000000"/>
+              </a:solidFill>
+              <a:effectLst/>
+              <a:uLnTx/>
+              <a:uFill>
+                <a:solidFill>
+                  <a:srgbClr val="FFFFFF"/>
                 </a:solidFill>
               </a:uFill>
               <a:latin typeface="Arial"/>
@@ -4316,18 +5088,26 @@
       </p:sp>
       <p:pic>
         <p:nvPicPr>
-          <p:cNvPr id="82" name="Shape 47" descr=""/>
+          <p:cNvPr id="80" name="Shape 41"/>
           <p:cNvPicPr/>
           <p:nvPr/>
         </p:nvPicPr>
         <p:blipFill>
-          <a:blip r:embed="rId1"/>
-          <a:stretch/>
+          <a:blip r:embed="rId2">
+            <a:extLst>
+              <a:ext uri="{28A0092B-C50C-407E-A947-70E740481C1C}">
+                <a14:useLocalDpi xmlns:a14="http://schemas.microsoft.com/office/drawing/2010/main" val="0"/>
+              </a:ext>
+            </a:extLst>
+          </a:blip>
+          <a:stretch>
+            <a:fillRect/>
+          </a:stretch>
         </p:blipFill>
         <p:spPr>
           <a:xfrm>
-            <a:off x="457200" y="2041560"/>
-            <a:ext cx="8229240" cy="1830240"/>
+            <a:off x="1148914" y="1734376"/>
+            <a:ext cx="6799934" cy="2675191"/>
           </a:xfrm>
           <a:prstGeom prst="rect">
             <a:avLst/>
@@ -4338,23 +5118,31 @@
         </p:spPr>
       </p:pic>
     </p:spTree>
+    <p:extLst>
+      <p:ext uri="{BB962C8B-B14F-4D97-AF65-F5344CB8AC3E}">
+        <p14:creationId xmlns:p14="http://schemas.microsoft.com/office/powerpoint/2010/main" val="1118830289"/>
+      </p:ext>
+    </p:extLst>
   </p:cSld>
+  <p:clrMapOvr>
+    <a:masterClrMapping/>
+  </p:clrMapOvr>
   <p:timing>
     <p:tnLst>
       <p:par>
-        <p:cTn id="5" dur="indefinite" restart="never" nodeType="tmRoot">
+        <p:cTn id="1" dur="indefinite" restart="never" nodeType="tmRoot">
           <p:childTnLst>
             <p:seq>
-              <p:cTn id="6" nodeType="mainSeq"/>
+              <p:cTn id="2" nodeType="mainSeq"/>
               <p:prevCondLst>
-                <p:cond delay="0" evt="onPrev">
+                <p:cond evt="onPrev" delay="0">
                   <p:tgtEl>
                     <p:sldTgt/>
                   </p:tgtEl>
                 </p:cond>
               </p:prevCondLst>
               <p:nextCondLst>
-                <p:cond delay="0" evt="onNext">
+                <p:cond evt="onNext" delay="0">
                   <p:tgtEl>
                     <p:sldTgt/>
                   </p:tgtEl>
@@ -4370,7 +5158,7 @@
 </file>
 
 <file path=ppt/slides/slide4.xml><?xml version="1.0" encoding="utf-8"?>
-<p:sld xmlns:a="http://schemas.openxmlformats.org/drawingml/2006/main" xmlns:p="http://schemas.openxmlformats.org/presentationml/2006/main" xmlns:r="http://schemas.openxmlformats.org/officeDocument/2006/relationships" xmlns:p14="http://schemas.microsoft.com/office/powerpoint/2010/main" xmlns:p15="http://schemas.microsoft.com/office/powerpoint/2012/main" xmlns:mc="http://schemas.openxmlformats.org/markup-compatibility/2006">
+<p:sld xmlns:a="http://schemas.openxmlformats.org/drawingml/2006/main" xmlns:r="http://schemas.openxmlformats.org/officeDocument/2006/relationships" xmlns:p="http://schemas.openxmlformats.org/presentationml/2006/main">
   <p:cSld>
     <p:spTree>
       <p:nvGrpSpPr>
@@ -4388,7 +5176,7 @@
       </p:grpSpPr>
       <p:sp>
         <p:nvSpPr>
-          <p:cNvPr id="83" name="TextShape 1"/>
+          <p:cNvPr id="79" name="TextShape 1"/>
           <p:cNvSpPr txBox="1"/>
           <p:nvPr/>
         </p:nvSpPr>
@@ -4407,34 +5195,118 @@
         </p:spPr>
         <p:txBody>
           <a:bodyPr tIns="91440" bIns="91440" anchor="b"/>
-          <a:p>
-            <a:pPr>
+          <a:lstStyle/>
+          <a:p>
+            <a:pPr marL="0" marR="0" lvl="0" indent="0" defTabSz="914400" eaLnBrk="1" fontAlgn="auto" latinLnBrk="0" hangingPunct="1">
               <a:lnSpc>
                 <a:spcPct val="100000"/>
               </a:lnSpc>
+              <a:spcBef>
+                <a:spcPts val="0"/>
+              </a:spcBef>
+              <a:spcAft>
+                <a:spcPts val="0"/>
+              </a:spcAft>
+              <a:buClrTx/>
+              <a:buSzTx/>
+              <a:buFontTx/>
+              <a:buNone/>
+              <a:tabLst/>
+              <a:defRPr/>
             </a:pPr>
             <a:r>
-              <a:rPr b="1" lang="pt-BR" sz="3600" spc="-1" strike="noStrike">
-                <a:solidFill>
-                  <a:srgbClr val="ffffff"/>
-                </a:solidFill>
+              <a:rPr kumimoji="0" lang="pt-BR" sz="3600" b="1" i="0" u="none" strike="noStrike" kern="0" cap="none" spc="-1" normalizeH="0" baseline="0" noProof="0" dirty="0">
+                <a:ln>
+                  <a:noFill/>
+                </a:ln>
+                <a:solidFill>
+                  <a:srgbClr val="FFFFFF"/>
+                </a:solidFill>
+                <a:effectLst/>
+                <a:uLnTx/>
                 <a:uFill>
                   <a:solidFill>
-                    <a:srgbClr val="ffffff"/>
+                    <a:srgbClr val="FFFFFF"/>
                   </a:solidFill>
                 </a:uFill>
                 <a:latin typeface="Arial"/>
                 <a:ea typeface="Arial"/>
               </a:rPr>
-              <a:t>Artefato #3: Gráfico Burndown</a:t>
+              <a:t>
+Artefato #1: </a:t>
             </a:r>
-            <a:endParaRPr b="0" lang="pt-BR" sz="1400" spc="-1" strike="noStrike">
-              <a:solidFill>
-                <a:srgbClr val="000000"/>
-              </a:solidFill>
-              <a:uFill>
-                <a:solidFill>
-                  <a:srgbClr val="ffffff"/>
+            <a:r>
+              <a:rPr kumimoji="0" lang="pt-BR" sz="3600" b="1" i="0" u="none" strike="noStrike" kern="0" cap="none" spc="-1" normalizeH="0" baseline="0" noProof="0" dirty="0" err="1">
+                <a:ln>
+                  <a:noFill/>
+                </a:ln>
+                <a:solidFill>
+                  <a:srgbClr val="FFFFFF"/>
+                </a:solidFill>
+                <a:effectLst/>
+                <a:uLnTx/>
+                <a:uFill>
+                  <a:solidFill>
+                    <a:srgbClr val="FFFFFF"/>
+                  </a:solidFill>
+                </a:uFill>
+                <a:latin typeface="Arial"/>
+                <a:ea typeface="Arial"/>
+              </a:rPr>
+              <a:t>Product</a:t>
+            </a:r>
+            <a:r>
+              <a:rPr kumimoji="0" lang="pt-BR" sz="3600" b="1" i="0" u="none" strike="noStrike" kern="0" cap="none" spc="-1" normalizeH="0" baseline="0" noProof="0" dirty="0">
+                <a:ln>
+                  <a:noFill/>
+                </a:ln>
+                <a:solidFill>
+                  <a:srgbClr val="FFFFFF"/>
+                </a:solidFill>
+                <a:effectLst/>
+                <a:uLnTx/>
+                <a:uFill>
+                  <a:solidFill>
+                    <a:srgbClr val="FFFFFF"/>
+                  </a:solidFill>
+                </a:uFill>
+                <a:latin typeface="Arial"/>
+                <a:ea typeface="Arial"/>
+              </a:rPr>
+              <a:t> </a:t>
+            </a:r>
+            <a:r>
+              <a:rPr kumimoji="0" lang="pt-BR" sz="3600" b="1" i="0" u="none" strike="noStrike" kern="0" cap="none" spc="-1" normalizeH="0" baseline="0" noProof="0" dirty="0" err="1">
+                <a:ln>
+                  <a:noFill/>
+                </a:ln>
+                <a:solidFill>
+                  <a:srgbClr val="FFFFFF"/>
+                </a:solidFill>
+                <a:effectLst/>
+                <a:uLnTx/>
+                <a:uFill>
+                  <a:solidFill>
+                    <a:srgbClr val="FFFFFF"/>
+                  </a:solidFill>
+                </a:uFill>
+                <a:latin typeface="Arial"/>
+                <a:ea typeface="Arial"/>
+              </a:rPr>
+              <a:t>Backlog</a:t>
+            </a:r>
+            <a:endParaRPr kumimoji="0" lang="pt-BR" sz="1400" b="0" i="0" u="none" strike="noStrike" kern="0" cap="none" spc="-1" normalizeH="0" baseline="0" noProof="0" dirty="0">
+              <a:ln>
+                <a:noFill/>
+              </a:ln>
+              <a:solidFill>
+                <a:srgbClr val="000000"/>
+              </a:solidFill>
+              <a:effectLst/>
+              <a:uLnTx/>
+              <a:uFill>
+                <a:solidFill>
+                  <a:srgbClr val="FFFFFF"/>
                 </a:solidFill>
               </a:uFill>
               <a:latin typeface="Arial"/>
@@ -4444,18 +5316,26 @@
       </p:sp>
       <p:pic>
         <p:nvPicPr>
-          <p:cNvPr id="84" name="Shape 53" descr=""/>
+          <p:cNvPr id="80" name="Shape 41"/>
           <p:cNvPicPr/>
           <p:nvPr/>
         </p:nvPicPr>
         <p:blipFill>
-          <a:blip r:embed="rId1"/>
-          <a:stretch/>
+          <a:blip r:embed="rId2">
+            <a:extLst>
+              <a:ext uri="{28A0092B-C50C-407E-A947-70E740481C1C}">
+                <a14:useLocalDpi xmlns:a14="http://schemas.microsoft.com/office/drawing/2010/main" val="0"/>
+              </a:ext>
+            </a:extLst>
+          </a:blip>
+          <a:stretch>
+            <a:fillRect/>
+          </a:stretch>
         </p:blipFill>
         <p:spPr>
           <a:xfrm>
-            <a:off x="0" y="1889280"/>
-            <a:ext cx="9143640" cy="2431440"/>
+            <a:off x="1148914" y="1882781"/>
+            <a:ext cx="6799934" cy="2378380"/>
           </a:xfrm>
           <a:prstGeom prst="rect">
             <a:avLst/>
@@ -4466,23 +5346,31 @@
         </p:spPr>
       </p:pic>
     </p:spTree>
+    <p:extLst>
+      <p:ext uri="{BB962C8B-B14F-4D97-AF65-F5344CB8AC3E}">
+        <p14:creationId xmlns:p14="http://schemas.microsoft.com/office/powerpoint/2010/main" val="957006640"/>
+      </p:ext>
+    </p:extLst>
   </p:cSld>
+  <p:clrMapOvr>
+    <a:masterClrMapping/>
+  </p:clrMapOvr>
   <p:timing>
     <p:tnLst>
       <p:par>
-        <p:cTn id="7" dur="indefinite" restart="never" nodeType="tmRoot">
+        <p:cTn id="1" dur="indefinite" restart="never" nodeType="tmRoot">
           <p:childTnLst>
             <p:seq>
-              <p:cTn id="8" nodeType="mainSeq"/>
+              <p:cTn id="2" nodeType="mainSeq"/>
               <p:prevCondLst>
-                <p:cond delay="0" evt="onPrev">
+                <p:cond evt="onPrev" delay="0">
                   <p:tgtEl>
                     <p:sldTgt/>
                   </p:tgtEl>
                 </p:cond>
               </p:prevCondLst>
               <p:nextCondLst>
-                <p:cond delay="0" evt="onNext">
+                <p:cond evt="onNext" delay="0">
                   <p:tgtEl>
                     <p:sldTgt/>
                   </p:tgtEl>
@@ -4498,7 +5386,7 @@
 </file>
 
 <file path=ppt/slides/slide5.xml><?xml version="1.0" encoding="utf-8"?>
-<p:sld xmlns:a="http://schemas.openxmlformats.org/drawingml/2006/main" xmlns:p="http://schemas.openxmlformats.org/presentationml/2006/main" xmlns:r="http://schemas.openxmlformats.org/officeDocument/2006/relationships" xmlns:p14="http://schemas.microsoft.com/office/powerpoint/2010/main" xmlns:p15="http://schemas.microsoft.com/office/powerpoint/2012/main" xmlns:mc="http://schemas.openxmlformats.org/markup-compatibility/2006">
+<p:sld xmlns:a="http://schemas.openxmlformats.org/drawingml/2006/main" xmlns:r="http://schemas.openxmlformats.org/officeDocument/2006/relationships" xmlns:p="http://schemas.openxmlformats.org/presentationml/2006/main">
   <p:cSld>
     <p:spTree>
       <p:nvGrpSpPr>
@@ -4516,7 +5404,7 @@
       </p:grpSpPr>
       <p:sp>
         <p:nvSpPr>
-          <p:cNvPr id="85" name="TextShape 1"/>
+          <p:cNvPr id="79" name="TextShape 1"/>
           <p:cNvSpPr txBox="1"/>
           <p:nvPr/>
         </p:nvSpPr>
@@ -4535,436 +5423,182 @@
         </p:spPr>
         <p:txBody>
           <a:bodyPr tIns="91440" bIns="91440" anchor="b"/>
-          <a:p>
-            <a:pPr>
+          <a:lstStyle/>
+          <a:p>
+            <a:pPr marL="0" marR="0" lvl="0" indent="0" defTabSz="914400" eaLnBrk="1" fontAlgn="auto" latinLnBrk="0" hangingPunct="1">
               <a:lnSpc>
                 <a:spcPct val="100000"/>
               </a:lnSpc>
+              <a:spcBef>
+                <a:spcPts val="0"/>
+              </a:spcBef>
+              <a:spcAft>
+                <a:spcPts val="0"/>
+              </a:spcAft>
+              <a:buClrTx/>
+              <a:buSzTx/>
+              <a:buFontTx/>
+              <a:buNone/>
+              <a:tabLst/>
+              <a:defRPr/>
             </a:pPr>
             <a:r>
-              <a:rPr b="1" lang="pt-BR" sz="2400" spc="-1" strike="noStrike">
-                <a:solidFill>
-                  <a:srgbClr val="ffffff"/>
-                </a:solidFill>
+              <a:rPr kumimoji="0" lang="pt-BR" sz="3600" b="1" i="0" u="none" strike="noStrike" kern="0" cap="none" spc="-1" normalizeH="0" baseline="0" noProof="0" dirty="0">
+                <a:ln>
+                  <a:noFill/>
+                </a:ln>
+                <a:solidFill>
+                  <a:srgbClr val="FFFFFF"/>
+                </a:solidFill>
+                <a:effectLst/>
+                <a:uLnTx/>
                 <a:uFill>
                   <a:solidFill>
-                    <a:srgbClr val="ffffff"/>
+                    <a:srgbClr val="FFFFFF"/>
                   </a:solidFill>
                 </a:uFill>
                 <a:latin typeface="Arial"/>
                 <a:ea typeface="Arial"/>
               </a:rPr>
-              <a:t>Atividade #1: Reuniões Diárias</a:t>
+              <a:t>
+Artefato #1: </a:t>
             </a:r>
-            <a:endParaRPr b="0" lang="pt-BR" sz="1400" spc="-1" strike="noStrike">
-              <a:solidFill>
-                <a:srgbClr val="000000"/>
-              </a:solidFill>
-              <a:uFill>
-                <a:solidFill>
-                  <a:srgbClr val="ffffff"/>
-                </a:solidFill>
-              </a:uFill>
-              <a:latin typeface="Arial"/>
-            </a:endParaRPr>
-          </a:p>
-        </p:txBody>
-      </p:sp>
-      <p:sp>
-        <p:nvSpPr>
-          <p:cNvPr id="86" name="TextShape 2"/>
-          <p:cNvSpPr txBox="1"/>
+            <a:r>
+              <a:rPr kumimoji="0" lang="pt-BR" sz="3600" b="1" i="0" u="none" strike="noStrike" kern="0" cap="none" spc="-1" normalizeH="0" baseline="0" noProof="0" dirty="0" err="1">
+                <a:ln>
+                  <a:noFill/>
+                </a:ln>
+                <a:solidFill>
+                  <a:srgbClr val="FFFFFF"/>
+                </a:solidFill>
+                <a:effectLst/>
+                <a:uLnTx/>
+                <a:uFill>
+                  <a:solidFill>
+                    <a:srgbClr val="FFFFFF"/>
+                  </a:solidFill>
+                </a:uFill>
+                <a:latin typeface="Arial"/>
+                <a:ea typeface="Arial"/>
+              </a:rPr>
+              <a:t>Product</a:t>
+            </a:r>
+            <a:r>
+              <a:rPr kumimoji="0" lang="pt-BR" sz="3600" b="1" i="0" u="none" strike="noStrike" kern="0" cap="none" spc="-1" normalizeH="0" baseline="0" noProof="0" dirty="0">
+                <a:ln>
+                  <a:noFill/>
+                </a:ln>
+                <a:solidFill>
+                  <a:srgbClr val="FFFFFF"/>
+                </a:solidFill>
+                <a:effectLst/>
+                <a:uLnTx/>
+                <a:uFill>
+                  <a:solidFill>
+                    <a:srgbClr val="FFFFFF"/>
+                  </a:solidFill>
+                </a:uFill>
+                <a:latin typeface="Arial"/>
+                <a:ea typeface="Arial"/>
+              </a:rPr>
+              <a:t> </a:t>
+            </a:r>
+            <a:r>
+              <a:rPr kumimoji="0" lang="pt-BR" sz="3600" b="1" i="0" u="none" strike="noStrike" kern="0" cap="none" spc="-1" normalizeH="0" baseline="0" noProof="0" dirty="0" err="1">
+                <a:ln>
+                  <a:noFill/>
+                </a:ln>
+                <a:solidFill>
+                  <a:srgbClr val="FFFFFF"/>
+                </a:solidFill>
+                <a:effectLst/>
+                <a:uLnTx/>
+                <a:uFill>
+                  <a:solidFill>
+                    <a:srgbClr val="FFFFFF"/>
+                  </a:solidFill>
+                </a:uFill>
+                <a:latin typeface="Arial"/>
+                <a:ea typeface="Arial"/>
+              </a:rPr>
+              <a:t>Backlog</a:t>
+            </a:r>
+            <a:endParaRPr kumimoji="0" lang="pt-BR" sz="1400" b="0" i="0" u="none" strike="noStrike" kern="0" cap="none" spc="-1" normalizeH="0" baseline="0" noProof="0" dirty="0">
+              <a:ln>
+                <a:noFill/>
+              </a:ln>
+              <a:solidFill>
+                <a:srgbClr val="000000"/>
+              </a:solidFill>
+              <a:effectLst/>
+              <a:uLnTx/>
+              <a:uFill>
+                <a:solidFill>
+                  <a:srgbClr val="FFFFFF"/>
+                </a:solidFill>
+              </a:uFill>
+              <a:latin typeface="Arial"/>
+            </a:endParaRPr>
+          </a:p>
+        </p:txBody>
+      </p:sp>
+      <p:pic>
+        <p:nvPicPr>
+          <p:cNvPr id="80" name="Shape 41"/>
+          <p:cNvPicPr/>
           <p:nvPr/>
-        </p:nvSpPr>
-        <p:spPr>
-          <a:xfrm>
-            <a:off x="457200" y="1200240"/>
-            <a:ext cx="8229240" cy="3725280"/>
-          </a:xfrm>
-          <a:prstGeom prst="rect">
-            <a:avLst/>
-          </a:prstGeom>
-          <a:noFill/>
+        </p:nvPicPr>
+        <p:blipFill>
+          <a:blip r:embed="rId2">
+            <a:extLst>
+              <a:ext uri="{28A0092B-C50C-407E-A947-70E740481C1C}">
+                <a14:useLocalDpi xmlns:a14="http://schemas.microsoft.com/office/drawing/2010/main" val="0"/>
+              </a:ext>
+            </a:extLst>
+          </a:blip>
+          <a:stretch>
+            <a:fillRect/>
+          </a:stretch>
+        </p:blipFill>
+        <p:spPr>
+          <a:xfrm>
+            <a:off x="1148914" y="1882781"/>
+            <a:ext cx="6799934" cy="2378380"/>
+          </a:xfrm>
+          <a:prstGeom prst="rect">
+            <a:avLst/>
+          </a:prstGeom>
           <a:ln>
             <a:noFill/>
           </a:ln>
         </p:spPr>
-        <p:txBody>
-          <a:bodyPr tIns="91440" bIns="91440"/>
-          <a:p>
-            <a:pPr>
-              <a:lnSpc>
-                <a:spcPct val="100000"/>
-              </a:lnSpc>
-            </a:pPr>
-            <a:endParaRPr b="0" lang="pt-BR" sz="1400" spc="-1" strike="noStrike">
-              <a:solidFill>
-                <a:srgbClr val="000000"/>
-              </a:solidFill>
-              <a:uFill>
-                <a:solidFill>
-                  <a:srgbClr val="ffffff"/>
-                </a:solidFill>
-              </a:uFill>
-              <a:latin typeface="Arial"/>
-            </a:endParaRPr>
-          </a:p>
-          <a:p>
-            <a:pPr marL="457200" indent="-342720">
-              <a:lnSpc>
-                <a:spcPct val="136000"/>
-              </a:lnSpc>
-              <a:buClr>
-                <a:srgbClr val="000000"/>
-              </a:buClr>
-              <a:buFont typeface="Arial"/>
-              <a:buChar char="●"/>
-            </a:pPr>
-            <a:r>
-              <a:rPr b="0" lang="pt-BR" sz="1800" spc="-1" strike="noStrike">
-                <a:solidFill>
-                  <a:srgbClr val="000000"/>
-                </a:solidFill>
-                <a:uFill>
-                  <a:solidFill>
-                    <a:srgbClr val="ffffff"/>
-                  </a:solidFill>
-                </a:uFill>
-                <a:latin typeface="Times New Roman"/>
-                <a:ea typeface="Times New Roman"/>
-              </a:rPr>
-              <a:t>O que foi feito desde a nossa última reunião diária.</a:t>
-            </a:r>
-            <a:endParaRPr b="0" lang="pt-BR" sz="1400" spc="-1" strike="noStrike">
-              <a:solidFill>
-                <a:srgbClr val="000000"/>
-              </a:solidFill>
-              <a:uFill>
-                <a:solidFill>
-                  <a:srgbClr val="ffffff"/>
-                </a:solidFill>
-              </a:uFill>
-              <a:latin typeface="Arial"/>
-            </a:endParaRPr>
-          </a:p>
-          <a:p>
-            <a:pPr marL="457200" indent="-342720">
-              <a:lnSpc>
-                <a:spcPct val="136000"/>
-              </a:lnSpc>
-              <a:buClr>
-                <a:srgbClr val="000000"/>
-              </a:buClr>
-              <a:buFont typeface="Arial"/>
-              <a:buChar char="●"/>
-            </a:pPr>
-            <a:r>
-              <a:rPr b="0" lang="pt-BR" sz="1800" spc="-1" strike="noStrike">
-                <a:solidFill>
-                  <a:srgbClr val="000000"/>
-                </a:solidFill>
-                <a:uFill>
-                  <a:solidFill>
-                    <a:srgbClr val="ffffff"/>
-                  </a:solidFill>
-                </a:uFill>
-                <a:latin typeface="Times New Roman"/>
-                <a:ea typeface="Times New Roman"/>
-              </a:rPr>
-              <a:t>O que eu pretendo realizar entre hoje e nossa próxima Reunião Diária.</a:t>
-            </a:r>
-            <a:endParaRPr b="0" lang="pt-BR" sz="1400" spc="-1" strike="noStrike">
-              <a:solidFill>
-                <a:srgbClr val="000000"/>
-              </a:solidFill>
-              <a:uFill>
-                <a:solidFill>
-                  <a:srgbClr val="ffffff"/>
-                </a:solidFill>
-              </a:uFill>
-              <a:latin typeface="Arial"/>
-            </a:endParaRPr>
-          </a:p>
-          <a:p>
-            <a:pPr marL="457200" indent="-342720">
-              <a:lnSpc>
-                <a:spcPct val="136000"/>
-              </a:lnSpc>
-              <a:buClr>
-                <a:srgbClr val="000000"/>
-              </a:buClr>
-              <a:buFont typeface="Arial"/>
-              <a:buChar char="●"/>
-            </a:pPr>
-            <a:r>
-              <a:rPr b="0" lang="pt-BR" sz="1800" spc="-1" strike="noStrike">
-                <a:solidFill>
-                  <a:srgbClr val="000000"/>
-                </a:solidFill>
-                <a:uFill>
-                  <a:solidFill>
-                    <a:srgbClr val="ffffff"/>
-                  </a:solidFill>
-                </a:uFill>
-                <a:latin typeface="Times New Roman"/>
-                <a:ea typeface="Times New Roman"/>
-              </a:rPr>
-              <a:t>O que (se houver) está impedindo o meu progresso.</a:t>
-            </a:r>
-            <a:endParaRPr b="0" lang="pt-BR" sz="1400" spc="-1" strike="noStrike">
-              <a:solidFill>
-                <a:srgbClr val="000000"/>
-              </a:solidFill>
-              <a:uFill>
-                <a:solidFill>
-                  <a:srgbClr val="ffffff"/>
-                </a:solidFill>
-              </a:uFill>
-              <a:latin typeface="Arial"/>
-            </a:endParaRPr>
-          </a:p>
-          <a:p>
-            <a:pPr>
-              <a:lnSpc>
-                <a:spcPct val="136000"/>
-              </a:lnSpc>
-            </a:pPr>
-            <a:r>
-              <a:rPr b="0" lang="pt-BR" sz="1800" spc="-1" strike="noStrike">
-                <a:solidFill>
-                  <a:srgbClr val="000000"/>
-                </a:solidFill>
-                <a:uFill>
-                  <a:solidFill>
-                    <a:srgbClr val="ffffff"/>
-                  </a:solidFill>
-                </a:uFill>
-                <a:latin typeface="Times New Roman"/>
-                <a:ea typeface="Times New Roman"/>
-              </a:rPr>
-              <a:t>Reunião I  - 11/11/1111</a:t>
-            </a:r>
-            <a:endParaRPr b="0" lang="pt-BR" sz="1400" spc="-1" strike="noStrike">
-              <a:solidFill>
-                <a:srgbClr val="000000"/>
-              </a:solidFill>
-              <a:uFill>
-                <a:solidFill>
-                  <a:srgbClr val="ffffff"/>
-                </a:solidFill>
-              </a:uFill>
-              <a:latin typeface="Arial"/>
-            </a:endParaRPr>
-          </a:p>
-          <a:p>
-            <a:pPr>
-              <a:lnSpc>
-                <a:spcPct val="136000"/>
-              </a:lnSpc>
-            </a:pPr>
-            <a:r>
-              <a:rPr b="0" lang="pt-BR" sz="1800" spc="-1" strike="noStrike">
-                <a:solidFill>
-                  <a:srgbClr val="000000"/>
-                </a:solidFill>
-                <a:uFill>
-                  <a:solidFill>
-                    <a:srgbClr val="ffffff"/>
-                  </a:solidFill>
-                </a:uFill>
-                <a:latin typeface="Times New Roman"/>
-                <a:ea typeface="Times New Roman"/>
-              </a:rPr>
-              <a:t>Reunião II - 11/11/1111</a:t>
-            </a:r>
-            <a:endParaRPr b="0" lang="pt-BR" sz="1400" spc="-1" strike="noStrike">
-              <a:solidFill>
-                <a:srgbClr val="000000"/>
-              </a:solidFill>
-              <a:uFill>
-                <a:solidFill>
-                  <a:srgbClr val="ffffff"/>
-                </a:solidFill>
-              </a:uFill>
-              <a:latin typeface="Arial"/>
-            </a:endParaRPr>
-          </a:p>
-          <a:p>
-            <a:pPr>
-              <a:lnSpc>
-                <a:spcPct val="136000"/>
-              </a:lnSpc>
-            </a:pPr>
-            <a:r>
-              <a:rPr b="0" lang="pt-BR" sz="1800" spc="-1" strike="noStrike">
-                <a:solidFill>
-                  <a:srgbClr val="000000"/>
-                </a:solidFill>
-                <a:uFill>
-                  <a:solidFill>
-                    <a:srgbClr val="ffffff"/>
-                  </a:solidFill>
-                </a:uFill>
-                <a:latin typeface="Times New Roman"/>
-                <a:ea typeface="Times New Roman"/>
-              </a:rPr>
-              <a:t>Reunião III  - 11/11/1111</a:t>
-            </a:r>
-            <a:endParaRPr b="0" lang="pt-BR" sz="1400" spc="-1" strike="noStrike">
-              <a:solidFill>
-                <a:srgbClr val="000000"/>
-              </a:solidFill>
-              <a:uFill>
-                <a:solidFill>
-                  <a:srgbClr val="ffffff"/>
-                </a:solidFill>
-              </a:uFill>
-              <a:latin typeface="Arial"/>
-            </a:endParaRPr>
-          </a:p>
-          <a:p>
-            <a:pPr>
-              <a:lnSpc>
-                <a:spcPct val="136000"/>
-              </a:lnSpc>
-            </a:pPr>
-            <a:r>
-              <a:rPr b="0" lang="pt-BR" sz="1800" spc="-1" strike="noStrike">
-                <a:solidFill>
-                  <a:srgbClr val="000000"/>
-                </a:solidFill>
-                <a:uFill>
-                  <a:solidFill>
-                    <a:srgbClr val="ffffff"/>
-                  </a:solidFill>
-                </a:uFill>
-                <a:latin typeface="Times New Roman"/>
-                <a:ea typeface="Times New Roman"/>
-              </a:rPr>
-              <a:t>Reunião III  - 11/11/1111</a:t>
-            </a:r>
-            <a:endParaRPr b="0" lang="pt-BR" sz="1400" spc="-1" strike="noStrike">
-              <a:solidFill>
-                <a:srgbClr val="000000"/>
-              </a:solidFill>
-              <a:uFill>
-                <a:solidFill>
-                  <a:srgbClr val="ffffff"/>
-                </a:solidFill>
-              </a:uFill>
-              <a:latin typeface="Arial"/>
-            </a:endParaRPr>
-          </a:p>
-          <a:p>
-            <a:pPr>
-              <a:lnSpc>
-                <a:spcPct val="136000"/>
-              </a:lnSpc>
-            </a:pPr>
-            <a:endParaRPr b="0" lang="pt-BR" sz="1400" spc="-1" strike="noStrike">
-              <a:solidFill>
-                <a:srgbClr val="000000"/>
-              </a:solidFill>
-              <a:uFill>
-                <a:solidFill>
-                  <a:srgbClr val="ffffff"/>
-                </a:solidFill>
-              </a:uFill>
-              <a:latin typeface="Arial"/>
-            </a:endParaRPr>
-          </a:p>
-          <a:p>
-            <a:pPr>
-              <a:lnSpc>
-                <a:spcPct val="136000"/>
-              </a:lnSpc>
-            </a:pPr>
-            <a:endParaRPr b="0" lang="pt-BR" sz="1400" spc="-1" strike="noStrike">
-              <a:solidFill>
-                <a:srgbClr val="000000"/>
-              </a:solidFill>
-              <a:uFill>
-                <a:solidFill>
-                  <a:srgbClr val="ffffff"/>
-                </a:solidFill>
-              </a:uFill>
-              <a:latin typeface="Arial"/>
-            </a:endParaRPr>
-          </a:p>
-          <a:p>
-            <a:pPr>
-              <a:lnSpc>
-                <a:spcPct val="136000"/>
-              </a:lnSpc>
-            </a:pPr>
-            <a:endParaRPr b="0" lang="pt-BR" sz="1400" spc="-1" strike="noStrike">
-              <a:solidFill>
-                <a:srgbClr val="000000"/>
-              </a:solidFill>
-              <a:uFill>
-                <a:solidFill>
-                  <a:srgbClr val="ffffff"/>
-                </a:solidFill>
-              </a:uFill>
-              <a:latin typeface="Arial"/>
-            </a:endParaRPr>
-          </a:p>
-          <a:p>
-            <a:pPr>
-              <a:lnSpc>
-                <a:spcPct val="136000"/>
-              </a:lnSpc>
-            </a:pPr>
-            <a:endParaRPr b="0" lang="pt-BR" sz="1400" spc="-1" strike="noStrike">
-              <a:solidFill>
-                <a:srgbClr val="000000"/>
-              </a:solidFill>
-              <a:uFill>
-                <a:solidFill>
-                  <a:srgbClr val="ffffff"/>
-                </a:solidFill>
-              </a:uFill>
-              <a:latin typeface="Arial"/>
-            </a:endParaRPr>
-          </a:p>
-          <a:p>
-            <a:pPr>
-              <a:lnSpc>
-                <a:spcPct val="100000"/>
-              </a:lnSpc>
-            </a:pPr>
-            <a:endParaRPr b="0" lang="pt-BR" sz="1400" spc="-1" strike="noStrike">
-              <a:solidFill>
-                <a:srgbClr val="000000"/>
-              </a:solidFill>
-              <a:uFill>
-                <a:solidFill>
-                  <a:srgbClr val="ffffff"/>
-                </a:solidFill>
-              </a:uFill>
-              <a:latin typeface="Arial"/>
-            </a:endParaRPr>
-          </a:p>
-        </p:txBody>
-      </p:sp>
+      </p:pic>
     </p:spTree>
+    <p:extLst>
+      <p:ext uri="{BB962C8B-B14F-4D97-AF65-F5344CB8AC3E}">
+        <p14:creationId xmlns:p14="http://schemas.microsoft.com/office/powerpoint/2010/main" val="2508032882"/>
+      </p:ext>
+    </p:extLst>
   </p:cSld>
+  <p:clrMapOvr>
+    <a:masterClrMapping/>
+  </p:clrMapOvr>
   <p:timing>
     <p:tnLst>
       <p:par>
-        <p:cTn id="9" dur="indefinite" restart="never" nodeType="tmRoot">
+        <p:cTn id="1" dur="indefinite" restart="never" nodeType="tmRoot">
           <p:childTnLst>
             <p:seq>
-              <p:cTn id="10" nodeType="mainSeq"/>
+              <p:cTn id="2" nodeType="mainSeq"/>
               <p:prevCondLst>
-                <p:cond delay="0" evt="onPrev">
+                <p:cond evt="onPrev" delay="0">
                   <p:tgtEl>
                     <p:sldTgt/>
                   </p:tgtEl>
                 </p:cond>
               </p:prevCondLst>
               <p:nextCondLst>
-                <p:cond delay="0" evt="onNext">
+                <p:cond evt="onNext" delay="0">
                   <p:tgtEl>
                     <p:sldTgt/>
                   </p:tgtEl>
@@ -4980,7 +5614,7 @@
 </file>
 
 <file path=ppt/slides/slide6.xml><?xml version="1.0" encoding="utf-8"?>
-<p:sld xmlns:a="http://schemas.openxmlformats.org/drawingml/2006/main" xmlns:p="http://schemas.openxmlformats.org/presentationml/2006/main" xmlns:r="http://schemas.openxmlformats.org/officeDocument/2006/relationships" xmlns:p14="http://schemas.microsoft.com/office/powerpoint/2010/main" xmlns:p15="http://schemas.microsoft.com/office/powerpoint/2012/main" xmlns:mc="http://schemas.openxmlformats.org/markup-compatibility/2006">
+<p:sld xmlns:a="http://schemas.openxmlformats.org/drawingml/2006/main" xmlns:r="http://schemas.openxmlformats.org/officeDocument/2006/relationships" xmlns:p="http://schemas.openxmlformats.org/presentationml/2006/main">
   <p:cSld>
     <p:spTree>
       <p:nvGrpSpPr>
@@ -4998,7 +5632,7 @@
       </p:grpSpPr>
       <p:sp>
         <p:nvSpPr>
-          <p:cNvPr id="87" name="TextShape 1"/>
+          <p:cNvPr id="81" name="TextShape 1"/>
           <p:cNvSpPr txBox="1"/>
           <p:nvPr/>
         </p:nvSpPr>
@@ -5017,6 +5651,7 @@
         </p:spPr>
         <p:txBody>
           <a:bodyPr tIns="91440" bIns="91440" anchor="b"/>
+          <a:lstStyle/>
           <a:p>
             <a:pPr>
               <a:lnSpc>
@@ -5024,13 +5659,286 @@
               </a:lnSpc>
             </a:pPr>
             <a:r>
-              <a:rPr b="1" lang="pt-BR" sz="3000" spc="-1" strike="noStrike">
-                <a:solidFill>
-                  <a:srgbClr val="ffffff"/>
+              <a:rPr lang="pt-BR" sz="3600" b="1" strike="noStrike" spc="-1">
+                <a:solidFill>
+                  <a:srgbClr val="FFFFFF"/>
                 </a:solidFill>
                 <a:uFill>
                   <a:solidFill>
-                    <a:srgbClr val="ffffff"/>
+                    <a:srgbClr val="FFFFFF"/>
+                  </a:solidFill>
+                </a:uFill>
+                <a:latin typeface="Arial"/>
+                <a:ea typeface="Arial"/>
+              </a:rPr>
+              <a:t>
+Artefato #2: Sprint Backlog</a:t>
+            </a:r>
+            <a:endParaRPr lang="pt-BR" sz="1400" b="0" strike="noStrike" spc="-1">
+              <a:solidFill>
+                <a:srgbClr val="000000"/>
+              </a:solidFill>
+              <a:uFill>
+                <a:solidFill>
+                  <a:srgbClr val="FFFFFF"/>
+                </a:solidFill>
+              </a:uFill>
+              <a:latin typeface="Arial"/>
+            </a:endParaRPr>
+          </a:p>
+        </p:txBody>
+      </p:sp>
+      <p:pic>
+        <p:nvPicPr>
+          <p:cNvPr id="82" name="Shape 47"/>
+          <p:cNvPicPr/>
+          <p:nvPr/>
+        </p:nvPicPr>
+        <p:blipFill>
+          <a:blip r:embed="rId2"/>
+          <a:stretch/>
+        </p:blipFill>
+        <p:spPr>
+          <a:xfrm>
+            <a:off x="457200" y="2041560"/>
+            <a:ext cx="8229240" cy="1830240"/>
+          </a:xfrm>
+          <a:prstGeom prst="rect">
+            <a:avLst/>
+          </a:prstGeom>
+          <a:ln>
+            <a:noFill/>
+          </a:ln>
+        </p:spPr>
+      </p:pic>
+    </p:spTree>
+  </p:cSld>
+  <p:clrMapOvr>
+    <a:masterClrMapping/>
+  </p:clrMapOvr>
+  <p:timing>
+    <p:tnLst>
+      <p:par>
+        <p:cTn id="1" dur="indefinite" restart="never" nodeType="tmRoot">
+          <p:childTnLst>
+            <p:seq>
+              <p:cTn id="2" nodeType="mainSeq"/>
+              <p:prevCondLst>
+                <p:cond evt="onPrev" delay="0">
+                  <p:tgtEl>
+                    <p:sldTgt/>
+                  </p:tgtEl>
+                </p:cond>
+              </p:prevCondLst>
+              <p:nextCondLst>
+                <p:cond evt="onNext" delay="0">
+                  <p:tgtEl>
+                    <p:sldTgt/>
+                  </p:tgtEl>
+                </p:cond>
+              </p:nextCondLst>
+            </p:seq>
+          </p:childTnLst>
+        </p:cTn>
+      </p:par>
+    </p:tnLst>
+  </p:timing>
+</p:sld>
+</file>
+
+<file path=ppt/slides/slide7.xml><?xml version="1.0" encoding="utf-8"?>
+<p:sld xmlns:a="http://schemas.openxmlformats.org/drawingml/2006/main" xmlns:r="http://schemas.openxmlformats.org/officeDocument/2006/relationships" xmlns:p="http://schemas.openxmlformats.org/presentationml/2006/main">
+  <p:cSld>
+    <p:spTree>
+      <p:nvGrpSpPr>
+        <p:cNvPr id="1" name=""/>
+        <p:cNvGrpSpPr/>
+        <p:nvPr/>
+      </p:nvGrpSpPr>
+      <p:grpSpPr>
+        <a:xfrm>
+          <a:off x="0" y="0"/>
+          <a:ext cx="0" cy="0"/>
+          <a:chOff x="0" y="0"/>
+          <a:chExt cx="0" cy="0"/>
+        </a:xfrm>
+      </p:grpSpPr>
+      <p:sp>
+        <p:nvSpPr>
+          <p:cNvPr id="83" name="TextShape 1"/>
+          <p:cNvSpPr txBox="1"/>
+          <p:nvPr/>
+        </p:nvSpPr>
+        <p:spPr>
+          <a:xfrm>
+            <a:off x="457200" y="205920"/>
+            <a:ext cx="8229240" cy="857160"/>
+          </a:xfrm>
+          <a:prstGeom prst="rect">
+            <a:avLst/>
+          </a:prstGeom>
+          <a:noFill/>
+          <a:ln>
+            <a:noFill/>
+          </a:ln>
+        </p:spPr>
+        <p:txBody>
+          <a:bodyPr tIns="91440" bIns="91440" anchor="b"/>
+          <a:lstStyle/>
+          <a:p>
+            <a:pPr>
+              <a:lnSpc>
+                <a:spcPct val="100000"/>
+              </a:lnSpc>
+            </a:pPr>
+            <a:r>
+              <a:rPr lang="pt-BR" sz="3600" b="1" strike="noStrike" spc="-1">
+                <a:solidFill>
+                  <a:srgbClr val="FFFFFF"/>
+                </a:solidFill>
+                <a:uFill>
+                  <a:solidFill>
+                    <a:srgbClr val="FFFFFF"/>
+                  </a:solidFill>
+                </a:uFill>
+                <a:latin typeface="Arial"/>
+                <a:ea typeface="Arial"/>
+              </a:rPr>
+              <a:t>Artefato #3: Gráfico Burndown</a:t>
+            </a:r>
+            <a:endParaRPr lang="pt-BR" sz="1400" b="0" strike="noStrike" spc="-1">
+              <a:solidFill>
+                <a:srgbClr val="000000"/>
+              </a:solidFill>
+              <a:uFill>
+                <a:solidFill>
+                  <a:srgbClr val="FFFFFF"/>
+                </a:solidFill>
+              </a:uFill>
+              <a:latin typeface="Arial"/>
+            </a:endParaRPr>
+          </a:p>
+        </p:txBody>
+      </p:sp>
+      <p:pic>
+        <p:nvPicPr>
+          <p:cNvPr id="84" name="Shape 53"/>
+          <p:cNvPicPr/>
+          <p:nvPr/>
+        </p:nvPicPr>
+        <p:blipFill>
+          <a:blip r:embed="rId2">
+            <a:extLst>
+              <a:ext uri="{28A0092B-C50C-407E-A947-70E740481C1C}">
+                <a14:useLocalDpi xmlns:a14="http://schemas.microsoft.com/office/drawing/2010/main" val="0"/>
+              </a:ext>
+            </a:extLst>
+          </a:blip>
+          <a:stretch>
+            <a:fillRect/>
+          </a:stretch>
+        </p:blipFill>
+        <p:spPr>
+          <a:xfrm>
+            <a:off x="0" y="1984884"/>
+            <a:ext cx="9143640" cy="2240231"/>
+          </a:xfrm>
+          <a:prstGeom prst="rect">
+            <a:avLst/>
+          </a:prstGeom>
+          <a:ln>
+            <a:noFill/>
+          </a:ln>
+        </p:spPr>
+      </p:pic>
+    </p:spTree>
+  </p:cSld>
+  <p:clrMapOvr>
+    <a:masterClrMapping/>
+  </p:clrMapOvr>
+  <p:timing>
+    <p:tnLst>
+      <p:par>
+        <p:cTn id="1" dur="indefinite" restart="never" nodeType="tmRoot">
+          <p:childTnLst>
+            <p:seq>
+              <p:cTn id="2" nodeType="mainSeq"/>
+              <p:prevCondLst>
+                <p:cond evt="onPrev" delay="0">
+                  <p:tgtEl>
+                    <p:sldTgt/>
+                  </p:tgtEl>
+                </p:cond>
+              </p:prevCondLst>
+              <p:nextCondLst>
+                <p:cond evt="onNext" delay="0">
+                  <p:tgtEl>
+                    <p:sldTgt/>
+                  </p:tgtEl>
+                </p:cond>
+              </p:nextCondLst>
+            </p:seq>
+          </p:childTnLst>
+        </p:cTn>
+      </p:par>
+    </p:tnLst>
+  </p:timing>
+</p:sld>
+</file>
+
+<file path=ppt/slides/slide8.xml><?xml version="1.0" encoding="utf-8"?>
+<p:sld xmlns:a="http://schemas.openxmlformats.org/drawingml/2006/main" xmlns:r="http://schemas.openxmlformats.org/officeDocument/2006/relationships" xmlns:p="http://schemas.openxmlformats.org/presentationml/2006/main">
+  <p:cSld>
+    <p:spTree>
+      <p:nvGrpSpPr>
+        <p:cNvPr id="1" name=""/>
+        <p:cNvGrpSpPr/>
+        <p:nvPr/>
+      </p:nvGrpSpPr>
+      <p:grpSpPr>
+        <a:xfrm>
+          <a:off x="0" y="0"/>
+          <a:ext cx="0" cy="0"/>
+          <a:chOff x="0" y="0"/>
+          <a:chExt cx="0" cy="0"/>
+        </a:xfrm>
+      </p:grpSpPr>
+      <p:sp>
+        <p:nvSpPr>
+          <p:cNvPr id="87" name="TextShape 1"/>
+          <p:cNvSpPr txBox="1"/>
+          <p:nvPr/>
+        </p:nvSpPr>
+        <p:spPr>
+          <a:xfrm>
+            <a:off x="457200" y="205920"/>
+            <a:ext cx="8229240" cy="857160"/>
+          </a:xfrm>
+          <a:prstGeom prst="rect">
+            <a:avLst/>
+          </a:prstGeom>
+          <a:noFill/>
+          <a:ln>
+            <a:noFill/>
+          </a:ln>
+        </p:spPr>
+        <p:txBody>
+          <a:bodyPr tIns="91440" bIns="91440" anchor="b"/>
+          <a:lstStyle/>
+          <a:p>
+            <a:pPr>
+              <a:lnSpc>
+                <a:spcPct val="100000"/>
+              </a:lnSpc>
+            </a:pPr>
+            <a:r>
+              <a:rPr lang="pt-BR" sz="3000" b="1" strike="noStrike" spc="-1">
+                <a:solidFill>
+                  <a:srgbClr val="FFFFFF"/>
+                </a:solidFill>
+                <a:uFill>
+                  <a:solidFill>
+                    <a:srgbClr val="FFFFFF"/>
                   </a:solidFill>
                 </a:uFill>
                 <a:latin typeface="Arial"/>
@@ -5038,13 +5946,13 @@
               </a:rPr>
               <a:t>Atividade #2: Retrospectiva</a:t>
             </a:r>
-            <a:endParaRPr b="0" lang="pt-BR" sz="1400" spc="-1" strike="noStrike">
-              <a:solidFill>
-                <a:srgbClr val="000000"/>
-              </a:solidFill>
-              <a:uFill>
-                <a:solidFill>
-                  <a:srgbClr val="ffffff"/>
+            <a:endParaRPr lang="pt-BR" sz="1400" b="0" strike="noStrike" spc="-1">
+              <a:solidFill>
+                <a:srgbClr val="000000"/>
+              </a:solidFill>
+              <a:uFill>
+                <a:solidFill>
+                  <a:srgbClr val="FFFFFF"/>
                 </a:solidFill>
               </a:uFill>
               <a:latin typeface="Arial"/>
@@ -5073,380 +5981,66 @@
         </p:spPr>
         <p:txBody>
           <a:bodyPr tIns="91440" bIns="91440"/>
-          <a:p>
-            <a:pPr marL="457200" indent="-317160">
-              <a:lnSpc>
-                <a:spcPct val="100000"/>
-              </a:lnSpc>
-              <a:buClr>
-                <a:srgbClr val="000000"/>
-              </a:buClr>
-              <a:buFont typeface="Arial"/>
-              <a:buChar char="➔"/>
-            </a:pPr>
+          <a:lstStyle/>
+          <a:p>
+            <a:pPr lvl="0" fontAlgn="base"/>
             <a:r>
-              <a:rPr b="1" lang="pt-BR" sz="1400" spc="-1" strike="noStrike">
-                <a:solidFill>
-                  <a:srgbClr val="333333"/>
-                </a:solidFill>
-                <a:uFill>
-                  <a:solidFill>
-                    <a:srgbClr val="ffffff"/>
-                  </a:solidFill>
-                </a:uFill>
-                <a:latin typeface="Arial"/>
-                <a:ea typeface="Arial"/>
-              </a:rPr>
+              <a:rPr lang="pt-BR" b="1" dirty="0"/>
               <a:t>O que foi bem </a:t>
             </a:r>
-            <a:endParaRPr b="0" lang="pt-BR" sz="1400" spc="-1" strike="noStrike">
-              <a:solidFill>
-                <a:srgbClr val="000000"/>
-              </a:solidFill>
-              <a:uFill>
-                <a:solidFill>
-                  <a:srgbClr val="ffffff"/>
-                </a:solidFill>
-              </a:uFill>
-              <a:latin typeface="Arial"/>
-            </a:endParaRPr>
-          </a:p>
-          <a:p>
-            <a:pPr>
-              <a:lnSpc>
-                <a:spcPct val="100000"/>
-              </a:lnSpc>
-            </a:pPr>
+            <a:endParaRPr lang="pt-BR" sz="1400" u="none" strike="noStrike" dirty="0">
+              <a:effectLst/>
+            </a:endParaRPr>
+          </a:p>
+          <a:p>
             <a:r>
-              <a:rPr b="0" lang="pt-BR" sz="1400" spc="-1" strike="noStrike">
-                <a:solidFill>
-                  <a:srgbClr val="333333"/>
-                </a:solidFill>
-                <a:uFill>
-                  <a:solidFill>
-                    <a:srgbClr val="ffffff"/>
-                  </a:solidFill>
-                </a:uFill>
-                <a:latin typeface="Arial"/>
-                <a:ea typeface="Arial"/>
-              </a:rPr>
-              <a:t>- Todas as tarefas definidas na reunião de planejamento foram atingidas.</a:t>
+              <a:rPr lang="pt-BR" dirty="0"/>
+              <a:t>A equipe não teve muita dificuldade e desenvolveu a Sprint de forma entrosada e com boa comunicação, como também buscamos verificar com atenção os processos pra encontrar bugs.</a:t>
             </a:r>
-            <a:endParaRPr b="0" lang="pt-BR" sz="1400" spc="-1" strike="noStrike">
-              <a:solidFill>
-                <a:srgbClr val="000000"/>
-              </a:solidFill>
-              <a:uFill>
-                <a:solidFill>
-                  <a:srgbClr val="ffffff"/>
-                </a:solidFill>
-              </a:uFill>
-              <a:latin typeface="Arial"/>
-            </a:endParaRPr>
-          </a:p>
-          <a:p>
-            <a:pPr>
-              <a:lnSpc>
-                <a:spcPct val="100000"/>
-              </a:lnSpc>
-            </a:pPr>
+          </a:p>
+          <a:p>
             <a:r>
-              <a:rPr b="0" lang="pt-BR" sz="1400" spc="-1" strike="noStrike">
-                <a:solidFill>
-                  <a:srgbClr val="333333"/>
-                </a:solidFill>
-                <a:uFill>
-                  <a:solidFill>
-                    <a:srgbClr val="ffffff"/>
-                  </a:solidFill>
-                </a:uFill>
-                <a:latin typeface="Arial"/>
-                <a:ea typeface="Arial"/>
-              </a:rPr>
-              <a:t>- Bom relacionamento e comprometimento dos membros da equipe.</a:t>
+              <a:rPr lang="pt-BR" dirty="0"/>
+              <a:t> </a:t>
             </a:r>
-            <a:endParaRPr b="0" lang="pt-BR" sz="1400" spc="-1" strike="noStrike">
-              <a:solidFill>
-                <a:srgbClr val="000000"/>
-              </a:solidFill>
-              <a:uFill>
-                <a:solidFill>
-                  <a:srgbClr val="ffffff"/>
-                </a:solidFill>
-              </a:uFill>
-              <a:latin typeface="Arial"/>
-            </a:endParaRPr>
-          </a:p>
-          <a:p>
-            <a:pPr>
-              <a:lnSpc>
-                <a:spcPct val="100000"/>
-              </a:lnSpc>
-            </a:pPr>
-            <a:endParaRPr b="0" lang="pt-BR" sz="1400" spc="-1" strike="noStrike">
-              <a:solidFill>
-                <a:srgbClr val="000000"/>
-              </a:solidFill>
-              <a:uFill>
-                <a:solidFill>
-                  <a:srgbClr val="ffffff"/>
-                </a:solidFill>
-              </a:uFill>
-              <a:latin typeface="Arial"/>
-            </a:endParaRPr>
-          </a:p>
-          <a:p>
-            <a:pPr marL="457200" indent="-317160">
-              <a:lnSpc>
-                <a:spcPct val="100000"/>
-              </a:lnSpc>
-              <a:buClr>
-                <a:srgbClr val="333333"/>
-              </a:buClr>
-              <a:buFont typeface="Arial"/>
-              <a:buChar char="➔"/>
-            </a:pPr>
+          </a:p>
+          <a:p>
+            <a:pPr lvl="0" fontAlgn="base"/>
             <a:r>
-              <a:rPr b="1" lang="pt-BR" sz="1400" spc="-1" strike="noStrike">
-                <a:solidFill>
-                  <a:srgbClr val="333333"/>
-                </a:solidFill>
-                <a:uFill>
-                  <a:solidFill>
-                    <a:srgbClr val="ffffff"/>
-                  </a:solidFill>
-                </a:uFill>
-                <a:latin typeface="Arial"/>
-                <a:ea typeface="Arial"/>
-              </a:rPr>
-              <a:t> </a:t>
+              <a:rPr lang="pt-BR" b="1" dirty="0"/>
+              <a:t> O que não foi tão bem</a:t>
             </a:r>
+            <a:endParaRPr lang="pt-BR" sz="1400" u="none" strike="noStrike" dirty="0">
+              <a:effectLst/>
+            </a:endParaRPr>
+          </a:p>
+          <a:p>
             <a:r>
-              <a:rPr b="1" lang="pt-BR" sz="1400" spc="-1" strike="noStrike">
-                <a:solidFill>
-                  <a:srgbClr val="333333"/>
-                </a:solidFill>
-                <a:uFill>
-                  <a:solidFill>
-                    <a:srgbClr val="ffffff"/>
-                  </a:solidFill>
-                </a:uFill>
-                <a:latin typeface="Arial"/>
-                <a:ea typeface="Arial"/>
-              </a:rPr>
-              <a:t>O que não foi tão bem</a:t>
+              <a:rPr lang="pt-BR" dirty="0"/>
+              <a:t>Parte da Sprint teve foco em manipulação de arquivos, como tínhamos pouca experiência atrasou um pouco na implementação.</a:t>
             </a:r>
-            <a:endParaRPr b="0" lang="pt-BR" sz="1400" spc="-1" strike="noStrike">
-              <a:solidFill>
-                <a:srgbClr val="000000"/>
-              </a:solidFill>
-              <a:uFill>
-                <a:solidFill>
-                  <a:srgbClr val="ffffff"/>
-                </a:solidFill>
-              </a:uFill>
-              <a:latin typeface="Arial"/>
-            </a:endParaRPr>
-          </a:p>
-          <a:p>
-            <a:pPr>
-              <a:lnSpc>
-                <a:spcPct val="100000"/>
-              </a:lnSpc>
-            </a:pPr>
+          </a:p>
+          <a:p>
             <a:r>
-              <a:rPr b="1" lang="pt-BR" sz="1400" spc="-1" strike="noStrike">
-                <a:solidFill>
-                  <a:srgbClr val="333333"/>
-                </a:solidFill>
-                <a:uFill>
-                  <a:solidFill>
-                    <a:srgbClr val="ffffff"/>
-                  </a:solidFill>
-                </a:uFill>
-                <a:latin typeface="Arial"/>
-                <a:ea typeface="Arial"/>
-              </a:rPr>
-              <a:t>	</a:t>
+              <a:rPr lang="pt-BR" dirty="0"/>
+              <a:t> </a:t>
             </a:r>
+          </a:p>
+          <a:p>
+            <a:pPr lvl="0" fontAlgn="base"/>
             <a:r>
-              <a:rPr b="0" lang="pt-BR" sz="1400" spc="-1" strike="noStrike">
-                <a:solidFill>
-                  <a:srgbClr val="333333"/>
-                </a:solidFill>
-                <a:uFill>
-                  <a:solidFill>
-                    <a:srgbClr val="ffffff"/>
-                  </a:solidFill>
-                </a:uFill>
-                <a:latin typeface="Arial"/>
-                <a:ea typeface="Arial"/>
-              </a:rPr>
-              <a:t>- Dificuldades de comunicação (Team geograficamente disperso).</a:t>
-            </a:r>
-            <a:endParaRPr b="0" lang="pt-BR" sz="1400" spc="-1" strike="noStrike">
-              <a:solidFill>
-                <a:srgbClr val="000000"/>
-              </a:solidFill>
-              <a:uFill>
-                <a:solidFill>
-                  <a:srgbClr val="ffffff"/>
-                </a:solidFill>
-              </a:uFill>
-              <a:latin typeface="Arial"/>
-            </a:endParaRPr>
-          </a:p>
-          <a:p>
-            <a:pPr>
-              <a:lnSpc>
-                <a:spcPct val="100000"/>
-              </a:lnSpc>
-            </a:pPr>
-            <a:r>
-              <a:rPr b="0" lang="pt-BR" sz="1400" spc="-1" strike="noStrike">
-                <a:solidFill>
-                  <a:srgbClr val="333333"/>
-                </a:solidFill>
-                <a:uFill>
-                  <a:solidFill>
-                    <a:srgbClr val="ffffff"/>
-                  </a:solidFill>
-                </a:uFill>
-                <a:latin typeface="Arial"/>
-                <a:ea typeface="Arial"/>
-              </a:rPr>
-              <a:t>	</a:t>
-            </a:r>
-            <a:r>
-              <a:rPr b="0" lang="pt-BR" sz="1400" spc="-1" strike="noStrike">
-                <a:solidFill>
-                  <a:srgbClr val="333333"/>
-                </a:solidFill>
-                <a:uFill>
-                  <a:solidFill>
-                    <a:srgbClr val="ffffff"/>
-                  </a:solidFill>
-                </a:uFill>
-                <a:latin typeface="Arial"/>
-                <a:ea typeface="Arial"/>
-              </a:rPr>
-              <a:t>- Ferramentas de modelagem (Hydra - feature model) e framework (ScrumHalf) limitados.</a:t>
-            </a:r>
-            <a:endParaRPr b="0" lang="pt-BR" sz="1400" spc="-1" strike="noStrike">
-              <a:solidFill>
-                <a:srgbClr val="000000"/>
-              </a:solidFill>
-              <a:uFill>
-                <a:solidFill>
-                  <a:srgbClr val="ffffff"/>
-                </a:solidFill>
-              </a:uFill>
-              <a:latin typeface="Arial"/>
-            </a:endParaRPr>
-          </a:p>
-          <a:p>
-            <a:pPr>
-              <a:lnSpc>
-                <a:spcPct val="100000"/>
-              </a:lnSpc>
-            </a:pPr>
-            <a:r>
-              <a:rPr b="0" lang="pt-BR" sz="1400" spc="-1" strike="noStrike">
-                <a:solidFill>
-                  <a:srgbClr val="333333"/>
-                </a:solidFill>
-                <a:uFill>
-                  <a:solidFill>
-                    <a:srgbClr val="ffffff"/>
-                  </a:solidFill>
-                </a:uFill>
-                <a:latin typeface="Arial"/>
-                <a:ea typeface="Arial"/>
-              </a:rPr>
-              <a:t>	</a:t>
-            </a:r>
-            <a:r>
-              <a:rPr b="0" lang="pt-BR" sz="1400" spc="-1" strike="noStrike">
-                <a:solidFill>
-                  <a:srgbClr val="333333"/>
-                </a:solidFill>
-                <a:uFill>
-                  <a:solidFill>
-                    <a:srgbClr val="ffffff"/>
-                  </a:solidFill>
-                </a:uFill>
-                <a:latin typeface="Arial"/>
-                <a:ea typeface="Arial"/>
-              </a:rPr>
-              <a:t>- Gerenciamento do tempo ineficiente.</a:t>
-            </a:r>
-            <a:endParaRPr b="0" lang="pt-BR" sz="1400" spc="-1" strike="noStrike">
-              <a:solidFill>
-                <a:srgbClr val="000000"/>
-              </a:solidFill>
-              <a:uFill>
-                <a:solidFill>
-                  <a:srgbClr val="ffffff"/>
-                </a:solidFill>
-              </a:uFill>
-              <a:latin typeface="Arial"/>
-            </a:endParaRPr>
-          </a:p>
-          <a:p>
-            <a:pPr>
-              <a:lnSpc>
-                <a:spcPct val="100000"/>
-              </a:lnSpc>
-            </a:pPr>
-            <a:endParaRPr b="0" lang="pt-BR" sz="1400" spc="-1" strike="noStrike">
-              <a:solidFill>
-                <a:srgbClr val="000000"/>
-              </a:solidFill>
-              <a:uFill>
-                <a:solidFill>
-                  <a:srgbClr val="ffffff"/>
-                </a:solidFill>
-              </a:uFill>
-              <a:latin typeface="Arial"/>
-            </a:endParaRPr>
-          </a:p>
-          <a:p>
-            <a:pPr marL="457200" indent="-317160">
-              <a:lnSpc>
-                <a:spcPct val="100000"/>
-              </a:lnSpc>
-              <a:buClr>
-                <a:srgbClr val="333333"/>
-              </a:buClr>
-              <a:buFont typeface="Arial"/>
-              <a:buChar char="➔"/>
-            </a:pPr>
-            <a:r>
-              <a:rPr b="1" lang="pt-BR" sz="1400" spc="-1" strike="noStrike">
-                <a:solidFill>
-                  <a:srgbClr val="333333"/>
-                </a:solidFill>
-                <a:uFill>
-                  <a:solidFill>
-                    <a:srgbClr val="ffffff"/>
-                  </a:solidFill>
-                </a:uFill>
-                <a:latin typeface="Arial"/>
-                <a:ea typeface="Arial"/>
-              </a:rPr>
+              <a:rPr lang="pt-BR" b="1" dirty="0"/>
               <a:t>Melhoras</a:t>
             </a:r>
-            <a:endParaRPr b="0" lang="pt-BR" sz="1400" spc="-1" strike="noStrike">
-              <a:solidFill>
-                <a:srgbClr val="000000"/>
-              </a:solidFill>
-              <a:uFill>
-                <a:solidFill>
-                  <a:srgbClr val="ffffff"/>
-                </a:solidFill>
-              </a:uFill>
-              <a:latin typeface="Arial"/>
-            </a:endParaRPr>
+            <a:endParaRPr lang="pt-BR" sz="1400" u="none" strike="noStrike" dirty="0">
+              <a:effectLst/>
+            </a:endParaRPr>
+          </a:p>
+          <a:p>
+            <a:r>
+              <a:rPr lang="pt-BR" dirty="0"/>
+              <a:t>Buscar continuar/aumentar o ritmo de desenvolvimento que a equipe está, e rever o sistema por completo para investigar se há ausência de requisitos.</a:t>
+            </a:r>
           </a:p>
           <a:p>
             <a:pPr marL="457200">
@@ -5454,46 +6048,13 @@
                 <a:spcPct val="100000"/>
               </a:lnSpc>
             </a:pPr>
-            <a:r>
-              <a:rPr b="0" lang="pt-BR" sz="1400" spc="-1" strike="noStrike">
-                <a:solidFill>
-                  <a:srgbClr val="333333"/>
-                </a:solidFill>
-                <a:uFill>
-                  <a:solidFill>
-                    <a:srgbClr val="ffffff"/>
-                  </a:solidFill>
-                </a:uFill>
-                <a:latin typeface="Arial"/>
-                <a:ea typeface="Arial"/>
-              </a:rPr>
-              <a:t>- Estabelecer estratégias para o melhor gerenciamento da comunicação e de tempo do Team, afim de remover dificuldades. </a:t>
-            </a:r>
-            <a:endParaRPr b="0" lang="pt-BR" sz="1400" spc="-1" strike="noStrike">
-              <a:solidFill>
-                <a:srgbClr val="000000"/>
-              </a:solidFill>
-              <a:uFill>
-                <a:solidFill>
-                  <a:srgbClr val="ffffff"/>
-                </a:solidFill>
-              </a:uFill>
-              <a:latin typeface="Arial"/>
-            </a:endParaRPr>
-          </a:p>
-          <a:p>
-            <a:pPr marL="457200">
-              <a:lnSpc>
-                <a:spcPct val="100000"/>
-              </a:lnSpc>
-            </a:pPr>
-            <a:endParaRPr b="0" lang="pt-BR" sz="1400" spc="-1" strike="noStrike">
-              <a:solidFill>
-                <a:srgbClr val="000000"/>
-              </a:solidFill>
-              <a:uFill>
-                <a:solidFill>
-                  <a:srgbClr val="ffffff"/>
+            <a:endParaRPr lang="pt-BR" sz="1400" b="0" strike="noStrike" spc="-1" dirty="0">
+              <a:solidFill>
+                <a:srgbClr val="000000"/>
+              </a:solidFill>
+              <a:uFill>
+                <a:solidFill>
+                  <a:srgbClr val="FFFFFF"/>
                 </a:solidFill>
               </a:uFill>
               <a:latin typeface="Arial"/>
@@ -5503,22 +6064,25 @@
       </p:sp>
     </p:spTree>
   </p:cSld>
+  <p:clrMapOvr>
+    <a:masterClrMapping/>
+  </p:clrMapOvr>
   <p:timing>
     <p:tnLst>
       <p:par>
-        <p:cTn id="11" dur="indefinite" restart="never" nodeType="tmRoot">
+        <p:cTn id="1" dur="indefinite" restart="never" nodeType="tmRoot">
           <p:childTnLst>
             <p:seq>
-              <p:cTn id="12" nodeType="mainSeq"/>
+              <p:cTn id="2" nodeType="mainSeq"/>
               <p:prevCondLst>
-                <p:cond delay="0" evt="onPrev">
+                <p:cond evt="onPrev" delay="0">
                   <p:tgtEl>
                     <p:sldTgt/>
                   </p:tgtEl>
                 </p:cond>
               </p:prevCondLst>
               <p:nextCondLst>
-                <p:cond delay="0" evt="onNext">
+                <p:cond evt="onNext" delay="0">
                   <p:tgtEl>
                     <p:sldTgt/>
                   </p:tgtEl>
@@ -5753,6 +6317,8 @@
       </a:bgFillStyleLst>
     </a:fmtScheme>
   </a:themeElements>
+  <a:objectDefaults/>
+  <a:extraClrSchemeLst/>
 </a:theme>
 </file>
 
@@ -5976,5 +6542,7 @@
       </a:bgFillStyleLst>
     </a:fmtScheme>
   </a:themeElements>
+  <a:objectDefaults/>
+  <a:extraClrSchemeLst/>
 </a:theme>
 </file>
--- a/Sprint-7/Artefatos_Sprint7.pptx
+++ b/Sprint-7/Artefatos_Sprint7.pptx
@@ -11,9 +11,10 @@
     <p:sldId id="263" r:id="rId5"/>
     <p:sldId id="264" r:id="rId6"/>
     <p:sldId id="265" r:id="rId7"/>
-    <p:sldId id="258" r:id="rId8"/>
-    <p:sldId id="259" r:id="rId9"/>
-    <p:sldId id="261" r:id="rId10"/>
+    <p:sldId id="266" r:id="rId8"/>
+    <p:sldId id="258" r:id="rId9"/>
+    <p:sldId id="259" r:id="rId10"/>
+    <p:sldId id="261" r:id="rId11"/>
   </p:sldIdLst>
   <p:sldSz cx="9144000" cy="5143500" type="screen16x9"/>
   <p:notesSz cx="6858000" cy="9144000"/>
@@ -112,6 +113,11 @@
       </a:defRPr>
     </a:lvl9pPr>
   </p:defaultTextStyle>
+  <p:extLst>
+    <p:ext uri="{EFAFB233-063F-42B5-8137-9DF3F51BA10A}">
+      <p15:sldGuideLst xmlns:p15="http://schemas.microsoft.com/office/powerpoint/2012/main"/>
+    </p:ext>
+  </p:extLst>
 </p:presentation>
 </file>
 
@@ -5334,8 +5340,8 @@
         </p:blipFill>
         <p:spPr>
           <a:xfrm>
-            <a:off x="1148914" y="1882781"/>
-            <a:ext cx="6799934" cy="2378380"/>
+            <a:off x="1148914" y="1938649"/>
+            <a:ext cx="6799934" cy="2266644"/>
           </a:xfrm>
           <a:prstGeom prst="rect">
             <a:avLst/>
@@ -5562,8 +5568,8 @@
         </p:blipFill>
         <p:spPr>
           <a:xfrm>
-            <a:off x="1148914" y="1882781"/>
-            <a:ext cx="6799934" cy="2378380"/>
+            <a:off x="1656189" y="1882781"/>
+            <a:ext cx="5785384" cy="2378380"/>
           </a:xfrm>
           <a:prstGeom prst="rect">
             <a:avLst/>
@@ -5632,7 +5638,7 @@
       </p:grpSpPr>
       <p:sp>
         <p:nvSpPr>
-          <p:cNvPr id="81" name="TextShape 1"/>
+          <p:cNvPr id="79" name="TextShape 1"/>
           <p:cNvSpPr txBox="1"/>
           <p:nvPr/>
         </p:nvSpPr>
@@ -5653,16 +5659,33 @@
           <a:bodyPr tIns="91440" bIns="91440" anchor="b"/>
           <a:lstStyle/>
           <a:p>
-            <a:pPr>
+            <a:pPr marL="0" marR="0" lvl="0" indent="0" defTabSz="914400" eaLnBrk="1" fontAlgn="auto" latinLnBrk="0" hangingPunct="1">
               <a:lnSpc>
                 <a:spcPct val="100000"/>
               </a:lnSpc>
+              <a:spcBef>
+                <a:spcPts val="0"/>
+              </a:spcBef>
+              <a:spcAft>
+                <a:spcPts val="0"/>
+              </a:spcAft>
+              <a:buClrTx/>
+              <a:buSzTx/>
+              <a:buFontTx/>
+              <a:buNone/>
+              <a:tabLst/>
+              <a:defRPr/>
             </a:pPr>
             <a:r>
-              <a:rPr lang="pt-BR" sz="3600" b="1" strike="noStrike" spc="-1">
-                <a:solidFill>
-                  <a:srgbClr val="FFFFFF"/>
-                </a:solidFill>
+              <a:rPr kumimoji="0" lang="pt-BR" sz="3600" b="1" i="0" u="none" strike="noStrike" kern="0" cap="none" spc="-1" normalizeH="0" baseline="0" noProof="0" dirty="0">
+                <a:ln>
+                  <a:noFill/>
+                </a:ln>
+                <a:solidFill>
+                  <a:srgbClr val="FFFFFF"/>
+                </a:solidFill>
+                <a:effectLst/>
+                <a:uLnTx/>
                 <a:uFill>
                   <a:solidFill>
                     <a:srgbClr val="FFFFFF"/>
@@ -5672,12 +5695,77 @@
                 <a:ea typeface="Arial"/>
               </a:rPr>
               <a:t>
-Artefato #2: Sprint Backlog</a:t>
+Artefato #1: </a:t>
             </a:r>
-            <a:endParaRPr lang="pt-BR" sz="1400" b="0" strike="noStrike" spc="-1">
-              <a:solidFill>
-                <a:srgbClr val="000000"/>
-              </a:solidFill>
+            <a:r>
+              <a:rPr kumimoji="0" lang="pt-BR" sz="3600" b="1" i="0" u="none" strike="noStrike" kern="0" cap="none" spc="-1" normalizeH="0" baseline="0" noProof="0" dirty="0" err="1">
+                <a:ln>
+                  <a:noFill/>
+                </a:ln>
+                <a:solidFill>
+                  <a:srgbClr val="FFFFFF"/>
+                </a:solidFill>
+                <a:effectLst/>
+                <a:uLnTx/>
+                <a:uFill>
+                  <a:solidFill>
+                    <a:srgbClr val="FFFFFF"/>
+                  </a:solidFill>
+                </a:uFill>
+                <a:latin typeface="Arial"/>
+                <a:ea typeface="Arial"/>
+              </a:rPr>
+              <a:t>Product</a:t>
+            </a:r>
+            <a:r>
+              <a:rPr kumimoji="0" lang="pt-BR" sz="3600" b="1" i="0" u="none" strike="noStrike" kern="0" cap="none" spc="-1" normalizeH="0" baseline="0" noProof="0" dirty="0">
+                <a:ln>
+                  <a:noFill/>
+                </a:ln>
+                <a:solidFill>
+                  <a:srgbClr val="FFFFFF"/>
+                </a:solidFill>
+                <a:effectLst/>
+                <a:uLnTx/>
+                <a:uFill>
+                  <a:solidFill>
+                    <a:srgbClr val="FFFFFF"/>
+                  </a:solidFill>
+                </a:uFill>
+                <a:latin typeface="Arial"/>
+                <a:ea typeface="Arial"/>
+              </a:rPr>
+              <a:t> </a:t>
+            </a:r>
+            <a:r>
+              <a:rPr kumimoji="0" lang="pt-BR" sz="3600" b="1" i="0" u="none" strike="noStrike" kern="0" cap="none" spc="-1" normalizeH="0" baseline="0" noProof="0" dirty="0" err="1">
+                <a:ln>
+                  <a:noFill/>
+                </a:ln>
+                <a:solidFill>
+                  <a:srgbClr val="FFFFFF"/>
+                </a:solidFill>
+                <a:effectLst/>
+                <a:uLnTx/>
+                <a:uFill>
+                  <a:solidFill>
+                    <a:srgbClr val="FFFFFF"/>
+                  </a:solidFill>
+                </a:uFill>
+                <a:latin typeface="Arial"/>
+                <a:ea typeface="Arial"/>
+              </a:rPr>
+              <a:t>Backlog</a:t>
+            </a:r>
+            <a:endParaRPr kumimoji="0" lang="pt-BR" sz="1400" b="0" i="0" u="none" strike="noStrike" kern="0" cap="none" spc="-1" normalizeH="0" baseline="0" noProof="0" dirty="0">
+              <a:ln>
+                <a:noFill/>
+              </a:ln>
+              <a:solidFill>
+                <a:srgbClr val="000000"/>
+              </a:solidFill>
+              <a:effectLst/>
+              <a:uLnTx/>
               <a:uFill>
                 <a:solidFill>
                   <a:srgbClr val="FFFFFF"/>
@@ -5690,18 +5778,26 @@
       </p:sp>
       <p:pic>
         <p:nvPicPr>
-          <p:cNvPr id="82" name="Shape 47"/>
+          <p:cNvPr id="80" name="Shape 41"/>
           <p:cNvPicPr/>
           <p:nvPr/>
         </p:nvPicPr>
         <p:blipFill>
-          <a:blip r:embed="rId2"/>
-          <a:stretch/>
+          <a:blip r:embed="rId2">
+            <a:extLst>
+              <a:ext uri="{28A0092B-C50C-407E-A947-70E740481C1C}">
+                <a14:useLocalDpi xmlns:a14="http://schemas.microsoft.com/office/drawing/2010/main" val="0"/>
+              </a:ext>
+            </a:extLst>
+          </a:blip>
+          <a:stretch>
+            <a:fillRect/>
+          </a:stretch>
         </p:blipFill>
         <p:spPr>
           <a:xfrm>
-            <a:off x="457200" y="2041560"/>
-            <a:ext cx="8229240" cy="1830240"/>
+            <a:off x="1656189" y="1976292"/>
+            <a:ext cx="5785384" cy="2191357"/>
           </a:xfrm>
           <a:prstGeom prst="rect">
             <a:avLst/>
@@ -5712,6 +5808,11 @@
         </p:spPr>
       </p:pic>
     </p:spTree>
+    <p:extLst>
+      <p:ext uri="{BB962C8B-B14F-4D97-AF65-F5344CB8AC3E}">
+        <p14:creationId xmlns:p14="http://schemas.microsoft.com/office/powerpoint/2010/main" val="393512133"/>
+      </p:ext>
+    </p:extLst>
   </p:cSld>
   <p:clrMapOvr>
     <a:masterClrMapping/>
@@ -5765,7 +5866,7 @@
       </p:grpSpPr>
       <p:sp>
         <p:nvSpPr>
-          <p:cNvPr id="83" name="TextShape 1"/>
+          <p:cNvPr id="81" name="TextShape 1"/>
           <p:cNvSpPr txBox="1"/>
           <p:nvPr/>
         </p:nvSpPr>
@@ -5804,7 +5905,8 @@
                 <a:latin typeface="Arial"/>
                 <a:ea typeface="Arial"/>
               </a:rPr>
-              <a:t>Artefato #3: Gráfico Burndown</a:t>
+              <a:t>
+Artefato #2: Sprint Backlog</a:t>
             </a:r>
             <a:endParaRPr lang="pt-BR" sz="1400" b="0" strike="noStrike" spc="-1">
               <a:solidFill>
@@ -5822,7 +5924,7 @@
       </p:sp>
       <p:pic>
         <p:nvPicPr>
-          <p:cNvPr id="84" name="Shape 53"/>
+          <p:cNvPr id="82" name="Shape 47"/>
           <p:cNvPicPr/>
           <p:nvPr/>
         </p:nvPicPr>
@@ -5840,8 +5942,8 @@
         </p:blipFill>
         <p:spPr>
           <a:xfrm>
-            <a:off x="0" y="1984884"/>
-            <a:ext cx="9143640" cy="2240231"/>
+            <a:off x="1295008" y="2041560"/>
+            <a:ext cx="6553623" cy="1830240"/>
           </a:xfrm>
           <a:prstGeom prst="rect">
             <a:avLst/>
@@ -5887,6 +5989,146 @@
 </file>
 
 <file path=ppt/slides/slide8.xml><?xml version="1.0" encoding="utf-8"?>
+<p:sld xmlns:a="http://schemas.openxmlformats.org/drawingml/2006/main" xmlns:r="http://schemas.openxmlformats.org/officeDocument/2006/relationships" xmlns:p="http://schemas.openxmlformats.org/presentationml/2006/main">
+  <p:cSld>
+    <p:spTree>
+      <p:nvGrpSpPr>
+        <p:cNvPr id="1" name=""/>
+        <p:cNvGrpSpPr/>
+        <p:nvPr/>
+      </p:nvGrpSpPr>
+      <p:grpSpPr>
+        <a:xfrm>
+          <a:off x="0" y="0"/>
+          <a:ext cx="0" cy="0"/>
+          <a:chOff x="0" y="0"/>
+          <a:chExt cx="0" cy="0"/>
+        </a:xfrm>
+      </p:grpSpPr>
+      <p:sp>
+        <p:nvSpPr>
+          <p:cNvPr id="83" name="TextShape 1"/>
+          <p:cNvSpPr txBox="1"/>
+          <p:nvPr/>
+        </p:nvSpPr>
+        <p:spPr>
+          <a:xfrm>
+            <a:off x="457200" y="205920"/>
+            <a:ext cx="8229240" cy="857160"/>
+          </a:xfrm>
+          <a:prstGeom prst="rect">
+            <a:avLst/>
+          </a:prstGeom>
+          <a:noFill/>
+          <a:ln>
+            <a:noFill/>
+          </a:ln>
+        </p:spPr>
+        <p:txBody>
+          <a:bodyPr tIns="91440" bIns="91440" anchor="b"/>
+          <a:lstStyle/>
+          <a:p>
+            <a:pPr>
+              <a:lnSpc>
+                <a:spcPct val="100000"/>
+              </a:lnSpc>
+            </a:pPr>
+            <a:r>
+              <a:rPr lang="pt-BR" sz="3600" b="1" strike="noStrike" spc="-1">
+                <a:solidFill>
+                  <a:srgbClr val="FFFFFF"/>
+                </a:solidFill>
+                <a:uFill>
+                  <a:solidFill>
+                    <a:srgbClr val="FFFFFF"/>
+                  </a:solidFill>
+                </a:uFill>
+                <a:latin typeface="Arial"/>
+                <a:ea typeface="Arial"/>
+              </a:rPr>
+              <a:t>Artefato #3: Gráfico Burndown</a:t>
+            </a:r>
+            <a:endParaRPr lang="pt-BR" sz="1400" b="0" strike="noStrike" spc="-1">
+              <a:solidFill>
+                <a:srgbClr val="000000"/>
+              </a:solidFill>
+              <a:uFill>
+                <a:solidFill>
+                  <a:srgbClr val="FFFFFF"/>
+                </a:solidFill>
+              </a:uFill>
+              <a:latin typeface="Arial"/>
+            </a:endParaRPr>
+          </a:p>
+        </p:txBody>
+      </p:sp>
+      <p:pic>
+        <p:nvPicPr>
+          <p:cNvPr id="84" name="Shape 53"/>
+          <p:cNvPicPr/>
+          <p:nvPr/>
+        </p:nvPicPr>
+        <p:blipFill>
+          <a:blip r:embed="rId2">
+            <a:extLst>
+              <a:ext uri="{28A0092B-C50C-407E-A947-70E740481C1C}">
+                <a14:useLocalDpi xmlns:a14="http://schemas.microsoft.com/office/drawing/2010/main" val="0"/>
+              </a:ext>
+            </a:extLst>
+          </a:blip>
+          <a:stretch>
+            <a:fillRect/>
+          </a:stretch>
+        </p:blipFill>
+        <p:spPr>
+          <a:xfrm>
+            <a:off x="125531" y="2168525"/>
+            <a:ext cx="8892578" cy="1872949"/>
+          </a:xfrm>
+          <a:prstGeom prst="rect">
+            <a:avLst/>
+          </a:prstGeom>
+          <a:ln>
+            <a:noFill/>
+          </a:ln>
+        </p:spPr>
+      </p:pic>
+    </p:spTree>
+  </p:cSld>
+  <p:clrMapOvr>
+    <a:masterClrMapping/>
+  </p:clrMapOvr>
+  <p:timing>
+    <p:tnLst>
+      <p:par>
+        <p:cTn id="1" dur="indefinite" restart="never" nodeType="tmRoot">
+          <p:childTnLst>
+            <p:seq>
+              <p:cTn id="2" nodeType="mainSeq"/>
+              <p:prevCondLst>
+                <p:cond evt="onPrev" delay="0">
+                  <p:tgtEl>
+                    <p:sldTgt/>
+                  </p:tgtEl>
+                </p:cond>
+              </p:prevCondLst>
+              <p:nextCondLst>
+                <p:cond evt="onNext" delay="0">
+                  <p:tgtEl>
+                    <p:sldTgt/>
+                  </p:tgtEl>
+                </p:cond>
+              </p:nextCondLst>
+            </p:seq>
+          </p:childTnLst>
+        </p:cTn>
+      </p:par>
+    </p:tnLst>
+  </p:timing>
+</p:sld>
+</file>
+
+<file path=ppt/slides/slide9.xml><?xml version="1.0" encoding="utf-8"?>
 <p:sld xmlns:a="http://schemas.openxmlformats.org/drawingml/2006/main" xmlns:r="http://schemas.openxmlformats.org/officeDocument/2006/relationships" xmlns:p="http://schemas.openxmlformats.org/presentationml/2006/main">
   <p:cSld>
     <p:spTree>
